--- a/Topic 9 - AE1.pptx
+++ b/Topic 9 - AE1.pptx
@@ -112,6 +112,11 @@
       </a:defRPr>
     </a:lvl9pPr>
   </p:defaultTextStyle>
+  <p:extLst>
+    <p:ext uri="{EFAFB233-063F-42B5-8137-9DF3F51BA10A}">
+      <p15:sldGuideLst xmlns:p15="http://schemas.microsoft.com/office/powerpoint/2012/main"/>
+    </p:ext>
+  </p:extLst>
 </p:presentation>
 </file>
 
@@ -830,7 +835,7 @@
           <a:noFill/>
           <a:extLst>
             <a:ext uri="{909E8E84-426E-40dd-AFC4-6F175D3DCCD1}">
-              <a14:hiddenFill xmlns:a14="http://schemas.microsoft.com/office/drawing/2010/main" xmlns="">
+              <a14:hiddenFill xmlns="" xmlns:a14="http://schemas.microsoft.com/office/drawing/2010/main">
                 <a:solidFill>
                   <a:srgbClr val="FFFFFF"/>
                 </a:solidFill>
@@ -890,7 +895,7 @@
             </a:ln>
             <a:extLst>
               <a:ext uri="{91240B29-F687-4f45-9708-019B960494DF}">
-                <a14:hiddenLine xmlns:a14="http://schemas.microsoft.com/office/drawing/2010/main" xmlns="" w="9525">
+                <a14:hiddenLine xmlns="" xmlns:a14="http://schemas.microsoft.com/office/drawing/2010/main" w="9525">
                   <a:solidFill>
                     <a:srgbClr val="000000"/>
                   </a:solidFill>
@@ -980,7 +985,7 @@
             </a:ln>
             <a:extLst>
               <a:ext uri="{91240B29-F687-4f45-9708-019B960494DF}">
-                <a14:hiddenLine xmlns:a14="http://schemas.microsoft.com/office/drawing/2010/main" xmlns="" w="9525">
+                <a14:hiddenLine xmlns="" xmlns:a14="http://schemas.microsoft.com/office/drawing/2010/main" w="9525">
                   <a:solidFill>
                     <a:srgbClr val="000000"/>
                   </a:solidFill>
@@ -1070,7 +1075,7 @@
             </a:ln>
             <a:extLst>
               <a:ext uri="{91240B29-F687-4f45-9708-019B960494DF}">
-                <a14:hiddenLine xmlns:a14="http://schemas.microsoft.com/office/drawing/2010/main" xmlns="" w="9525">
+                <a14:hiddenLine xmlns="" xmlns:a14="http://schemas.microsoft.com/office/drawing/2010/main" w="9525">
                   <a:solidFill>
                     <a:srgbClr val="000000"/>
                   </a:solidFill>
@@ -1104,7 +1109,7 @@
             </a:ln>
             <a:extLst>
               <a:ext uri="{91240B29-F687-4f45-9708-019B960494DF}">
-                <a14:hiddenLine xmlns:a14="http://schemas.microsoft.com/office/drawing/2010/main" xmlns="" w="9525">
+                <a14:hiddenLine xmlns="" xmlns:a14="http://schemas.microsoft.com/office/drawing/2010/main" w="9525">
                   <a:solidFill>
                     <a:srgbClr val="000000"/>
                   </a:solidFill>
@@ -1194,7 +1199,7 @@
             </a:ln>
             <a:extLst>
               <a:ext uri="{91240B29-F687-4f45-9708-019B960494DF}">
-                <a14:hiddenLine xmlns:a14="http://schemas.microsoft.com/office/drawing/2010/main" xmlns="" w="9525">
+                <a14:hiddenLine xmlns="" xmlns:a14="http://schemas.microsoft.com/office/drawing/2010/main" w="9525">
                   <a:solidFill>
                     <a:srgbClr val="000000"/>
                   </a:solidFill>
@@ -1256,7 +1261,7 @@
             </a:ln>
             <a:extLst>
               <a:ext uri="{91240B29-F687-4f45-9708-019B960494DF}">
-                <a14:hiddenLine xmlns:a14="http://schemas.microsoft.com/office/drawing/2010/main" xmlns="" w="9525">
+                <a14:hiddenLine xmlns="" xmlns:a14="http://schemas.microsoft.com/office/drawing/2010/main" w="9525">
                   <a:solidFill>
                     <a:srgbClr val="000000"/>
                   </a:solidFill>
@@ -1318,7 +1323,7 @@
             </a:ln>
             <a:extLst>
               <a:ext uri="{91240B29-F687-4f45-9708-019B960494DF}">
-                <a14:hiddenLine xmlns:a14="http://schemas.microsoft.com/office/drawing/2010/main" xmlns="" w="9525">
+                <a14:hiddenLine xmlns="" xmlns:a14="http://schemas.microsoft.com/office/drawing/2010/main" w="9525">
                   <a:solidFill>
                     <a:srgbClr val="000000"/>
                   </a:solidFill>
@@ -1408,7 +1413,7 @@
             </a:ln>
             <a:extLst>
               <a:ext uri="{91240B29-F687-4f45-9708-019B960494DF}">
-                <a14:hiddenLine xmlns:a14="http://schemas.microsoft.com/office/drawing/2010/main" xmlns="" w="9525">
+                <a14:hiddenLine xmlns="" xmlns:a14="http://schemas.microsoft.com/office/drawing/2010/main" w="9525">
                   <a:solidFill>
                     <a:srgbClr val="000000"/>
                   </a:solidFill>
@@ -1470,7 +1475,7 @@
             </a:ln>
             <a:extLst>
               <a:ext uri="{91240B29-F687-4f45-9708-019B960494DF}">
-                <a14:hiddenLine xmlns:a14="http://schemas.microsoft.com/office/drawing/2010/main" xmlns="" w="9525">
+                <a14:hiddenLine xmlns="" xmlns:a14="http://schemas.microsoft.com/office/drawing/2010/main" w="9525">
                   <a:solidFill>
                     <a:srgbClr val="000000"/>
                   </a:solidFill>
@@ -1532,7 +1537,7 @@
             </a:ln>
             <a:extLst>
               <a:ext uri="{91240B29-F687-4f45-9708-019B960494DF}">
-                <a14:hiddenLine xmlns:a14="http://schemas.microsoft.com/office/drawing/2010/main" xmlns="" w="9525">
+                <a14:hiddenLine xmlns="" xmlns:a14="http://schemas.microsoft.com/office/drawing/2010/main" w="9525">
                   <a:solidFill>
                     <a:srgbClr val="000000"/>
                   </a:solidFill>
@@ -1622,7 +1627,7 @@
             </a:ln>
             <a:extLst>
               <a:ext uri="{91240B29-F687-4f45-9708-019B960494DF}">
-                <a14:hiddenLine xmlns:a14="http://schemas.microsoft.com/office/drawing/2010/main" xmlns="" w="9525">
+                <a14:hiddenLine xmlns="" xmlns:a14="http://schemas.microsoft.com/office/drawing/2010/main" w="9525">
                   <a:solidFill>
                     <a:srgbClr val="000000"/>
                   </a:solidFill>
@@ -1712,7 +1717,7 @@
             </a:ln>
             <a:extLst>
               <a:ext uri="{91240B29-F687-4f45-9708-019B960494DF}">
-                <a14:hiddenLine xmlns:a14="http://schemas.microsoft.com/office/drawing/2010/main" xmlns="" w="9525">
+                <a14:hiddenLine xmlns="" xmlns:a14="http://schemas.microsoft.com/office/drawing/2010/main" w="9525">
                   <a:solidFill>
                     <a:srgbClr val="000000"/>
                   </a:solidFill>
@@ -1774,7 +1779,7 @@
             </a:ln>
             <a:extLst>
               <a:ext uri="{91240B29-F687-4f45-9708-019B960494DF}">
-                <a14:hiddenLine xmlns:a14="http://schemas.microsoft.com/office/drawing/2010/main" xmlns="" w="9525">
+                <a14:hiddenLine xmlns="" xmlns:a14="http://schemas.microsoft.com/office/drawing/2010/main" w="9525">
                   <a:solidFill>
                     <a:srgbClr val="000000"/>
                   </a:solidFill>
@@ -1884,7 +1889,7 @@
             </a:ln>
             <a:extLst>
               <a:ext uri="{91240B29-F687-4f45-9708-019B960494DF}">
-                <a14:hiddenLine xmlns:a14="http://schemas.microsoft.com/office/drawing/2010/main" xmlns="" w="9525">
+                <a14:hiddenLine xmlns="" xmlns:a14="http://schemas.microsoft.com/office/drawing/2010/main" w="9525">
                   <a:solidFill>
                     <a:srgbClr val="000000"/>
                   </a:solidFill>
@@ -1946,7 +1951,7 @@
             </a:ln>
             <a:extLst>
               <a:ext uri="{91240B29-F687-4f45-9708-019B960494DF}">
-                <a14:hiddenLine xmlns:a14="http://schemas.microsoft.com/office/drawing/2010/main" xmlns="" w="9525">
+                <a14:hiddenLine xmlns="" xmlns:a14="http://schemas.microsoft.com/office/drawing/2010/main" w="9525">
                   <a:solidFill>
                     <a:srgbClr val="000000"/>
                   </a:solidFill>
@@ -2036,7 +2041,7 @@
             </a:ln>
             <a:extLst>
               <a:ext uri="{91240B29-F687-4f45-9708-019B960494DF}">
-                <a14:hiddenLine xmlns:a14="http://schemas.microsoft.com/office/drawing/2010/main" xmlns="" w="9525">
+                <a14:hiddenLine xmlns="" xmlns:a14="http://schemas.microsoft.com/office/drawing/2010/main" w="9525">
                   <a:solidFill>
                     <a:srgbClr val="000000"/>
                   </a:solidFill>
@@ -2126,7 +2131,7 @@
             </a:ln>
             <a:extLst>
               <a:ext uri="{91240B29-F687-4f45-9708-019B960494DF}">
-                <a14:hiddenLine xmlns:a14="http://schemas.microsoft.com/office/drawing/2010/main" xmlns="" w="9525">
+                <a14:hiddenLine xmlns="" xmlns:a14="http://schemas.microsoft.com/office/drawing/2010/main" w="9525">
                   <a:solidFill>
                     <a:srgbClr val="000000"/>
                   </a:solidFill>
@@ -2188,7 +2193,7 @@
             </a:ln>
             <a:extLst>
               <a:ext uri="{91240B29-F687-4f45-9708-019B960494DF}">
-                <a14:hiddenLine xmlns:a14="http://schemas.microsoft.com/office/drawing/2010/main" xmlns="" w="9525">
+                <a14:hiddenLine xmlns="" xmlns:a14="http://schemas.microsoft.com/office/drawing/2010/main" w="9525">
                   <a:solidFill>
                     <a:srgbClr val="000000"/>
                   </a:solidFill>
@@ -2278,7 +2283,7 @@
             </a:ln>
             <a:extLst>
               <a:ext uri="{91240B29-F687-4f45-9708-019B960494DF}">
-                <a14:hiddenLine xmlns:a14="http://schemas.microsoft.com/office/drawing/2010/main" xmlns="" w="9525">
+                <a14:hiddenLine xmlns="" xmlns:a14="http://schemas.microsoft.com/office/drawing/2010/main" w="9525">
                   <a:solidFill>
                     <a:srgbClr val="000000"/>
                   </a:solidFill>
@@ -2368,7 +2373,7 @@
             </a:ln>
             <a:extLst>
               <a:ext uri="{91240B29-F687-4f45-9708-019B960494DF}">
-                <a14:hiddenLine xmlns:a14="http://schemas.microsoft.com/office/drawing/2010/main" xmlns="" w="9525">
+                <a14:hiddenLine xmlns="" xmlns:a14="http://schemas.microsoft.com/office/drawing/2010/main" w="9525">
                   <a:solidFill>
                     <a:srgbClr val="000000"/>
                   </a:solidFill>
@@ -2424,7 +2429,7 @@
             </a:ln>
             <a:extLst>
               <a:ext uri="{91240B29-F687-4f45-9708-019B960494DF}">
-                <a14:hiddenLine xmlns:a14="http://schemas.microsoft.com/office/drawing/2010/main" xmlns="" w="9525">
+                <a14:hiddenLine xmlns="" xmlns:a14="http://schemas.microsoft.com/office/drawing/2010/main" w="9525">
                   <a:solidFill>
                     <a:srgbClr val="000000"/>
                   </a:solidFill>
@@ -2514,7 +2519,7 @@
             </a:ln>
             <a:extLst>
               <a:ext uri="{91240B29-F687-4f45-9708-019B960494DF}">
-                <a14:hiddenLine xmlns:a14="http://schemas.microsoft.com/office/drawing/2010/main" xmlns="" w="9525">
+                <a14:hiddenLine xmlns="" xmlns:a14="http://schemas.microsoft.com/office/drawing/2010/main" w="9525">
                   <a:solidFill>
                     <a:srgbClr val="000000"/>
                   </a:solidFill>
@@ -2570,7 +2575,7 @@
             </a:ln>
             <a:extLst>
               <a:ext uri="{91240B29-F687-4f45-9708-019B960494DF}">
-                <a14:hiddenLine xmlns:a14="http://schemas.microsoft.com/office/drawing/2010/main" xmlns="" w="9525">
+                <a14:hiddenLine xmlns="" xmlns:a14="http://schemas.microsoft.com/office/drawing/2010/main" w="9525">
                   <a:solidFill>
                     <a:srgbClr val="000000"/>
                   </a:solidFill>
@@ -2660,7 +2665,7 @@
             </a:ln>
             <a:extLst>
               <a:ext uri="{91240B29-F687-4f45-9708-019B960494DF}">
-                <a14:hiddenLine xmlns:a14="http://schemas.microsoft.com/office/drawing/2010/main" xmlns="" w="9525">
+                <a14:hiddenLine xmlns="" xmlns:a14="http://schemas.microsoft.com/office/drawing/2010/main" w="9525">
                   <a:solidFill>
                     <a:srgbClr val="000000"/>
                   </a:solidFill>
@@ -2728,7 +2733,7 @@
             </a:ln>
             <a:extLst>
               <a:ext uri="{91240B29-F687-4f45-9708-019B960494DF}">
-                <a14:hiddenLine xmlns:a14="http://schemas.microsoft.com/office/drawing/2010/main" xmlns="" w="9525">
+                <a14:hiddenLine xmlns="" xmlns:a14="http://schemas.microsoft.com/office/drawing/2010/main" w="9525">
                   <a:solidFill>
                     <a:srgbClr val="000000"/>
                   </a:solidFill>
@@ -2818,7 +2823,7 @@
             </a:ln>
             <a:extLst>
               <a:ext uri="{91240B29-F687-4f45-9708-019B960494DF}">
-                <a14:hiddenLine xmlns:a14="http://schemas.microsoft.com/office/drawing/2010/main" xmlns="" w="9525">
+                <a14:hiddenLine xmlns="" xmlns:a14="http://schemas.microsoft.com/office/drawing/2010/main" w="9525">
                   <a:solidFill>
                     <a:srgbClr val="000000"/>
                   </a:solidFill>
@@ -2886,7 +2891,7 @@
             </a:ln>
             <a:extLst>
               <a:ext uri="{91240B29-F687-4f45-9708-019B960494DF}">
-                <a14:hiddenLine xmlns:a14="http://schemas.microsoft.com/office/drawing/2010/main" xmlns="" w="9525">
+                <a14:hiddenLine xmlns="" xmlns:a14="http://schemas.microsoft.com/office/drawing/2010/main" w="9525">
                   <a:solidFill>
                     <a:srgbClr val="000000"/>
                   </a:solidFill>
@@ -2976,7 +2981,7 @@
             </a:ln>
             <a:extLst>
               <a:ext uri="{91240B29-F687-4f45-9708-019B960494DF}">
-                <a14:hiddenLine xmlns:a14="http://schemas.microsoft.com/office/drawing/2010/main" xmlns="" w="9525">
+                <a14:hiddenLine xmlns="" xmlns:a14="http://schemas.microsoft.com/office/drawing/2010/main" w="9525">
                   <a:solidFill>
                     <a:srgbClr val="000000"/>
                   </a:solidFill>
@@ -3010,7 +3015,7 @@
             </a:ln>
             <a:extLst>
               <a:ext uri="{91240B29-F687-4f45-9708-019B960494DF}">
-                <a14:hiddenLine xmlns:a14="http://schemas.microsoft.com/office/drawing/2010/main" xmlns="" w="9525">
+                <a14:hiddenLine xmlns="" xmlns:a14="http://schemas.microsoft.com/office/drawing/2010/main" w="9525">
                   <a:solidFill>
                     <a:srgbClr val="000000"/>
                   </a:solidFill>
@@ -3100,7 +3105,7 @@
             </a:ln>
             <a:extLst>
               <a:ext uri="{91240B29-F687-4f45-9708-019B960494DF}">
-                <a14:hiddenLine xmlns:a14="http://schemas.microsoft.com/office/drawing/2010/main" xmlns="" w="9525">
+                <a14:hiddenLine xmlns="" xmlns:a14="http://schemas.microsoft.com/office/drawing/2010/main" w="9525">
                   <a:solidFill>
                     <a:srgbClr val="000000"/>
                   </a:solidFill>
@@ -3162,7 +3167,7 @@
             </a:ln>
             <a:extLst>
               <a:ext uri="{91240B29-F687-4f45-9708-019B960494DF}">
-                <a14:hiddenLine xmlns:a14="http://schemas.microsoft.com/office/drawing/2010/main" xmlns="" w="9525">
+                <a14:hiddenLine xmlns="" xmlns:a14="http://schemas.microsoft.com/office/drawing/2010/main" w="9525">
                   <a:solidFill>
                     <a:srgbClr val="000000"/>
                   </a:solidFill>
@@ -3224,7 +3229,7 @@
             </a:ln>
             <a:extLst>
               <a:ext uri="{91240B29-F687-4f45-9708-019B960494DF}">
-                <a14:hiddenLine xmlns:a14="http://schemas.microsoft.com/office/drawing/2010/main" xmlns="" w="9525">
+                <a14:hiddenLine xmlns="" xmlns:a14="http://schemas.microsoft.com/office/drawing/2010/main" w="9525">
                   <a:solidFill>
                     <a:srgbClr val="000000"/>
                   </a:solidFill>
@@ -3314,7 +3319,7 @@
             </a:ln>
             <a:extLst>
               <a:ext uri="{91240B29-F687-4f45-9708-019B960494DF}">
-                <a14:hiddenLine xmlns:a14="http://schemas.microsoft.com/office/drawing/2010/main" xmlns="" w="9525">
+                <a14:hiddenLine xmlns="" xmlns:a14="http://schemas.microsoft.com/office/drawing/2010/main" w="9525">
                   <a:solidFill>
                     <a:srgbClr val="000000"/>
                   </a:solidFill>
@@ -3382,7 +3387,7 @@
             </a:ln>
             <a:extLst>
               <a:ext uri="{91240B29-F687-4f45-9708-019B960494DF}">
-                <a14:hiddenLine xmlns:a14="http://schemas.microsoft.com/office/drawing/2010/main" xmlns="" w="9525">
+                <a14:hiddenLine xmlns="" xmlns:a14="http://schemas.microsoft.com/office/drawing/2010/main" w="9525">
                   <a:solidFill>
                     <a:srgbClr val="000000"/>
                   </a:solidFill>
@@ -3444,7 +3449,7 @@
             </a:ln>
             <a:extLst>
               <a:ext uri="{91240B29-F687-4f45-9708-019B960494DF}">
-                <a14:hiddenLine xmlns:a14="http://schemas.microsoft.com/office/drawing/2010/main" xmlns="" w="9525">
+                <a14:hiddenLine xmlns="" xmlns:a14="http://schemas.microsoft.com/office/drawing/2010/main" w="9525">
                   <a:solidFill>
                     <a:srgbClr val="000000"/>
                   </a:solidFill>
@@ -3534,7 +3539,7 @@
             </a:ln>
             <a:extLst>
               <a:ext uri="{91240B29-F687-4f45-9708-019B960494DF}">
-                <a14:hiddenLine xmlns:a14="http://schemas.microsoft.com/office/drawing/2010/main" xmlns="" w="9525">
+                <a14:hiddenLine xmlns="" xmlns:a14="http://schemas.microsoft.com/office/drawing/2010/main" w="9525">
                   <a:solidFill>
                     <a:srgbClr val="000000"/>
                   </a:solidFill>
@@ -3596,7 +3601,7 @@
             </a:ln>
             <a:extLst>
               <a:ext uri="{91240B29-F687-4f45-9708-019B960494DF}">
-                <a14:hiddenLine xmlns:a14="http://schemas.microsoft.com/office/drawing/2010/main" xmlns="" w="9525">
+                <a14:hiddenLine xmlns="" xmlns:a14="http://schemas.microsoft.com/office/drawing/2010/main" w="9525">
                   <a:solidFill>
                     <a:srgbClr val="000000"/>
                   </a:solidFill>
@@ -3686,7 +3691,7 @@
             </a:ln>
             <a:extLst>
               <a:ext uri="{91240B29-F687-4f45-9708-019B960494DF}">
-                <a14:hiddenLine xmlns:a14="http://schemas.microsoft.com/office/drawing/2010/main" xmlns="" w="9525">
+                <a14:hiddenLine xmlns="" xmlns:a14="http://schemas.microsoft.com/office/drawing/2010/main" w="9525">
                   <a:solidFill>
                     <a:srgbClr val="000000"/>
                   </a:solidFill>
@@ -3748,7 +3753,7 @@
             </a:ln>
             <a:extLst>
               <a:ext uri="{91240B29-F687-4f45-9708-019B960494DF}">
-                <a14:hiddenLine xmlns:a14="http://schemas.microsoft.com/office/drawing/2010/main" xmlns="" w="9525">
+                <a14:hiddenLine xmlns="" xmlns:a14="http://schemas.microsoft.com/office/drawing/2010/main" w="9525">
                   <a:solidFill>
                     <a:srgbClr val="000000"/>
                   </a:solidFill>
@@ -3838,7 +3843,7 @@
             </a:ln>
             <a:extLst>
               <a:ext uri="{91240B29-F687-4f45-9708-019B960494DF}">
-                <a14:hiddenLine xmlns:a14="http://schemas.microsoft.com/office/drawing/2010/main" xmlns="" w="9525">
+                <a14:hiddenLine xmlns="" xmlns:a14="http://schemas.microsoft.com/office/drawing/2010/main" w="9525">
                   <a:solidFill>
                     <a:srgbClr val="000000"/>
                   </a:solidFill>
@@ -3872,7 +3877,7 @@
             </a:ln>
             <a:extLst>
               <a:ext uri="{91240B29-F687-4f45-9708-019B960494DF}">
-                <a14:hiddenLine xmlns:a14="http://schemas.microsoft.com/office/drawing/2010/main" xmlns="" w="9525">
+                <a14:hiddenLine xmlns="" xmlns:a14="http://schemas.microsoft.com/office/drawing/2010/main" w="9525">
                   <a:solidFill>
                     <a:srgbClr val="000000"/>
                   </a:solidFill>
@@ -3937,7 +3942,7 @@
             </a:ln>
             <a:extLst>
               <a:ext uri="{91240B29-F687-4f45-9708-019B960494DF}">
-                <a14:hiddenLine xmlns:a14="http://schemas.microsoft.com/office/drawing/2010/main" xmlns="" w="9525">
+                <a14:hiddenLine xmlns="" xmlns:a14="http://schemas.microsoft.com/office/drawing/2010/main" w="9525">
                   <a:solidFill>
                     <a:srgbClr val="000000"/>
                   </a:solidFill>
@@ -4027,7 +4032,7 @@
             </a:ln>
             <a:extLst>
               <a:ext uri="{91240B29-F687-4f45-9708-019B960494DF}">
-                <a14:hiddenLine xmlns:a14="http://schemas.microsoft.com/office/drawing/2010/main" xmlns="" w="9525">
+                <a14:hiddenLine xmlns="" xmlns:a14="http://schemas.microsoft.com/office/drawing/2010/main" w="9525">
                   <a:solidFill>
                     <a:srgbClr val="000000"/>
                   </a:solidFill>
@@ -4089,7 +4094,7 @@
             </a:ln>
             <a:extLst>
               <a:ext uri="{91240B29-F687-4f45-9708-019B960494DF}">
-                <a14:hiddenLine xmlns:a14="http://schemas.microsoft.com/office/drawing/2010/main" xmlns="" w="9525">
+                <a14:hiddenLine xmlns="" xmlns:a14="http://schemas.microsoft.com/office/drawing/2010/main" w="9525">
                   <a:solidFill>
                     <a:srgbClr val="000000"/>
                   </a:solidFill>
@@ -4179,7 +4184,7 @@
             </a:ln>
             <a:extLst>
               <a:ext uri="{91240B29-F687-4f45-9708-019B960494DF}">
-                <a14:hiddenLine xmlns:a14="http://schemas.microsoft.com/office/drawing/2010/main" xmlns="" w="9525">
+                <a14:hiddenLine xmlns="" xmlns:a14="http://schemas.microsoft.com/office/drawing/2010/main" w="9525">
                   <a:solidFill>
                     <a:srgbClr val="000000"/>
                   </a:solidFill>
@@ -4269,7 +4274,7 @@
             </a:ln>
             <a:extLst>
               <a:ext uri="{91240B29-F687-4f45-9708-019B960494DF}">
-                <a14:hiddenLine xmlns:a14="http://schemas.microsoft.com/office/drawing/2010/main" xmlns="" w="9525">
+                <a14:hiddenLine xmlns="" xmlns:a14="http://schemas.microsoft.com/office/drawing/2010/main" w="9525">
                   <a:solidFill>
                     <a:srgbClr val="000000"/>
                   </a:solidFill>
@@ -4334,7 +4339,7 @@
             </a:ln>
             <a:extLst>
               <a:ext uri="{91240B29-F687-4f45-9708-019B960494DF}">
-                <a14:hiddenLine xmlns:a14="http://schemas.microsoft.com/office/drawing/2010/main" xmlns="" w="9525">
+                <a14:hiddenLine xmlns="" xmlns:a14="http://schemas.microsoft.com/office/drawing/2010/main" w="9525">
                   <a:solidFill>
                     <a:srgbClr val="000000"/>
                   </a:solidFill>
@@ -4396,7 +4401,7 @@
             </a:ln>
             <a:extLst>
               <a:ext uri="{91240B29-F687-4f45-9708-019B960494DF}">
-                <a14:hiddenLine xmlns:a14="http://schemas.microsoft.com/office/drawing/2010/main" xmlns="" w="9525">
+                <a14:hiddenLine xmlns="" xmlns:a14="http://schemas.microsoft.com/office/drawing/2010/main" w="9525">
                   <a:solidFill>
                     <a:srgbClr val="000000"/>
                   </a:solidFill>
@@ -4486,7 +4491,7 @@
             </a:ln>
             <a:extLst>
               <a:ext uri="{91240B29-F687-4f45-9708-019B960494DF}">
-                <a14:hiddenLine xmlns:a14="http://schemas.microsoft.com/office/drawing/2010/main" xmlns="" w="9525">
+                <a14:hiddenLine xmlns="" xmlns:a14="http://schemas.microsoft.com/office/drawing/2010/main" w="9525">
                   <a:solidFill>
                     <a:srgbClr val="000000"/>
                   </a:solidFill>
@@ -4576,7 +4581,7 @@
             </a:ln>
             <a:extLst>
               <a:ext uri="{91240B29-F687-4f45-9708-019B960494DF}">
-                <a14:hiddenLine xmlns:a14="http://schemas.microsoft.com/office/drawing/2010/main" xmlns="" w="9525">
+                <a14:hiddenLine xmlns="" xmlns:a14="http://schemas.microsoft.com/office/drawing/2010/main" w="9525">
                   <a:solidFill>
                     <a:srgbClr val="000000"/>
                   </a:solidFill>
@@ -4638,7 +4643,7 @@
             </a:ln>
             <a:extLst>
               <a:ext uri="{91240B29-F687-4f45-9708-019B960494DF}">
-                <a14:hiddenLine xmlns:a14="http://schemas.microsoft.com/office/drawing/2010/main" xmlns="" w="9525">
+                <a14:hiddenLine xmlns="" xmlns:a14="http://schemas.microsoft.com/office/drawing/2010/main" w="9525">
                   <a:solidFill>
                     <a:srgbClr val="000000"/>
                   </a:solidFill>
@@ -4758,7 +4763,7 @@
             </a:ln>
             <a:extLst>
               <a:ext uri="{91240B29-F687-4f45-9708-019B960494DF}">
-                <a14:hiddenLine xmlns:a14="http://schemas.microsoft.com/office/drawing/2010/main" xmlns="" w="9525">
+                <a14:hiddenLine xmlns="" xmlns:a14="http://schemas.microsoft.com/office/drawing/2010/main" w="9525">
                   <a:solidFill>
                     <a:srgbClr val="000000"/>
                   </a:solidFill>
@@ -4826,7 +4831,7 @@
             </a:ln>
             <a:extLst>
               <a:ext uri="{91240B29-F687-4f45-9708-019B960494DF}">
-                <a14:hiddenLine xmlns:a14="http://schemas.microsoft.com/office/drawing/2010/main" xmlns="" w="9525">
+                <a14:hiddenLine xmlns="" xmlns:a14="http://schemas.microsoft.com/office/drawing/2010/main" w="9525">
                   <a:solidFill>
                     <a:srgbClr val="000000"/>
                   </a:solidFill>
@@ -4916,7 +4921,7 @@
             </a:ln>
             <a:extLst>
               <a:ext uri="{91240B29-F687-4f45-9708-019B960494DF}">
-                <a14:hiddenLine xmlns:a14="http://schemas.microsoft.com/office/drawing/2010/main" xmlns="" w="9525">
+                <a14:hiddenLine xmlns="" xmlns:a14="http://schemas.microsoft.com/office/drawing/2010/main" w="9525">
                   <a:solidFill>
                     <a:srgbClr val="000000"/>
                   </a:solidFill>
@@ -9730,7 +9735,7 @@
           <a:noFill/>
           <a:extLst>
             <a:ext uri="{909E8E84-426E-40dd-AFC4-6F175D3DCCD1}">
-              <a14:hiddenFill xmlns:a14="http://schemas.microsoft.com/office/drawing/2010/main" xmlns="">
+              <a14:hiddenFill xmlns="" xmlns:a14="http://schemas.microsoft.com/office/drawing/2010/main">
                 <a:solidFill>
                   <a:srgbClr val="FFFFFF"/>
                 </a:solidFill>
@@ -9804,7 +9809,7 @@
               </a:ln>
               <a:extLst>
                 <a:ext uri="{91240B29-F687-4f45-9708-019B960494DF}">
-                  <a14:hiddenLine xmlns:a14="http://schemas.microsoft.com/office/drawing/2010/main" xmlns="" w="9525">
+                  <a14:hiddenLine xmlns="" xmlns:a14="http://schemas.microsoft.com/office/drawing/2010/main" w="9525">
                     <a:solidFill>
                       <a:srgbClr val="000000"/>
                     </a:solidFill>
@@ -9894,7 +9899,7 @@
               </a:ln>
               <a:extLst>
                 <a:ext uri="{91240B29-F687-4f45-9708-019B960494DF}">
-                  <a14:hiddenLine xmlns:a14="http://schemas.microsoft.com/office/drawing/2010/main" xmlns="" w="9525">
+                  <a14:hiddenLine xmlns="" xmlns:a14="http://schemas.microsoft.com/office/drawing/2010/main" w="9525">
                     <a:solidFill>
                       <a:srgbClr val="000000"/>
                     </a:solidFill>
@@ -9984,7 +9989,7 @@
               </a:ln>
               <a:extLst>
                 <a:ext uri="{91240B29-F687-4f45-9708-019B960494DF}">
-                  <a14:hiddenLine xmlns:a14="http://schemas.microsoft.com/office/drawing/2010/main" xmlns="" w="9525">
+                  <a14:hiddenLine xmlns="" xmlns:a14="http://schemas.microsoft.com/office/drawing/2010/main" w="9525">
                     <a:solidFill>
                       <a:srgbClr val="000000"/>
                     </a:solidFill>
@@ -10046,7 +10051,7 @@
               </a:ln>
               <a:extLst>
                 <a:ext uri="{91240B29-F687-4f45-9708-019B960494DF}">
-                  <a14:hiddenLine xmlns:a14="http://schemas.microsoft.com/office/drawing/2010/main" xmlns="" w="9525">
+                  <a14:hiddenLine xmlns="" xmlns:a14="http://schemas.microsoft.com/office/drawing/2010/main" w="9525">
                     <a:solidFill>
                       <a:srgbClr val="000000"/>
                     </a:solidFill>
@@ -10136,7 +10141,7 @@
               </a:ln>
               <a:extLst>
                 <a:ext uri="{91240B29-F687-4f45-9708-019B960494DF}">
-                  <a14:hiddenLine xmlns:a14="http://schemas.microsoft.com/office/drawing/2010/main" xmlns="" w="9525">
+                  <a14:hiddenLine xmlns="" xmlns:a14="http://schemas.microsoft.com/office/drawing/2010/main" w="9525">
                     <a:solidFill>
                       <a:srgbClr val="000000"/>
                     </a:solidFill>
@@ -10198,7 +10203,7 @@
               </a:ln>
               <a:extLst>
                 <a:ext uri="{91240B29-F687-4f45-9708-019B960494DF}">
-                  <a14:hiddenLine xmlns:a14="http://schemas.microsoft.com/office/drawing/2010/main" xmlns="" w="9525">
+                  <a14:hiddenLine xmlns="" xmlns:a14="http://schemas.microsoft.com/office/drawing/2010/main" w="9525">
                     <a:solidFill>
                       <a:srgbClr val="000000"/>
                     </a:solidFill>
@@ -10260,7 +10265,7 @@
               </a:ln>
               <a:extLst>
                 <a:ext uri="{91240B29-F687-4f45-9708-019B960494DF}">
-                  <a14:hiddenLine xmlns:a14="http://schemas.microsoft.com/office/drawing/2010/main" xmlns="" w="9525">
+                  <a14:hiddenLine xmlns="" xmlns:a14="http://schemas.microsoft.com/office/drawing/2010/main" w="9525">
                     <a:solidFill>
                       <a:srgbClr val="000000"/>
                     </a:solidFill>
@@ -10350,7 +10355,7 @@
               </a:ln>
               <a:extLst>
                 <a:ext uri="{91240B29-F687-4f45-9708-019B960494DF}">
-                  <a14:hiddenLine xmlns:a14="http://schemas.microsoft.com/office/drawing/2010/main" xmlns="" w="9525">
+                  <a14:hiddenLine xmlns="" xmlns:a14="http://schemas.microsoft.com/office/drawing/2010/main" w="9525">
                     <a:solidFill>
                       <a:srgbClr val="000000"/>
                     </a:solidFill>
@@ -10440,7 +10445,7 @@
               </a:ln>
               <a:extLst>
                 <a:ext uri="{91240B29-F687-4f45-9708-019B960494DF}">
-                  <a14:hiddenLine xmlns:a14="http://schemas.microsoft.com/office/drawing/2010/main" xmlns="" w="9525">
+                  <a14:hiddenLine xmlns="" xmlns:a14="http://schemas.microsoft.com/office/drawing/2010/main" w="9525">
                     <a:solidFill>
                       <a:srgbClr val="000000"/>
                     </a:solidFill>
@@ -10502,7 +10507,7 @@
               </a:ln>
               <a:extLst>
                 <a:ext uri="{91240B29-F687-4f45-9708-019B960494DF}">
-                  <a14:hiddenLine xmlns:a14="http://schemas.microsoft.com/office/drawing/2010/main" xmlns="" w="9525">
+                  <a14:hiddenLine xmlns="" xmlns:a14="http://schemas.microsoft.com/office/drawing/2010/main" w="9525">
                     <a:solidFill>
                       <a:srgbClr val="000000"/>
                     </a:solidFill>
@@ -10612,7 +10617,7 @@
               </a:ln>
               <a:extLst>
                 <a:ext uri="{91240B29-F687-4f45-9708-019B960494DF}">
-                  <a14:hiddenLine xmlns:a14="http://schemas.microsoft.com/office/drawing/2010/main" xmlns="" w="9525">
+                  <a14:hiddenLine xmlns="" xmlns:a14="http://schemas.microsoft.com/office/drawing/2010/main" w="9525">
                     <a:solidFill>
                       <a:srgbClr val="000000"/>
                     </a:solidFill>
@@ -10696,7 +10701,7 @@
               </a:ln>
               <a:extLst>
                 <a:ext uri="{91240B29-F687-4f45-9708-019B960494DF}">
-                  <a14:hiddenLine xmlns:a14="http://schemas.microsoft.com/office/drawing/2010/main" xmlns="" w="9525">
+                  <a14:hiddenLine xmlns="" xmlns:a14="http://schemas.microsoft.com/office/drawing/2010/main" w="9525">
                     <a:solidFill>
                       <a:srgbClr val="000000"/>
                     </a:solidFill>
@@ -10758,7 +10763,7 @@
               </a:ln>
               <a:extLst>
                 <a:ext uri="{91240B29-F687-4f45-9708-019B960494DF}">
-                  <a14:hiddenLine xmlns:a14="http://schemas.microsoft.com/office/drawing/2010/main" xmlns="" w="9525">
+                  <a14:hiddenLine xmlns="" xmlns:a14="http://schemas.microsoft.com/office/drawing/2010/main" w="9525">
                     <a:solidFill>
                       <a:srgbClr val="000000"/>
                     </a:solidFill>
@@ -10820,7 +10825,7 @@
               </a:ln>
               <a:extLst>
                 <a:ext uri="{91240B29-F687-4f45-9708-019B960494DF}">
-                  <a14:hiddenLine xmlns:a14="http://schemas.microsoft.com/office/drawing/2010/main" xmlns="" w="9525">
+                  <a14:hiddenLine xmlns="" xmlns:a14="http://schemas.microsoft.com/office/drawing/2010/main" w="9525">
                     <a:solidFill>
                       <a:srgbClr val="000000"/>
                     </a:solidFill>
@@ -10910,7 +10915,7 @@
               </a:ln>
               <a:extLst>
                 <a:ext uri="{91240B29-F687-4f45-9708-019B960494DF}">
-                  <a14:hiddenLine xmlns:a14="http://schemas.microsoft.com/office/drawing/2010/main" xmlns="" w="9525">
+                  <a14:hiddenLine xmlns="" xmlns:a14="http://schemas.microsoft.com/office/drawing/2010/main" w="9525">
                     <a:solidFill>
                       <a:srgbClr val="000000"/>
                     </a:solidFill>
@@ -10944,7 +10949,7 @@
               </a:ln>
               <a:extLst>
                 <a:ext uri="{91240B29-F687-4f45-9708-019B960494DF}">
-                  <a14:hiddenLine xmlns:a14="http://schemas.microsoft.com/office/drawing/2010/main" xmlns="" w="9525">
+                  <a14:hiddenLine xmlns="" xmlns:a14="http://schemas.microsoft.com/office/drawing/2010/main" w="9525">
                     <a:solidFill>
                       <a:srgbClr val="000000"/>
                     </a:solidFill>
@@ -11009,7 +11014,7 @@
               </a:ln>
               <a:extLst>
                 <a:ext uri="{91240B29-F687-4f45-9708-019B960494DF}">
-                  <a14:hiddenLine xmlns:a14="http://schemas.microsoft.com/office/drawing/2010/main" xmlns="" w="9525">
+                  <a14:hiddenLine xmlns="" xmlns:a14="http://schemas.microsoft.com/office/drawing/2010/main" w="9525">
                     <a:solidFill>
                       <a:srgbClr val="000000"/>
                     </a:solidFill>
@@ -11099,7 +11104,7 @@
               </a:ln>
               <a:extLst>
                 <a:ext uri="{91240B29-F687-4f45-9708-019B960494DF}">
-                  <a14:hiddenLine xmlns:a14="http://schemas.microsoft.com/office/drawing/2010/main" xmlns="" w="9525">
+                  <a14:hiddenLine xmlns="" xmlns:a14="http://schemas.microsoft.com/office/drawing/2010/main" w="9525">
                     <a:solidFill>
                       <a:srgbClr val="000000"/>
                     </a:solidFill>
@@ -11161,7 +11166,7 @@
               </a:ln>
               <a:extLst>
                 <a:ext uri="{91240B29-F687-4f45-9708-019B960494DF}">
-                  <a14:hiddenLine xmlns:a14="http://schemas.microsoft.com/office/drawing/2010/main" xmlns="" w="9525">
+                  <a14:hiddenLine xmlns="" xmlns:a14="http://schemas.microsoft.com/office/drawing/2010/main" w="9525">
                     <a:solidFill>
                       <a:srgbClr val="000000"/>
                     </a:solidFill>
@@ -11251,7 +11256,7 @@
               </a:ln>
               <a:extLst>
                 <a:ext uri="{91240B29-F687-4f45-9708-019B960494DF}">
-                  <a14:hiddenLine xmlns:a14="http://schemas.microsoft.com/office/drawing/2010/main" xmlns="" w="9525">
+                  <a14:hiddenLine xmlns="" xmlns:a14="http://schemas.microsoft.com/office/drawing/2010/main" w="9525">
                     <a:solidFill>
                       <a:srgbClr val="000000"/>
                     </a:solidFill>
@@ -11316,7 +11321,7 @@
               </a:ln>
               <a:extLst>
                 <a:ext uri="{91240B29-F687-4f45-9708-019B960494DF}">
-                  <a14:hiddenLine xmlns:a14="http://schemas.microsoft.com/office/drawing/2010/main" xmlns="" w="9525">
+                  <a14:hiddenLine xmlns="" xmlns:a14="http://schemas.microsoft.com/office/drawing/2010/main" w="9525">
                     <a:solidFill>
                       <a:srgbClr val="000000"/>
                     </a:solidFill>
@@ -11378,7 +11383,7 @@
               </a:ln>
               <a:extLst>
                 <a:ext uri="{91240B29-F687-4f45-9708-019B960494DF}">
-                  <a14:hiddenLine xmlns:a14="http://schemas.microsoft.com/office/drawing/2010/main" xmlns="" w="9525">
+                  <a14:hiddenLine xmlns="" xmlns:a14="http://schemas.microsoft.com/office/drawing/2010/main" w="9525">
                     <a:solidFill>
                       <a:srgbClr val="000000"/>
                     </a:solidFill>
@@ -11468,7 +11473,7 @@
               </a:ln>
               <a:extLst>
                 <a:ext uri="{91240B29-F687-4f45-9708-019B960494DF}">
-                  <a14:hiddenLine xmlns:a14="http://schemas.microsoft.com/office/drawing/2010/main" xmlns="" w="9525">
+                  <a14:hiddenLine xmlns="" xmlns:a14="http://schemas.microsoft.com/office/drawing/2010/main" w="9525">
                     <a:solidFill>
                       <a:srgbClr val="000000"/>
                     </a:solidFill>
@@ -11558,7 +11563,7 @@
               </a:ln>
               <a:extLst>
                 <a:ext uri="{91240B29-F687-4f45-9708-019B960494DF}">
-                  <a14:hiddenLine xmlns:a14="http://schemas.microsoft.com/office/drawing/2010/main" xmlns="" w="9525">
+                  <a14:hiddenLine xmlns="" xmlns:a14="http://schemas.microsoft.com/office/drawing/2010/main" w="9525">
                     <a:solidFill>
                       <a:srgbClr val="000000"/>
                     </a:solidFill>
@@ -11623,7 +11628,7 @@
               </a:ln>
               <a:extLst>
                 <a:ext uri="{91240B29-F687-4f45-9708-019B960494DF}">
-                  <a14:hiddenLine xmlns:a14="http://schemas.microsoft.com/office/drawing/2010/main" xmlns="" w="9525">
+                  <a14:hiddenLine xmlns="" xmlns:a14="http://schemas.microsoft.com/office/drawing/2010/main" w="9525">
                     <a:solidFill>
                       <a:srgbClr val="000000"/>
                     </a:solidFill>
@@ -11743,7 +11748,7 @@
               </a:ln>
               <a:extLst>
                 <a:ext uri="{91240B29-F687-4f45-9708-019B960494DF}">
-                  <a14:hiddenLine xmlns:a14="http://schemas.microsoft.com/office/drawing/2010/main" xmlns="" w="9525">
+                  <a14:hiddenLine xmlns="" xmlns:a14="http://schemas.microsoft.com/office/drawing/2010/main" w="9525">
                     <a:solidFill>
                       <a:srgbClr val="000000"/>
                     </a:solidFill>
@@ -11841,7 +11846,7 @@
               </a:ln>
               <a:extLst>
                 <a:ext uri="{91240B29-F687-4f45-9708-019B960494DF}">
-                  <a14:hiddenLine xmlns:a14="http://schemas.microsoft.com/office/drawing/2010/main" xmlns="" w="9525">
+                  <a14:hiddenLine xmlns="" xmlns:a14="http://schemas.microsoft.com/office/drawing/2010/main" w="9525">
                     <a:solidFill>
                       <a:srgbClr val="000000"/>
                     </a:solidFill>
@@ -11956,7 +11961,7 @@
               </a:ln>
               <a:extLst>
                 <a:ext uri="{91240B29-F687-4f45-9708-019B960494DF}">
-                  <a14:hiddenLine xmlns:a14="http://schemas.microsoft.com/office/drawing/2010/main" xmlns="" w="9525">
+                  <a14:hiddenLine xmlns="" xmlns:a14="http://schemas.microsoft.com/office/drawing/2010/main" w="9525">
                     <a:solidFill>
                       <a:srgbClr val="000000"/>
                     </a:solidFill>
@@ -12046,7 +12051,7 @@
               </a:ln>
               <a:extLst>
                 <a:ext uri="{91240B29-F687-4f45-9708-019B960494DF}">
-                  <a14:hiddenLine xmlns:a14="http://schemas.microsoft.com/office/drawing/2010/main" xmlns="" w="9525">
+                  <a14:hiddenLine xmlns="" xmlns:a14="http://schemas.microsoft.com/office/drawing/2010/main" w="9525">
                     <a:solidFill>
                       <a:srgbClr val="000000"/>
                     </a:solidFill>
@@ -12111,7 +12116,7 @@
               </a:ln>
               <a:extLst>
                 <a:ext uri="{91240B29-F687-4f45-9708-019B960494DF}">
-                  <a14:hiddenLine xmlns:a14="http://schemas.microsoft.com/office/drawing/2010/main" xmlns="" w="9525">
+                  <a14:hiddenLine xmlns="" xmlns:a14="http://schemas.microsoft.com/office/drawing/2010/main" w="9525">
                     <a:solidFill>
                       <a:srgbClr val="000000"/>
                     </a:solidFill>
@@ -12201,7 +12206,7 @@
               </a:ln>
               <a:extLst>
                 <a:ext uri="{91240B29-F687-4f45-9708-019B960494DF}">
-                  <a14:hiddenLine xmlns:a14="http://schemas.microsoft.com/office/drawing/2010/main" xmlns="" w="9525">
+                  <a14:hiddenLine xmlns="" xmlns:a14="http://schemas.microsoft.com/office/drawing/2010/main" w="9525">
                     <a:solidFill>
                       <a:srgbClr val="000000"/>
                     </a:solidFill>
@@ -12269,7 +12274,7 @@
               </a:ln>
               <a:extLst>
                 <a:ext uri="{91240B29-F687-4f45-9708-019B960494DF}">
-                  <a14:hiddenLine xmlns:a14="http://schemas.microsoft.com/office/drawing/2010/main" xmlns="" w="9525">
+                  <a14:hiddenLine xmlns="" xmlns:a14="http://schemas.microsoft.com/office/drawing/2010/main" w="9525">
                     <a:solidFill>
                       <a:srgbClr val="000000"/>
                     </a:solidFill>
@@ -12359,7 +12364,7 @@
               </a:ln>
               <a:extLst>
                 <a:ext uri="{91240B29-F687-4f45-9708-019B960494DF}">
-                  <a14:hiddenLine xmlns:a14="http://schemas.microsoft.com/office/drawing/2010/main" xmlns="" w="9525">
+                  <a14:hiddenLine xmlns="" xmlns:a14="http://schemas.microsoft.com/office/drawing/2010/main" w="9525">
                     <a:solidFill>
                       <a:srgbClr val="000000"/>
                     </a:solidFill>
@@ -12427,7 +12432,7 @@
               </a:ln>
               <a:extLst>
                 <a:ext uri="{91240B29-F687-4f45-9708-019B960494DF}">
-                  <a14:hiddenLine xmlns:a14="http://schemas.microsoft.com/office/drawing/2010/main" xmlns="" w="9525">
+                  <a14:hiddenLine xmlns="" xmlns:a14="http://schemas.microsoft.com/office/drawing/2010/main" w="9525">
                     <a:solidFill>
                       <a:srgbClr val="000000"/>
                     </a:solidFill>
@@ -12517,7 +12522,7 @@
               </a:ln>
               <a:extLst>
                 <a:ext uri="{91240B29-F687-4f45-9708-019B960494DF}">
-                  <a14:hiddenLine xmlns:a14="http://schemas.microsoft.com/office/drawing/2010/main" xmlns="" w="9525">
+                  <a14:hiddenLine xmlns="" xmlns:a14="http://schemas.microsoft.com/office/drawing/2010/main" w="9525">
                     <a:solidFill>
                       <a:srgbClr val="000000"/>
                     </a:solidFill>
@@ -12551,7 +12556,7 @@
               </a:ln>
               <a:extLst>
                 <a:ext uri="{91240B29-F687-4f45-9708-019B960494DF}">
-                  <a14:hiddenLine xmlns:a14="http://schemas.microsoft.com/office/drawing/2010/main" xmlns="" w="9525">
+                  <a14:hiddenLine xmlns="" xmlns:a14="http://schemas.microsoft.com/office/drawing/2010/main" w="9525">
                     <a:solidFill>
                       <a:srgbClr val="000000"/>
                     </a:solidFill>
@@ -13239,13 +13244,13 @@
   <p:clrMapOvr>
     <a:masterClrMapping/>
   </p:clrMapOvr>
-  <mc:AlternateContent xmlns:mc="http://schemas.openxmlformats.org/markup-compatibility/2006">
-    <mc:Choice xmlns:p15="http://schemas.microsoft.com/office/powerpoint/2012/main" Requires="p15">
+  <mc:AlternateContent xmlns:mc="http://schemas.openxmlformats.org/markup-compatibility/2006" xmlns:p15="http://schemas.microsoft.com/office/powerpoint/2012/main">
+    <mc:Choice Requires="p15">
       <p:transition spd="slow">
         <p15:prstTrans prst="peelOff"/>
       </p:transition>
     </mc:Choice>
-    <mc:Fallback>
+    <mc:Fallback xmlns="">
       <p:transition spd="slow">
         <p:fade/>
       </p:transition>
@@ -13328,7 +13333,7 @@
         </p:spPr>
         <p:txBody>
           <a:bodyPr>
-            <a:normAutofit lnSpcReduction="10000"/>
+            <a:normAutofit fontScale="92500"/>
           </a:bodyPr>
           <a:lstStyle/>
           <a:p>
@@ -13352,7 +13357,7 @@
           <a:p>
             <a:r>
               <a:rPr lang="en-GB" dirty="0"/>
-              <a:t>We’ll be covering how documentation management were used to support the management of the software development exercise.</a:t>
+              <a:t>We’ll be covering how documentation management and version control were used to support the management of the software development exercise.</a:t>
             </a:r>
           </a:p>
           <a:p>
@@ -13373,13 +13378,13 @@
   <p:clrMapOvr>
     <a:masterClrMapping/>
   </p:clrMapOvr>
-  <mc:AlternateContent xmlns:mc="http://schemas.openxmlformats.org/markup-compatibility/2006">
-    <mc:Choice xmlns:p15="http://schemas.microsoft.com/office/powerpoint/2012/main" Requires="p15">
+  <mc:AlternateContent xmlns:mc="http://schemas.openxmlformats.org/markup-compatibility/2006" xmlns:p15="http://schemas.microsoft.com/office/powerpoint/2012/main">
+    <mc:Choice Requires="p15">
       <p:transition spd="slow">
         <p15:prstTrans prst="peelOff" invX="1"/>
       </p:transition>
     </mc:Choice>
-    <mc:Fallback>
+    <mc:Fallback xmlns="">
       <p:transition spd="slow">
         <p:fade/>
       </p:transition>
@@ -13820,7 +13825,7 @@
           <a:p>
             <a:r>
               <a:rPr lang="en-US" dirty="0"/>
-              <a:t>Google Drive was used to securely store the files and had the team access them anytime.</a:t>
+              <a:t>Google Drive was used to securely store the files and it allowed the team to access them anytime.</a:t>
             </a:r>
           </a:p>
           <a:p>
@@ -13829,7 +13834,7 @@
           <a:p>
             <a:r>
               <a:rPr lang="en-US" dirty="0"/>
-              <a:t>It allowed the team to freely make any changes and work on a change spontaneously.</a:t>
+              <a:t>It allowed the team to make any changes to the files freely or work together to make spontaneous changes.</a:t>
             </a:r>
           </a:p>
           <a:p>
@@ -13892,13 +13897,13 @@
   <p:clrMapOvr>
     <a:masterClrMapping/>
   </p:clrMapOvr>
-  <mc:AlternateContent xmlns:mc="http://schemas.openxmlformats.org/markup-compatibility/2006">
-    <mc:Choice xmlns:p15="http://schemas.microsoft.com/office/powerpoint/2012/main" Requires="p15">
+  <mc:AlternateContent xmlns:mc="http://schemas.openxmlformats.org/markup-compatibility/2006" xmlns:p15="http://schemas.microsoft.com/office/powerpoint/2012/main">
+    <mc:Choice Requires="p15">
       <p:transition spd="slow">
         <p15:prstTrans prst="peelOff"/>
       </p:transition>
     </mc:Choice>
-    <mc:Fallback>
+    <mc:Fallback xmlns="">
       <p:transition spd="slow">
         <p:fade/>
       </p:transition>
@@ -14020,41 +14025,6 @@
                                   </p:childTnLst>
                                 </p:cTn>
                               </p:par>
-                              <p:par>
-                                <p:cTn id="13" presetID="16" presetClass="entr" presetSubtype="37" fill="hold" nodeType="withEffect">
-                                  <p:stCondLst>
-                                    <p:cond delay="0"/>
-                                  </p:stCondLst>
-                                  <p:childTnLst>
-                                    <p:set>
-                                      <p:cBhvr>
-                                        <p:cTn id="14" dur="1" fill="hold">
-                                          <p:stCondLst>
-                                            <p:cond delay="0"/>
-                                          </p:stCondLst>
-                                        </p:cTn>
-                                        <p:tgtEl>
-                                          <p:spTgt spid="8"/>
-                                        </p:tgtEl>
-                                        <p:attrNameLst>
-                                          <p:attrName>style.visibility</p:attrName>
-                                        </p:attrNameLst>
-                                      </p:cBhvr>
-                                      <p:to>
-                                        <p:strVal val="visible"/>
-                                      </p:to>
-                                    </p:set>
-                                    <p:animEffect transition="in" filter="barn(outVertical)">
-                                      <p:cBhvr>
-                                        <p:cTn id="15" dur="500"/>
-                                        <p:tgtEl>
-                                          <p:spTgt spid="8"/>
-                                        </p:tgtEl>
-                                      </p:cBhvr>
-                                    </p:animEffect>
-                                  </p:childTnLst>
-                                </p:cTn>
-                              </p:par>
                             </p:childTnLst>
                           </p:cTn>
                         </p:par>
@@ -14062,26 +14032,26 @@
                     </p:cTn>
                   </p:par>
                   <p:par>
-                    <p:cTn id="16" fill="hold">
+                    <p:cTn id="13" fill="hold">
                       <p:stCondLst>
                         <p:cond delay="indefinite"/>
                       </p:stCondLst>
                       <p:childTnLst>
                         <p:par>
-                          <p:cTn id="17" fill="hold">
+                          <p:cTn id="14" fill="hold">
                             <p:stCondLst>
                               <p:cond delay="0"/>
                             </p:stCondLst>
                             <p:childTnLst>
                               <p:par>
-                                <p:cTn id="18" presetID="16" presetClass="entr" presetSubtype="37" fill="hold" nodeType="clickEffect">
+                                <p:cTn id="15" presetID="16" presetClass="entr" presetSubtype="37" fill="hold" nodeType="clickEffect">
                                   <p:stCondLst>
                                     <p:cond delay="0"/>
                                   </p:stCondLst>
                                   <p:childTnLst>
                                     <p:set>
                                       <p:cBhvr>
-                                        <p:cTn id="19" dur="1" fill="hold">
+                                        <p:cTn id="16" dur="1" fill="hold">
                                           <p:stCondLst>
                                             <p:cond delay="0"/>
                                           </p:stCondLst>
@@ -14103,13 +14073,48 @@
                                     </p:set>
                                     <p:animEffect transition="in" filter="barn(outVertical)">
                                       <p:cBhvr>
-                                        <p:cTn id="20" dur="500"/>
+                                        <p:cTn id="17" dur="500"/>
                                         <p:tgtEl>
                                           <p:spTgt spid="10">
                                             <p:txEl>
                                               <p:pRg st="2" end="2"/>
                                             </p:txEl>
                                           </p:spTgt>
+                                        </p:tgtEl>
+                                      </p:cBhvr>
+                                    </p:animEffect>
+                                  </p:childTnLst>
+                                </p:cTn>
+                              </p:par>
+                              <p:par>
+                                <p:cTn id="18" presetID="16" presetClass="entr" presetSubtype="37" fill="hold" nodeType="withEffect">
+                                  <p:stCondLst>
+                                    <p:cond delay="0"/>
+                                  </p:stCondLst>
+                                  <p:childTnLst>
+                                    <p:set>
+                                      <p:cBhvr>
+                                        <p:cTn id="19" dur="1" fill="hold">
+                                          <p:stCondLst>
+                                            <p:cond delay="0"/>
+                                          </p:stCondLst>
+                                        </p:cTn>
+                                        <p:tgtEl>
+                                          <p:spTgt spid="8"/>
+                                        </p:tgtEl>
+                                        <p:attrNameLst>
+                                          <p:attrName>style.visibility</p:attrName>
+                                        </p:attrNameLst>
+                                      </p:cBhvr>
+                                      <p:to>
+                                        <p:strVal val="visible"/>
+                                      </p:to>
+                                    </p:set>
+                                    <p:animEffect transition="in" filter="barn(outVertical)">
+                                      <p:cBhvr>
+                                        <p:cTn id="20" dur="500"/>
+                                        <p:tgtEl>
+                                          <p:spTgt spid="8"/>
                                         </p:tgtEl>
                                       </p:cBhvr>
                                     </p:animEffect>
@@ -14491,13 +14496,13 @@
   <p:clrMapOvr>
     <a:masterClrMapping/>
   </p:clrMapOvr>
-  <mc:AlternateContent xmlns:mc="http://schemas.openxmlformats.org/markup-compatibility/2006">
-    <mc:Choice xmlns:p15="http://schemas.microsoft.com/office/powerpoint/2012/main" Requires="p15">
+  <mc:AlternateContent xmlns:mc="http://schemas.openxmlformats.org/markup-compatibility/2006" xmlns:p15="http://schemas.microsoft.com/office/powerpoint/2012/main">
+    <mc:Choice Requires="p15">
       <p:transition spd="slow">
         <p15:prstTrans prst="peelOff" invX="1"/>
       </p:transition>
     </mc:Choice>
-    <mc:Fallback>
+    <mc:Fallback xmlns="">
       <p:transition spd="slow">
         <p:fade/>
       </p:transition>
@@ -15012,13 +15017,13 @@
   <p:clrMapOvr>
     <a:masterClrMapping/>
   </p:clrMapOvr>
-  <mc:AlternateContent xmlns:mc="http://schemas.openxmlformats.org/markup-compatibility/2006">
-    <mc:Choice xmlns:p15="http://schemas.microsoft.com/office/powerpoint/2012/main" Requires="p15">
+  <mc:AlternateContent xmlns:mc="http://schemas.openxmlformats.org/markup-compatibility/2006" xmlns:p15="http://schemas.microsoft.com/office/powerpoint/2012/main">
+    <mc:Choice Requires="p15">
       <p:transition spd="slow">
         <p15:prstTrans prst="peelOff"/>
       </p:transition>
     </mc:Choice>
-    <mc:Fallback>
+    <mc:Fallback xmlns="">
       <p:transition spd="slow">
         <p:fade/>
       </p:transition>
@@ -15405,13 +15410,13 @@
   <p:clrMapOvr>
     <a:masterClrMapping/>
   </p:clrMapOvr>
-  <mc:AlternateContent xmlns:mc="http://schemas.openxmlformats.org/markup-compatibility/2006">
-    <mc:Choice xmlns:p15="http://schemas.microsoft.com/office/powerpoint/2012/main" Requires="p15">
+  <mc:AlternateContent xmlns:mc="http://schemas.openxmlformats.org/markup-compatibility/2006" xmlns:p15="http://schemas.microsoft.com/office/powerpoint/2012/main">
+    <mc:Choice Requires="p15">
       <p:transition spd="slow">
         <p15:prstTrans prst="peelOff" invX="1"/>
       </p:transition>
     </mc:Choice>
-    <mc:Fallback>
+    <mc:Fallback xmlns="">
       <p:transition spd="slow">
         <p:fade/>
       </p:transition>

--- a/Topic 9 - AE1.pptx
+++ b/Topic 9 - AE1.pptx
@@ -5,7 +5,7 @@
     <p:sldMasterId id="2147483678" r:id="rId1"/>
   </p:sldMasterIdLst>
   <p:notesMasterIdLst>
-    <p:notesMasterId r:id="rId8"/>
+    <p:notesMasterId r:id="rId10"/>
   </p:notesMasterIdLst>
   <p:sldIdLst>
     <p:sldId id="256" r:id="rId2"/>
@@ -13,7 +13,9 @@
     <p:sldId id="259" r:id="rId4"/>
     <p:sldId id="260" r:id="rId5"/>
     <p:sldId id="261" r:id="rId6"/>
-    <p:sldId id="258" r:id="rId7"/>
+    <p:sldId id="262" r:id="rId7"/>
+    <p:sldId id="263" r:id="rId8"/>
+    <p:sldId id="258" r:id="rId9"/>
   </p:sldIdLst>
   <p:sldSz cx="12192000" cy="6858000"/>
   <p:notesSz cx="6858000" cy="9144000"/>
@@ -214,7 +216,7 @@
           <a:p>
             <a:fld id="{44431D39-EF05-4892-A0FC-FAB39E7DD3E1}" type="datetimeFigureOut">
               <a:rPr lang="en-GB" smtClean="0"/>
-              <a:t>04/04/2018</a:t>
+              <a:t>06/04/2018</a:t>
             </a:fld>
             <a:endParaRPr lang="en-GB"/>
           </a:p>
@@ -778,6 +780,222 @@
 </p:notes>
 </file>
 
+<file path=ppt/notesSlides/notesSlide4.xml><?xml version="1.0" encoding="utf-8"?>
+<p:notes xmlns:a="http://schemas.openxmlformats.org/drawingml/2006/main" xmlns:r="http://schemas.openxmlformats.org/officeDocument/2006/relationships" xmlns:p="http://schemas.openxmlformats.org/presentationml/2006/main">
+  <p:cSld>
+    <p:spTree>
+      <p:nvGrpSpPr>
+        <p:cNvPr id="1" name=""/>
+        <p:cNvGrpSpPr/>
+        <p:nvPr/>
+      </p:nvGrpSpPr>
+      <p:grpSpPr>
+        <a:xfrm>
+          <a:off x="0" y="0"/>
+          <a:ext cx="0" cy="0"/>
+          <a:chOff x="0" y="0"/>
+          <a:chExt cx="0" cy="0"/>
+        </a:xfrm>
+      </p:grpSpPr>
+      <p:sp>
+        <p:nvSpPr>
+          <p:cNvPr id="2" name="Slide Image Placeholder 1"/>
+          <p:cNvSpPr>
+            <a:spLocks noGrp="1" noRot="1" noChangeAspect="1"/>
+          </p:cNvSpPr>
+          <p:nvPr>
+            <p:ph type="sldImg"/>
+          </p:nvPr>
+        </p:nvSpPr>
+        <p:spPr/>
+      </p:sp>
+      <p:sp>
+        <p:nvSpPr>
+          <p:cNvPr id="3" name="Notes Placeholder 2"/>
+          <p:cNvSpPr>
+            <a:spLocks noGrp="1"/>
+          </p:cNvSpPr>
+          <p:nvPr>
+            <p:ph type="body" idx="1"/>
+          </p:nvPr>
+        </p:nvSpPr>
+        <p:spPr/>
+        <p:txBody>
+          <a:bodyPr/>
+          <a:lstStyle/>
+          <a:p>
+            <a:endParaRPr lang="en-GB" dirty="0"/>
+          </a:p>
+        </p:txBody>
+      </p:sp>
+      <p:sp>
+        <p:nvSpPr>
+          <p:cNvPr id="4" name="Slide Number Placeholder 3"/>
+          <p:cNvSpPr>
+            <a:spLocks noGrp="1"/>
+          </p:cNvSpPr>
+          <p:nvPr>
+            <p:ph type="sldNum" sz="quarter" idx="10"/>
+          </p:nvPr>
+        </p:nvSpPr>
+        <p:spPr/>
+        <p:txBody>
+          <a:bodyPr/>
+          <a:lstStyle/>
+          <a:p>
+            <a:fld id="{5C136A35-67A3-4A15-AB76-C9026B90CF52}" type="slidenum">
+              <a:rPr lang="en-GB" smtClean="0"/>
+              <a:t>6</a:t>
+            </a:fld>
+            <a:endParaRPr lang="en-GB"/>
+          </a:p>
+        </p:txBody>
+      </p:sp>
+    </p:spTree>
+    <p:extLst>
+      <p:ext uri="{BB962C8B-B14F-4D97-AF65-F5344CB8AC3E}">
+        <p14:creationId xmlns:p14="http://schemas.microsoft.com/office/powerpoint/2010/main" val="2556375042"/>
+      </p:ext>
+    </p:extLst>
+  </p:cSld>
+  <p:clrMapOvr>
+    <a:masterClrMapping/>
+  </p:clrMapOvr>
+</p:notes>
+</file>
+
+<file path=ppt/notesSlides/notesSlide5.xml><?xml version="1.0" encoding="utf-8"?>
+<p:notes xmlns:a="http://schemas.openxmlformats.org/drawingml/2006/main" xmlns:r="http://schemas.openxmlformats.org/officeDocument/2006/relationships" xmlns:p="http://schemas.openxmlformats.org/presentationml/2006/main">
+  <p:cSld>
+    <p:spTree>
+      <p:nvGrpSpPr>
+        <p:cNvPr id="1" name=""/>
+        <p:cNvGrpSpPr/>
+        <p:nvPr/>
+      </p:nvGrpSpPr>
+      <p:grpSpPr>
+        <a:xfrm>
+          <a:off x="0" y="0"/>
+          <a:ext cx="0" cy="0"/>
+          <a:chOff x="0" y="0"/>
+          <a:chExt cx="0" cy="0"/>
+        </a:xfrm>
+      </p:grpSpPr>
+      <p:sp>
+        <p:nvSpPr>
+          <p:cNvPr id="2" name="Slide Image Placeholder 1"/>
+          <p:cNvSpPr>
+            <a:spLocks noGrp="1" noRot="1" noChangeAspect="1"/>
+          </p:cNvSpPr>
+          <p:nvPr>
+            <p:ph type="sldImg"/>
+          </p:nvPr>
+        </p:nvSpPr>
+        <p:spPr/>
+      </p:sp>
+      <p:sp>
+        <p:nvSpPr>
+          <p:cNvPr id="3" name="Notes Placeholder 2"/>
+          <p:cNvSpPr>
+            <a:spLocks noGrp="1"/>
+          </p:cNvSpPr>
+          <p:nvPr>
+            <p:ph type="body" idx="1"/>
+          </p:nvPr>
+        </p:nvSpPr>
+        <p:spPr/>
+        <p:txBody>
+          <a:bodyPr/>
+          <a:lstStyle/>
+          <a:p>
+            <a:r>
+              <a:rPr lang="en-GB" dirty="0"/>
+              <a:t>1</a:t>
+            </a:r>
+            <a:r>
+              <a:rPr lang="en-GB" baseline="30000" dirty="0"/>
+              <a:t>st</a:t>
+            </a:r>
+            <a:r>
+              <a:rPr lang="en-GB" dirty="0"/>
+              <a:t> point – Some thought could have been given if they were available in a single payment.</a:t>
+            </a:r>
+          </a:p>
+          <a:p>
+            <a:r>
+              <a:rPr lang="en-GB" dirty="0"/>
+              <a:t>2</a:t>
+            </a:r>
+            <a:r>
+              <a:rPr lang="en-GB" baseline="30000" dirty="0"/>
+              <a:t>nd</a:t>
+            </a:r>
+            <a:r>
+              <a:rPr lang="en-GB" dirty="0"/>
+              <a:t> point – It is a team of 3 and the software we’re producing in the end is not large-scale</a:t>
+            </a:r>
+          </a:p>
+          <a:p>
+            <a:pPr marL="0" marR="0" lvl="0" indent="0" algn="l" defTabSz="914400" rtl="0" eaLnBrk="1" fontAlgn="auto" latinLnBrk="0" hangingPunct="1">
+              <a:lnSpc>
+                <a:spcPct val="100000"/>
+              </a:lnSpc>
+              <a:spcBef>
+                <a:spcPts val="0"/>
+              </a:spcBef>
+              <a:spcAft>
+                <a:spcPts val="0"/>
+              </a:spcAft>
+              <a:buClrTx/>
+              <a:buSzTx/>
+              <a:buFontTx/>
+              <a:buNone/>
+              <a:tabLst/>
+              <a:defRPr/>
+            </a:pPr>
+            <a:r>
+              <a:rPr lang="en-GB" dirty="0"/>
+              <a:t>Thus, the team decided to use software products that were free and provided all the necessary benefits. </a:t>
+            </a:r>
+          </a:p>
+        </p:txBody>
+      </p:sp>
+      <p:sp>
+        <p:nvSpPr>
+          <p:cNvPr id="4" name="Slide Number Placeholder 3"/>
+          <p:cNvSpPr>
+            <a:spLocks noGrp="1"/>
+          </p:cNvSpPr>
+          <p:nvPr>
+            <p:ph type="sldNum" sz="quarter" idx="10"/>
+          </p:nvPr>
+        </p:nvSpPr>
+        <p:spPr/>
+        <p:txBody>
+          <a:bodyPr/>
+          <a:lstStyle/>
+          <a:p>
+            <a:fld id="{5C136A35-67A3-4A15-AB76-C9026B90CF52}" type="slidenum">
+              <a:rPr lang="en-GB" smtClean="0"/>
+              <a:t>7</a:t>
+            </a:fld>
+            <a:endParaRPr lang="en-GB"/>
+          </a:p>
+        </p:txBody>
+      </p:sp>
+    </p:spTree>
+    <p:extLst>
+      <p:ext uri="{BB962C8B-B14F-4D97-AF65-F5344CB8AC3E}">
+        <p14:creationId xmlns:p14="http://schemas.microsoft.com/office/powerpoint/2010/main" val="3273089924"/>
+      </p:ext>
+    </p:extLst>
+  </p:cSld>
+  <p:clrMapOvr>
+    <a:masterClrMapping/>
+  </p:clrMapOvr>
+</p:notes>
+</file>
+
 <file path=ppt/slideLayouts/slideLayout1.xml><?xml version="1.0" encoding="utf-8"?>
 <p:sldLayout xmlns:a="http://schemas.openxmlformats.org/drawingml/2006/main" xmlns:r="http://schemas.openxmlformats.org/officeDocument/2006/relationships" xmlns:p="http://schemas.openxmlformats.org/presentationml/2006/main" showMasterSp="0" type="title" preserve="1">
   <p:cSld name="Title Slide">
@@ -835,7 +1053,7 @@
           <a:noFill/>
           <a:extLst>
             <a:ext uri="{909E8E84-426E-40dd-AFC4-6F175D3DCCD1}">
-              <a14:hiddenFill xmlns="" xmlns:a14="http://schemas.microsoft.com/office/drawing/2010/main">
+              <a14:hiddenFill xmlns:a14="http://schemas.microsoft.com/office/drawing/2010/main" xmlns="">
                 <a:solidFill>
                   <a:srgbClr val="FFFFFF"/>
                 </a:solidFill>
@@ -895,7 +1113,7 @@
             </a:ln>
             <a:extLst>
               <a:ext uri="{91240B29-F687-4f45-9708-019B960494DF}">
-                <a14:hiddenLine xmlns="" xmlns:a14="http://schemas.microsoft.com/office/drawing/2010/main" w="9525">
+                <a14:hiddenLine xmlns:a14="http://schemas.microsoft.com/office/drawing/2010/main" xmlns="" w="9525">
                   <a:solidFill>
                     <a:srgbClr val="000000"/>
                   </a:solidFill>
@@ -985,7 +1203,7 @@
             </a:ln>
             <a:extLst>
               <a:ext uri="{91240B29-F687-4f45-9708-019B960494DF}">
-                <a14:hiddenLine xmlns="" xmlns:a14="http://schemas.microsoft.com/office/drawing/2010/main" w="9525">
+                <a14:hiddenLine xmlns:a14="http://schemas.microsoft.com/office/drawing/2010/main" xmlns="" w="9525">
                   <a:solidFill>
                     <a:srgbClr val="000000"/>
                   </a:solidFill>
@@ -1075,7 +1293,7 @@
             </a:ln>
             <a:extLst>
               <a:ext uri="{91240B29-F687-4f45-9708-019B960494DF}">
-                <a14:hiddenLine xmlns="" xmlns:a14="http://schemas.microsoft.com/office/drawing/2010/main" w="9525">
+                <a14:hiddenLine xmlns:a14="http://schemas.microsoft.com/office/drawing/2010/main" xmlns="" w="9525">
                   <a:solidFill>
                     <a:srgbClr val="000000"/>
                   </a:solidFill>
@@ -1109,7 +1327,7 @@
             </a:ln>
             <a:extLst>
               <a:ext uri="{91240B29-F687-4f45-9708-019B960494DF}">
-                <a14:hiddenLine xmlns="" xmlns:a14="http://schemas.microsoft.com/office/drawing/2010/main" w="9525">
+                <a14:hiddenLine xmlns:a14="http://schemas.microsoft.com/office/drawing/2010/main" xmlns="" w="9525">
                   <a:solidFill>
                     <a:srgbClr val="000000"/>
                   </a:solidFill>
@@ -1199,7 +1417,7 @@
             </a:ln>
             <a:extLst>
               <a:ext uri="{91240B29-F687-4f45-9708-019B960494DF}">
-                <a14:hiddenLine xmlns="" xmlns:a14="http://schemas.microsoft.com/office/drawing/2010/main" w="9525">
+                <a14:hiddenLine xmlns:a14="http://schemas.microsoft.com/office/drawing/2010/main" xmlns="" w="9525">
                   <a:solidFill>
                     <a:srgbClr val="000000"/>
                   </a:solidFill>
@@ -1261,7 +1479,7 @@
             </a:ln>
             <a:extLst>
               <a:ext uri="{91240B29-F687-4f45-9708-019B960494DF}">
-                <a14:hiddenLine xmlns="" xmlns:a14="http://schemas.microsoft.com/office/drawing/2010/main" w="9525">
+                <a14:hiddenLine xmlns:a14="http://schemas.microsoft.com/office/drawing/2010/main" xmlns="" w="9525">
                   <a:solidFill>
                     <a:srgbClr val="000000"/>
                   </a:solidFill>
@@ -1323,7 +1541,7 @@
             </a:ln>
             <a:extLst>
               <a:ext uri="{91240B29-F687-4f45-9708-019B960494DF}">
-                <a14:hiddenLine xmlns="" xmlns:a14="http://schemas.microsoft.com/office/drawing/2010/main" w="9525">
+                <a14:hiddenLine xmlns:a14="http://schemas.microsoft.com/office/drawing/2010/main" xmlns="" w="9525">
                   <a:solidFill>
                     <a:srgbClr val="000000"/>
                   </a:solidFill>
@@ -1413,7 +1631,7 @@
             </a:ln>
             <a:extLst>
               <a:ext uri="{91240B29-F687-4f45-9708-019B960494DF}">
-                <a14:hiddenLine xmlns="" xmlns:a14="http://schemas.microsoft.com/office/drawing/2010/main" w="9525">
+                <a14:hiddenLine xmlns:a14="http://schemas.microsoft.com/office/drawing/2010/main" xmlns="" w="9525">
                   <a:solidFill>
                     <a:srgbClr val="000000"/>
                   </a:solidFill>
@@ -1475,7 +1693,7 @@
             </a:ln>
             <a:extLst>
               <a:ext uri="{91240B29-F687-4f45-9708-019B960494DF}">
-                <a14:hiddenLine xmlns="" xmlns:a14="http://schemas.microsoft.com/office/drawing/2010/main" w="9525">
+                <a14:hiddenLine xmlns:a14="http://schemas.microsoft.com/office/drawing/2010/main" xmlns="" w="9525">
                   <a:solidFill>
                     <a:srgbClr val="000000"/>
                   </a:solidFill>
@@ -1537,7 +1755,7 @@
             </a:ln>
             <a:extLst>
               <a:ext uri="{91240B29-F687-4f45-9708-019B960494DF}">
-                <a14:hiddenLine xmlns="" xmlns:a14="http://schemas.microsoft.com/office/drawing/2010/main" w="9525">
+                <a14:hiddenLine xmlns:a14="http://schemas.microsoft.com/office/drawing/2010/main" xmlns="" w="9525">
                   <a:solidFill>
                     <a:srgbClr val="000000"/>
                   </a:solidFill>
@@ -1627,7 +1845,7 @@
             </a:ln>
             <a:extLst>
               <a:ext uri="{91240B29-F687-4f45-9708-019B960494DF}">
-                <a14:hiddenLine xmlns="" xmlns:a14="http://schemas.microsoft.com/office/drawing/2010/main" w="9525">
+                <a14:hiddenLine xmlns:a14="http://schemas.microsoft.com/office/drawing/2010/main" xmlns="" w="9525">
                   <a:solidFill>
                     <a:srgbClr val="000000"/>
                   </a:solidFill>
@@ -1717,7 +1935,7 @@
             </a:ln>
             <a:extLst>
               <a:ext uri="{91240B29-F687-4f45-9708-019B960494DF}">
-                <a14:hiddenLine xmlns="" xmlns:a14="http://schemas.microsoft.com/office/drawing/2010/main" w="9525">
+                <a14:hiddenLine xmlns:a14="http://schemas.microsoft.com/office/drawing/2010/main" xmlns="" w="9525">
                   <a:solidFill>
                     <a:srgbClr val="000000"/>
                   </a:solidFill>
@@ -1779,7 +1997,7 @@
             </a:ln>
             <a:extLst>
               <a:ext uri="{91240B29-F687-4f45-9708-019B960494DF}">
-                <a14:hiddenLine xmlns="" xmlns:a14="http://schemas.microsoft.com/office/drawing/2010/main" w="9525">
+                <a14:hiddenLine xmlns:a14="http://schemas.microsoft.com/office/drawing/2010/main" xmlns="" w="9525">
                   <a:solidFill>
                     <a:srgbClr val="000000"/>
                   </a:solidFill>
@@ -1889,7 +2107,7 @@
             </a:ln>
             <a:extLst>
               <a:ext uri="{91240B29-F687-4f45-9708-019B960494DF}">
-                <a14:hiddenLine xmlns="" xmlns:a14="http://schemas.microsoft.com/office/drawing/2010/main" w="9525">
+                <a14:hiddenLine xmlns:a14="http://schemas.microsoft.com/office/drawing/2010/main" xmlns="" w="9525">
                   <a:solidFill>
                     <a:srgbClr val="000000"/>
                   </a:solidFill>
@@ -1951,7 +2169,7 @@
             </a:ln>
             <a:extLst>
               <a:ext uri="{91240B29-F687-4f45-9708-019B960494DF}">
-                <a14:hiddenLine xmlns="" xmlns:a14="http://schemas.microsoft.com/office/drawing/2010/main" w="9525">
+                <a14:hiddenLine xmlns:a14="http://schemas.microsoft.com/office/drawing/2010/main" xmlns="" w="9525">
                   <a:solidFill>
                     <a:srgbClr val="000000"/>
                   </a:solidFill>
@@ -2041,7 +2259,7 @@
             </a:ln>
             <a:extLst>
               <a:ext uri="{91240B29-F687-4f45-9708-019B960494DF}">
-                <a14:hiddenLine xmlns="" xmlns:a14="http://schemas.microsoft.com/office/drawing/2010/main" w="9525">
+                <a14:hiddenLine xmlns:a14="http://schemas.microsoft.com/office/drawing/2010/main" xmlns="" w="9525">
                   <a:solidFill>
                     <a:srgbClr val="000000"/>
                   </a:solidFill>
@@ -2131,7 +2349,7 @@
             </a:ln>
             <a:extLst>
               <a:ext uri="{91240B29-F687-4f45-9708-019B960494DF}">
-                <a14:hiddenLine xmlns="" xmlns:a14="http://schemas.microsoft.com/office/drawing/2010/main" w="9525">
+                <a14:hiddenLine xmlns:a14="http://schemas.microsoft.com/office/drawing/2010/main" xmlns="" w="9525">
                   <a:solidFill>
                     <a:srgbClr val="000000"/>
                   </a:solidFill>
@@ -2193,7 +2411,7 @@
             </a:ln>
             <a:extLst>
               <a:ext uri="{91240B29-F687-4f45-9708-019B960494DF}">
-                <a14:hiddenLine xmlns="" xmlns:a14="http://schemas.microsoft.com/office/drawing/2010/main" w="9525">
+                <a14:hiddenLine xmlns:a14="http://schemas.microsoft.com/office/drawing/2010/main" xmlns="" w="9525">
                   <a:solidFill>
                     <a:srgbClr val="000000"/>
                   </a:solidFill>
@@ -2283,7 +2501,7 @@
             </a:ln>
             <a:extLst>
               <a:ext uri="{91240B29-F687-4f45-9708-019B960494DF}">
-                <a14:hiddenLine xmlns="" xmlns:a14="http://schemas.microsoft.com/office/drawing/2010/main" w="9525">
+                <a14:hiddenLine xmlns:a14="http://schemas.microsoft.com/office/drawing/2010/main" xmlns="" w="9525">
                   <a:solidFill>
                     <a:srgbClr val="000000"/>
                   </a:solidFill>
@@ -2373,7 +2591,7 @@
             </a:ln>
             <a:extLst>
               <a:ext uri="{91240B29-F687-4f45-9708-019B960494DF}">
-                <a14:hiddenLine xmlns="" xmlns:a14="http://schemas.microsoft.com/office/drawing/2010/main" w="9525">
+                <a14:hiddenLine xmlns:a14="http://schemas.microsoft.com/office/drawing/2010/main" xmlns="" w="9525">
                   <a:solidFill>
                     <a:srgbClr val="000000"/>
                   </a:solidFill>
@@ -2429,7 +2647,7 @@
             </a:ln>
             <a:extLst>
               <a:ext uri="{91240B29-F687-4f45-9708-019B960494DF}">
-                <a14:hiddenLine xmlns="" xmlns:a14="http://schemas.microsoft.com/office/drawing/2010/main" w="9525">
+                <a14:hiddenLine xmlns:a14="http://schemas.microsoft.com/office/drawing/2010/main" xmlns="" w="9525">
                   <a:solidFill>
                     <a:srgbClr val="000000"/>
                   </a:solidFill>
@@ -2519,7 +2737,7 @@
             </a:ln>
             <a:extLst>
               <a:ext uri="{91240B29-F687-4f45-9708-019B960494DF}">
-                <a14:hiddenLine xmlns="" xmlns:a14="http://schemas.microsoft.com/office/drawing/2010/main" w="9525">
+                <a14:hiddenLine xmlns:a14="http://schemas.microsoft.com/office/drawing/2010/main" xmlns="" w="9525">
                   <a:solidFill>
                     <a:srgbClr val="000000"/>
                   </a:solidFill>
@@ -2575,7 +2793,7 @@
             </a:ln>
             <a:extLst>
               <a:ext uri="{91240B29-F687-4f45-9708-019B960494DF}">
-                <a14:hiddenLine xmlns="" xmlns:a14="http://schemas.microsoft.com/office/drawing/2010/main" w="9525">
+                <a14:hiddenLine xmlns:a14="http://schemas.microsoft.com/office/drawing/2010/main" xmlns="" w="9525">
                   <a:solidFill>
                     <a:srgbClr val="000000"/>
                   </a:solidFill>
@@ -2665,7 +2883,7 @@
             </a:ln>
             <a:extLst>
               <a:ext uri="{91240B29-F687-4f45-9708-019B960494DF}">
-                <a14:hiddenLine xmlns="" xmlns:a14="http://schemas.microsoft.com/office/drawing/2010/main" w="9525">
+                <a14:hiddenLine xmlns:a14="http://schemas.microsoft.com/office/drawing/2010/main" xmlns="" w="9525">
                   <a:solidFill>
                     <a:srgbClr val="000000"/>
                   </a:solidFill>
@@ -2733,7 +2951,7 @@
             </a:ln>
             <a:extLst>
               <a:ext uri="{91240B29-F687-4f45-9708-019B960494DF}">
-                <a14:hiddenLine xmlns="" xmlns:a14="http://schemas.microsoft.com/office/drawing/2010/main" w="9525">
+                <a14:hiddenLine xmlns:a14="http://schemas.microsoft.com/office/drawing/2010/main" xmlns="" w="9525">
                   <a:solidFill>
                     <a:srgbClr val="000000"/>
                   </a:solidFill>
@@ -2823,7 +3041,7 @@
             </a:ln>
             <a:extLst>
               <a:ext uri="{91240B29-F687-4f45-9708-019B960494DF}">
-                <a14:hiddenLine xmlns="" xmlns:a14="http://schemas.microsoft.com/office/drawing/2010/main" w="9525">
+                <a14:hiddenLine xmlns:a14="http://schemas.microsoft.com/office/drawing/2010/main" xmlns="" w="9525">
                   <a:solidFill>
                     <a:srgbClr val="000000"/>
                   </a:solidFill>
@@ -2891,7 +3109,7 @@
             </a:ln>
             <a:extLst>
               <a:ext uri="{91240B29-F687-4f45-9708-019B960494DF}">
-                <a14:hiddenLine xmlns="" xmlns:a14="http://schemas.microsoft.com/office/drawing/2010/main" w="9525">
+                <a14:hiddenLine xmlns:a14="http://schemas.microsoft.com/office/drawing/2010/main" xmlns="" w="9525">
                   <a:solidFill>
                     <a:srgbClr val="000000"/>
                   </a:solidFill>
@@ -2981,7 +3199,7 @@
             </a:ln>
             <a:extLst>
               <a:ext uri="{91240B29-F687-4f45-9708-019B960494DF}">
-                <a14:hiddenLine xmlns="" xmlns:a14="http://schemas.microsoft.com/office/drawing/2010/main" w="9525">
+                <a14:hiddenLine xmlns:a14="http://schemas.microsoft.com/office/drawing/2010/main" xmlns="" w="9525">
                   <a:solidFill>
                     <a:srgbClr val="000000"/>
                   </a:solidFill>
@@ -3015,7 +3233,7 @@
             </a:ln>
             <a:extLst>
               <a:ext uri="{91240B29-F687-4f45-9708-019B960494DF}">
-                <a14:hiddenLine xmlns="" xmlns:a14="http://schemas.microsoft.com/office/drawing/2010/main" w="9525">
+                <a14:hiddenLine xmlns:a14="http://schemas.microsoft.com/office/drawing/2010/main" xmlns="" w="9525">
                   <a:solidFill>
                     <a:srgbClr val="000000"/>
                   </a:solidFill>
@@ -3105,7 +3323,7 @@
             </a:ln>
             <a:extLst>
               <a:ext uri="{91240B29-F687-4f45-9708-019B960494DF}">
-                <a14:hiddenLine xmlns="" xmlns:a14="http://schemas.microsoft.com/office/drawing/2010/main" w="9525">
+                <a14:hiddenLine xmlns:a14="http://schemas.microsoft.com/office/drawing/2010/main" xmlns="" w="9525">
                   <a:solidFill>
                     <a:srgbClr val="000000"/>
                   </a:solidFill>
@@ -3167,7 +3385,7 @@
             </a:ln>
             <a:extLst>
               <a:ext uri="{91240B29-F687-4f45-9708-019B960494DF}">
-                <a14:hiddenLine xmlns="" xmlns:a14="http://schemas.microsoft.com/office/drawing/2010/main" w="9525">
+                <a14:hiddenLine xmlns:a14="http://schemas.microsoft.com/office/drawing/2010/main" xmlns="" w="9525">
                   <a:solidFill>
                     <a:srgbClr val="000000"/>
                   </a:solidFill>
@@ -3229,7 +3447,7 @@
             </a:ln>
             <a:extLst>
               <a:ext uri="{91240B29-F687-4f45-9708-019B960494DF}">
-                <a14:hiddenLine xmlns="" xmlns:a14="http://schemas.microsoft.com/office/drawing/2010/main" w="9525">
+                <a14:hiddenLine xmlns:a14="http://schemas.microsoft.com/office/drawing/2010/main" xmlns="" w="9525">
                   <a:solidFill>
                     <a:srgbClr val="000000"/>
                   </a:solidFill>
@@ -3319,7 +3537,7 @@
             </a:ln>
             <a:extLst>
               <a:ext uri="{91240B29-F687-4f45-9708-019B960494DF}">
-                <a14:hiddenLine xmlns="" xmlns:a14="http://schemas.microsoft.com/office/drawing/2010/main" w="9525">
+                <a14:hiddenLine xmlns:a14="http://schemas.microsoft.com/office/drawing/2010/main" xmlns="" w="9525">
                   <a:solidFill>
                     <a:srgbClr val="000000"/>
                   </a:solidFill>
@@ -3387,7 +3605,7 @@
             </a:ln>
             <a:extLst>
               <a:ext uri="{91240B29-F687-4f45-9708-019B960494DF}">
-                <a14:hiddenLine xmlns="" xmlns:a14="http://schemas.microsoft.com/office/drawing/2010/main" w="9525">
+                <a14:hiddenLine xmlns:a14="http://schemas.microsoft.com/office/drawing/2010/main" xmlns="" w="9525">
                   <a:solidFill>
                     <a:srgbClr val="000000"/>
                   </a:solidFill>
@@ -3449,7 +3667,7 @@
             </a:ln>
             <a:extLst>
               <a:ext uri="{91240B29-F687-4f45-9708-019B960494DF}">
-                <a14:hiddenLine xmlns="" xmlns:a14="http://schemas.microsoft.com/office/drawing/2010/main" w="9525">
+                <a14:hiddenLine xmlns:a14="http://schemas.microsoft.com/office/drawing/2010/main" xmlns="" w="9525">
                   <a:solidFill>
                     <a:srgbClr val="000000"/>
                   </a:solidFill>
@@ -3539,7 +3757,7 @@
             </a:ln>
             <a:extLst>
               <a:ext uri="{91240B29-F687-4f45-9708-019B960494DF}">
-                <a14:hiddenLine xmlns="" xmlns:a14="http://schemas.microsoft.com/office/drawing/2010/main" w="9525">
+                <a14:hiddenLine xmlns:a14="http://schemas.microsoft.com/office/drawing/2010/main" xmlns="" w="9525">
                   <a:solidFill>
                     <a:srgbClr val="000000"/>
                   </a:solidFill>
@@ -3601,7 +3819,7 @@
             </a:ln>
             <a:extLst>
               <a:ext uri="{91240B29-F687-4f45-9708-019B960494DF}">
-                <a14:hiddenLine xmlns="" xmlns:a14="http://schemas.microsoft.com/office/drawing/2010/main" w="9525">
+                <a14:hiddenLine xmlns:a14="http://schemas.microsoft.com/office/drawing/2010/main" xmlns="" w="9525">
                   <a:solidFill>
                     <a:srgbClr val="000000"/>
                   </a:solidFill>
@@ -3691,7 +3909,7 @@
             </a:ln>
             <a:extLst>
               <a:ext uri="{91240B29-F687-4f45-9708-019B960494DF}">
-                <a14:hiddenLine xmlns="" xmlns:a14="http://schemas.microsoft.com/office/drawing/2010/main" w="9525">
+                <a14:hiddenLine xmlns:a14="http://schemas.microsoft.com/office/drawing/2010/main" xmlns="" w="9525">
                   <a:solidFill>
                     <a:srgbClr val="000000"/>
                   </a:solidFill>
@@ -3753,7 +3971,7 @@
             </a:ln>
             <a:extLst>
               <a:ext uri="{91240B29-F687-4f45-9708-019B960494DF}">
-                <a14:hiddenLine xmlns="" xmlns:a14="http://schemas.microsoft.com/office/drawing/2010/main" w="9525">
+                <a14:hiddenLine xmlns:a14="http://schemas.microsoft.com/office/drawing/2010/main" xmlns="" w="9525">
                   <a:solidFill>
                     <a:srgbClr val="000000"/>
                   </a:solidFill>
@@ -3843,7 +4061,7 @@
             </a:ln>
             <a:extLst>
               <a:ext uri="{91240B29-F687-4f45-9708-019B960494DF}">
-                <a14:hiddenLine xmlns="" xmlns:a14="http://schemas.microsoft.com/office/drawing/2010/main" w="9525">
+                <a14:hiddenLine xmlns:a14="http://schemas.microsoft.com/office/drawing/2010/main" xmlns="" w="9525">
                   <a:solidFill>
                     <a:srgbClr val="000000"/>
                   </a:solidFill>
@@ -3877,7 +4095,7 @@
             </a:ln>
             <a:extLst>
               <a:ext uri="{91240B29-F687-4f45-9708-019B960494DF}">
-                <a14:hiddenLine xmlns="" xmlns:a14="http://schemas.microsoft.com/office/drawing/2010/main" w="9525">
+                <a14:hiddenLine xmlns:a14="http://schemas.microsoft.com/office/drawing/2010/main" xmlns="" w="9525">
                   <a:solidFill>
                     <a:srgbClr val="000000"/>
                   </a:solidFill>
@@ -3942,7 +4160,7 @@
             </a:ln>
             <a:extLst>
               <a:ext uri="{91240B29-F687-4f45-9708-019B960494DF}">
-                <a14:hiddenLine xmlns="" xmlns:a14="http://schemas.microsoft.com/office/drawing/2010/main" w="9525">
+                <a14:hiddenLine xmlns:a14="http://schemas.microsoft.com/office/drawing/2010/main" xmlns="" w="9525">
                   <a:solidFill>
                     <a:srgbClr val="000000"/>
                   </a:solidFill>
@@ -4032,7 +4250,7 @@
             </a:ln>
             <a:extLst>
               <a:ext uri="{91240B29-F687-4f45-9708-019B960494DF}">
-                <a14:hiddenLine xmlns="" xmlns:a14="http://schemas.microsoft.com/office/drawing/2010/main" w="9525">
+                <a14:hiddenLine xmlns:a14="http://schemas.microsoft.com/office/drawing/2010/main" xmlns="" w="9525">
                   <a:solidFill>
                     <a:srgbClr val="000000"/>
                   </a:solidFill>
@@ -4094,7 +4312,7 @@
             </a:ln>
             <a:extLst>
               <a:ext uri="{91240B29-F687-4f45-9708-019B960494DF}">
-                <a14:hiddenLine xmlns="" xmlns:a14="http://schemas.microsoft.com/office/drawing/2010/main" w="9525">
+                <a14:hiddenLine xmlns:a14="http://schemas.microsoft.com/office/drawing/2010/main" xmlns="" w="9525">
                   <a:solidFill>
                     <a:srgbClr val="000000"/>
                   </a:solidFill>
@@ -4184,7 +4402,7 @@
             </a:ln>
             <a:extLst>
               <a:ext uri="{91240B29-F687-4f45-9708-019B960494DF}">
-                <a14:hiddenLine xmlns="" xmlns:a14="http://schemas.microsoft.com/office/drawing/2010/main" w="9525">
+                <a14:hiddenLine xmlns:a14="http://schemas.microsoft.com/office/drawing/2010/main" xmlns="" w="9525">
                   <a:solidFill>
                     <a:srgbClr val="000000"/>
                   </a:solidFill>
@@ -4274,7 +4492,7 @@
             </a:ln>
             <a:extLst>
               <a:ext uri="{91240B29-F687-4f45-9708-019B960494DF}">
-                <a14:hiddenLine xmlns="" xmlns:a14="http://schemas.microsoft.com/office/drawing/2010/main" w="9525">
+                <a14:hiddenLine xmlns:a14="http://schemas.microsoft.com/office/drawing/2010/main" xmlns="" w="9525">
                   <a:solidFill>
                     <a:srgbClr val="000000"/>
                   </a:solidFill>
@@ -4339,7 +4557,7 @@
             </a:ln>
             <a:extLst>
               <a:ext uri="{91240B29-F687-4f45-9708-019B960494DF}">
-                <a14:hiddenLine xmlns="" xmlns:a14="http://schemas.microsoft.com/office/drawing/2010/main" w="9525">
+                <a14:hiddenLine xmlns:a14="http://schemas.microsoft.com/office/drawing/2010/main" xmlns="" w="9525">
                   <a:solidFill>
                     <a:srgbClr val="000000"/>
                   </a:solidFill>
@@ -4401,7 +4619,7 @@
             </a:ln>
             <a:extLst>
               <a:ext uri="{91240B29-F687-4f45-9708-019B960494DF}">
-                <a14:hiddenLine xmlns="" xmlns:a14="http://schemas.microsoft.com/office/drawing/2010/main" w="9525">
+                <a14:hiddenLine xmlns:a14="http://schemas.microsoft.com/office/drawing/2010/main" xmlns="" w="9525">
                   <a:solidFill>
                     <a:srgbClr val="000000"/>
                   </a:solidFill>
@@ -4491,7 +4709,7 @@
             </a:ln>
             <a:extLst>
               <a:ext uri="{91240B29-F687-4f45-9708-019B960494DF}">
-                <a14:hiddenLine xmlns="" xmlns:a14="http://schemas.microsoft.com/office/drawing/2010/main" w="9525">
+                <a14:hiddenLine xmlns:a14="http://schemas.microsoft.com/office/drawing/2010/main" xmlns="" w="9525">
                   <a:solidFill>
                     <a:srgbClr val="000000"/>
                   </a:solidFill>
@@ -4581,7 +4799,7 @@
             </a:ln>
             <a:extLst>
               <a:ext uri="{91240B29-F687-4f45-9708-019B960494DF}">
-                <a14:hiddenLine xmlns="" xmlns:a14="http://schemas.microsoft.com/office/drawing/2010/main" w="9525">
+                <a14:hiddenLine xmlns:a14="http://schemas.microsoft.com/office/drawing/2010/main" xmlns="" w="9525">
                   <a:solidFill>
                     <a:srgbClr val="000000"/>
                   </a:solidFill>
@@ -4643,7 +4861,7 @@
             </a:ln>
             <a:extLst>
               <a:ext uri="{91240B29-F687-4f45-9708-019B960494DF}">
-                <a14:hiddenLine xmlns="" xmlns:a14="http://schemas.microsoft.com/office/drawing/2010/main" w="9525">
+                <a14:hiddenLine xmlns:a14="http://schemas.microsoft.com/office/drawing/2010/main" xmlns="" w="9525">
                   <a:solidFill>
                     <a:srgbClr val="000000"/>
                   </a:solidFill>
@@ -4763,7 +4981,7 @@
             </a:ln>
             <a:extLst>
               <a:ext uri="{91240B29-F687-4f45-9708-019B960494DF}">
-                <a14:hiddenLine xmlns="" xmlns:a14="http://schemas.microsoft.com/office/drawing/2010/main" w="9525">
+                <a14:hiddenLine xmlns:a14="http://schemas.microsoft.com/office/drawing/2010/main" xmlns="" w="9525">
                   <a:solidFill>
                     <a:srgbClr val="000000"/>
                   </a:solidFill>
@@ -4831,7 +5049,7 @@
             </a:ln>
             <a:extLst>
               <a:ext uri="{91240B29-F687-4f45-9708-019B960494DF}">
-                <a14:hiddenLine xmlns="" xmlns:a14="http://schemas.microsoft.com/office/drawing/2010/main" w="9525">
+                <a14:hiddenLine xmlns:a14="http://schemas.microsoft.com/office/drawing/2010/main" xmlns="" w="9525">
                   <a:solidFill>
                     <a:srgbClr val="000000"/>
                   </a:solidFill>
@@ -4921,7 +5139,7 @@
             </a:ln>
             <a:extLst>
               <a:ext uri="{91240B29-F687-4f45-9708-019B960494DF}">
-                <a14:hiddenLine xmlns="" xmlns:a14="http://schemas.microsoft.com/office/drawing/2010/main" w="9525">
+                <a14:hiddenLine xmlns:a14="http://schemas.microsoft.com/office/drawing/2010/main" xmlns="" w="9525">
                   <a:solidFill>
                     <a:srgbClr val="000000"/>
                   </a:solidFill>
@@ -5061,7 +5279,7 @@
           <a:p>
             <a:fld id="{C4C0C060-C3B5-443A-A207-3B90D6A656A5}" type="datetimeFigureOut">
               <a:rPr lang="en-GB" smtClean="0"/>
-              <a:t>04/04/2018</a:t>
+              <a:t>06/04/2018</a:t>
             </a:fld>
             <a:endParaRPr lang="en-GB"/>
           </a:p>
@@ -5328,7 +5546,7 @@
           <a:p>
             <a:fld id="{C4C0C060-C3B5-443A-A207-3B90D6A656A5}" type="datetimeFigureOut">
               <a:rPr lang="en-GB" smtClean="0"/>
-              <a:t>04/04/2018</a:t>
+              <a:t>06/04/2018</a:t>
             </a:fld>
             <a:endParaRPr lang="en-GB"/>
           </a:p>
@@ -5524,7 +5742,7 @@
           <a:p>
             <a:fld id="{C4C0C060-C3B5-443A-A207-3B90D6A656A5}" type="datetimeFigureOut">
               <a:rPr lang="en-GB" smtClean="0"/>
-              <a:t>04/04/2018</a:t>
+              <a:t>06/04/2018</a:t>
             </a:fld>
             <a:endParaRPr lang="en-GB"/>
           </a:p>
@@ -5787,7 +6005,7 @@
           <a:p>
             <a:fld id="{C4C0C060-C3B5-443A-A207-3B90D6A656A5}" type="datetimeFigureOut">
               <a:rPr lang="en-GB" smtClean="0"/>
-              <a:t>04/04/2018</a:t>
+              <a:t>06/04/2018</a:t>
             </a:fld>
             <a:endParaRPr lang="en-GB"/>
           </a:p>
@@ -6221,7 +6439,7 @@
           <a:p>
             <a:fld id="{C4C0C060-C3B5-443A-A207-3B90D6A656A5}" type="datetimeFigureOut">
               <a:rPr lang="en-GB" smtClean="0"/>
-              <a:t>04/04/2018</a:t>
+              <a:t>06/04/2018</a:t>
             </a:fld>
             <a:endParaRPr lang="en-GB"/>
           </a:p>
@@ -6767,7 +6985,7 @@
           <a:p>
             <a:fld id="{C4C0C060-C3B5-443A-A207-3B90D6A656A5}" type="datetimeFigureOut">
               <a:rPr lang="en-GB" smtClean="0"/>
-              <a:t>04/04/2018</a:t>
+              <a:t>06/04/2018</a:t>
             </a:fld>
             <a:endParaRPr lang="en-GB"/>
           </a:p>
@@ -7487,7 +7705,7 @@
           <a:p>
             <a:fld id="{C4C0C060-C3B5-443A-A207-3B90D6A656A5}" type="datetimeFigureOut">
               <a:rPr lang="en-GB" smtClean="0"/>
-              <a:t>04/04/2018</a:t>
+              <a:t>06/04/2018</a:t>
             </a:fld>
             <a:endParaRPr lang="en-GB"/>
           </a:p>
@@ -7657,7 +7875,7 @@
           <a:p>
             <a:fld id="{C4C0C060-C3B5-443A-A207-3B90D6A656A5}" type="datetimeFigureOut">
               <a:rPr lang="en-GB" smtClean="0"/>
-              <a:t>04/04/2018</a:t>
+              <a:t>06/04/2018</a:t>
             </a:fld>
             <a:endParaRPr lang="en-GB"/>
           </a:p>
@@ -7837,7 +8055,7 @@
           <a:p>
             <a:fld id="{C4C0C060-C3B5-443A-A207-3B90D6A656A5}" type="datetimeFigureOut">
               <a:rPr lang="en-GB" smtClean="0"/>
-              <a:t>04/04/2018</a:t>
+              <a:t>06/04/2018</a:t>
             </a:fld>
             <a:endParaRPr lang="en-GB"/>
           </a:p>
@@ -8007,7 +8225,7 @@
           <a:p>
             <a:fld id="{C4C0C060-C3B5-443A-A207-3B90D6A656A5}" type="datetimeFigureOut">
               <a:rPr lang="en-GB" smtClean="0"/>
-              <a:t>04/04/2018</a:t>
+              <a:t>06/04/2018</a:t>
             </a:fld>
             <a:endParaRPr lang="en-GB"/>
           </a:p>
@@ -8257,7 +8475,7 @@
           <a:p>
             <a:fld id="{C4C0C060-C3B5-443A-A207-3B90D6A656A5}" type="datetimeFigureOut">
               <a:rPr lang="en-GB" smtClean="0"/>
-              <a:t>04/04/2018</a:t>
+              <a:t>06/04/2018</a:t>
             </a:fld>
             <a:endParaRPr lang="en-GB"/>
           </a:p>
@@ -8489,7 +8707,7 @@
           <a:p>
             <a:fld id="{C4C0C060-C3B5-443A-A207-3B90D6A656A5}" type="datetimeFigureOut">
               <a:rPr lang="en-GB" smtClean="0"/>
-              <a:t>04/04/2018</a:t>
+              <a:t>06/04/2018</a:t>
             </a:fld>
             <a:endParaRPr lang="en-GB"/>
           </a:p>
@@ -8870,7 +9088,7 @@
           <a:p>
             <a:fld id="{C4C0C060-C3B5-443A-A207-3B90D6A656A5}" type="datetimeFigureOut">
               <a:rPr lang="en-GB" smtClean="0"/>
-              <a:t>04/04/2018</a:t>
+              <a:t>06/04/2018</a:t>
             </a:fld>
             <a:endParaRPr lang="en-GB"/>
           </a:p>
@@ -8988,7 +9206,7 @@
           <a:p>
             <a:fld id="{C4C0C060-C3B5-443A-A207-3B90D6A656A5}" type="datetimeFigureOut">
               <a:rPr lang="en-GB" smtClean="0"/>
-              <a:t>04/04/2018</a:t>
+              <a:t>06/04/2018</a:t>
             </a:fld>
             <a:endParaRPr lang="en-GB"/>
           </a:p>
@@ -9083,7 +9301,7 @@
           <a:p>
             <a:fld id="{C4C0C060-C3B5-443A-A207-3B90D6A656A5}" type="datetimeFigureOut">
               <a:rPr lang="en-GB" smtClean="0"/>
-              <a:t>04/04/2018</a:t>
+              <a:t>06/04/2018</a:t>
             </a:fld>
             <a:endParaRPr lang="en-GB"/>
           </a:p>
@@ -9332,7 +9550,7 @@
           <a:p>
             <a:fld id="{C4C0C060-C3B5-443A-A207-3B90D6A656A5}" type="datetimeFigureOut">
               <a:rPr lang="en-GB" smtClean="0"/>
-              <a:t>04/04/2018</a:t>
+              <a:t>06/04/2018</a:t>
             </a:fld>
             <a:endParaRPr lang="en-GB"/>
           </a:p>
@@ -9612,7 +9830,7 @@
           <a:p>
             <a:fld id="{C4C0C060-C3B5-443A-A207-3B90D6A656A5}" type="datetimeFigureOut">
               <a:rPr lang="en-GB" smtClean="0"/>
-              <a:t>04/04/2018</a:t>
+              <a:t>06/04/2018</a:t>
             </a:fld>
             <a:endParaRPr lang="en-GB"/>
           </a:p>
@@ -9735,7 +9953,7 @@
           <a:noFill/>
           <a:extLst>
             <a:ext uri="{909E8E84-426E-40dd-AFC4-6F175D3DCCD1}">
-              <a14:hiddenFill xmlns="" xmlns:a14="http://schemas.microsoft.com/office/drawing/2010/main">
+              <a14:hiddenFill xmlns:a14="http://schemas.microsoft.com/office/drawing/2010/main" xmlns="">
                 <a:solidFill>
                   <a:srgbClr val="FFFFFF"/>
                 </a:solidFill>
@@ -9809,7 +10027,7 @@
               </a:ln>
               <a:extLst>
                 <a:ext uri="{91240B29-F687-4f45-9708-019B960494DF}">
-                  <a14:hiddenLine xmlns="" xmlns:a14="http://schemas.microsoft.com/office/drawing/2010/main" w="9525">
+                  <a14:hiddenLine xmlns:a14="http://schemas.microsoft.com/office/drawing/2010/main" xmlns="" w="9525">
                     <a:solidFill>
                       <a:srgbClr val="000000"/>
                     </a:solidFill>
@@ -9899,7 +10117,7 @@
               </a:ln>
               <a:extLst>
                 <a:ext uri="{91240B29-F687-4f45-9708-019B960494DF}">
-                  <a14:hiddenLine xmlns="" xmlns:a14="http://schemas.microsoft.com/office/drawing/2010/main" w="9525">
+                  <a14:hiddenLine xmlns:a14="http://schemas.microsoft.com/office/drawing/2010/main" xmlns="" w="9525">
                     <a:solidFill>
                       <a:srgbClr val="000000"/>
                     </a:solidFill>
@@ -9989,7 +10207,7 @@
               </a:ln>
               <a:extLst>
                 <a:ext uri="{91240B29-F687-4f45-9708-019B960494DF}">
-                  <a14:hiddenLine xmlns="" xmlns:a14="http://schemas.microsoft.com/office/drawing/2010/main" w="9525">
+                  <a14:hiddenLine xmlns:a14="http://schemas.microsoft.com/office/drawing/2010/main" xmlns="" w="9525">
                     <a:solidFill>
                       <a:srgbClr val="000000"/>
                     </a:solidFill>
@@ -10051,7 +10269,7 @@
               </a:ln>
               <a:extLst>
                 <a:ext uri="{91240B29-F687-4f45-9708-019B960494DF}">
-                  <a14:hiddenLine xmlns="" xmlns:a14="http://schemas.microsoft.com/office/drawing/2010/main" w="9525">
+                  <a14:hiddenLine xmlns:a14="http://schemas.microsoft.com/office/drawing/2010/main" xmlns="" w="9525">
                     <a:solidFill>
                       <a:srgbClr val="000000"/>
                     </a:solidFill>
@@ -10141,7 +10359,7 @@
               </a:ln>
               <a:extLst>
                 <a:ext uri="{91240B29-F687-4f45-9708-019B960494DF}">
-                  <a14:hiddenLine xmlns="" xmlns:a14="http://schemas.microsoft.com/office/drawing/2010/main" w="9525">
+                  <a14:hiddenLine xmlns:a14="http://schemas.microsoft.com/office/drawing/2010/main" xmlns="" w="9525">
                     <a:solidFill>
                       <a:srgbClr val="000000"/>
                     </a:solidFill>
@@ -10203,7 +10421,7 @@
               </a:ln>
               <a:extLst>
                 <a:ext uri="{91240B29-F687-4f45-9708-019B960494DF}">
-                  <a14:hiddenLine xmlns="" xmlns:a14="http://schemas.microsoft.com/office/drawing/2010/main" w="9525">
+                  <a14:hiddenLine xmlns:a14="http://schemas.microsoft.com/office/drawing/2010/main" xmlns="" w="9525">
                     <a:solidFill>
                       <a:srgbClr val="000000"/>
                     </a:solidFill>
@@ -10265,7 +10483,7 @@
               </a:ln>
               <a:extLst>
                 <a:ext uri="{91240B29-F687-4f45-9708-019B960494DF}">
-                  <a14:hiddenLine xmlns="" xmlns:a14="http://schemas.microsoft.com/office/drawing/2010/main" w="9525">
+                  <a14:hiddenLine xmlns:a14="http://schemas.microsoft.com/office/drawing/2010/main" xmlns="" w="9525">
                     <a:solidFill>
                       <a:srgbClr val="000000"/>
                     </a:solidFill>
@@ -10355,7 +10573,7 @@
               </a:ln>
               <a:extLst>
                 <a:ext uri="{91240B29-F687-4f45-9708-019B960494DF}">
-                  <a14:hiddenLine xmlns="" xmlns:a14="http://schemas.microsoft.com/office/drawing/2010/main" w="9525">
+                  <a14:hiddenLine xmlns:a14="http://schemas.microsoft.com/office/drawing/2010/main" xmlns="" w="9525">
                     <a:solidFill>
                       <a:srgbClr val="000000"/>
                     </a:solidFill>
@@ -10445,7 +10663,7 @@
               </a:ln>
               <a:extLst>
                 <a:ext uri="{91240B29-F687-4f45-9708-019B960494DF}">
-                  <a14:hiddenLine xmlns="" xmlns:a14="http://schemas.microsoft.com/office/drawing/2010/main" w="9525">
+                  <a14:hiddenLine xmlns:a14="http://schemas.microsoft.com/office/drawing/2010/main" xmlns="" w="9525">
                     <a:solidFill>
                       <a:srgbClr val="000000"/>
                     </a:solidFill>
@@ -10507,7 +10725,7 @@
               </a:ln>
               <a:extLst>
                 <a:ext uri="{91240B29-F687-4f45-9708-019B960494DF}">
-                  <a14:hiddenLine xmlns="" xmlns:a14="http://schemas.microsoft.com/office/drawing/2010/main" w="9525">
+                  <a14:hiddenLine xmlns:a14="http://schemas.microsoft.com/office/drawing/2010/main" xmlns="" w="9525">
                     <a:solidFill>
                       <a:srgbClr val="000000"/>
                     </a:solidFill>
@@ -10617,7 +10835,7 @@
               </a:ln>
               <a:extLst>
                 <a:ext uri="{91240B29-F687-4f45-9708-019B960494DF}">
-                  <a14:hiddenLine xmlns="" xmlns:a14="http://schemas.microsoft.com/office/drawing/2010/main" w="9525">
+                  <a14:hiddenLine xmlns:a14="http://schemas.microsoft.com/office/drawing/2010/main" xmlns="" w="9525">
                     <a:solidFill>
                       <a:srgbClr val="000000"/>
                     </a:solidFill>
@@ -10701,7 +10919,7 @@
               </a:ln>
               <a:extLst>
                 <a:ext uri="{91240B29-F687-4f45-9708-019B960494DF}">
-                  <a14:hiddenLine xmlns="" xmlns:a14="http://schemas.microsoft.com/office/drawing/2010/main" w="9525">
+                  <a14:hiddenLine xmlns:a14="http://schemas.microsoft.com/office/drawing/2010/main" xmlns="" w="9525">
                     <a:solidFill>
                       <a:srgbClr val="000000"/>
                     </a:solidFill>
@@ -10763,7 +10981,7 @@
               </a:ln>
               <a:extLst>
                 <a:ext uri="{91240B29-F687-4f45-9708-019B960494DF}">
-                  <a14:hiddenLine xmlns="" xmlns:a14="http://schemas.microsoft.com/office/drawing/2010/main" w="9525">
+                  <a14:hiddenLine xmlns:a14="http://schemas.microsoft.com/office/drawing/2010/main" xmlns="" w="9525">
                     <a:solidFill>
                       <a:srgbClr val="000000"/>
                     </a:solidFill>
@@ -10825,7 +11043,7 @@
               </a:ln>
               <a:extLst>
                 <a:ext uri="{91240B29-F687-4f45-9708-019B960494DF}">
-                  <a14:hiddenLine xmlns="" xmlns:a14="http://schemas.microsoft.com/office/drawing/2010/main" w="9525">
+                  <a14:hiddenLine xmlns:a14="http://schemas.microsoft.com/office/drawing/2010/main" xmlns="" w="9525">
                     <a:solidFill>
                       <a:srgbClr val="000000"/>
                     </a:solidFill>
@@ -10915,7 +11133,7 @@
               </a:ln>
               <a:extLst>
                 <a:ext uri="{91240B29-F687-4f45-9708-019B960494DF}">
-                  <a14:hiddenLine xmlns="" xmlns:a14="http://schemas.microsoft.com/office/drawing/2010/main" w="9525">
+                  <a14:hiddenLine xmlns:a14="http://schemas.microsoft.com/office/drawing/2010/main" xmlns="" w="9525">
                     <a:solidFill>
                       <a:srgbClr val="000000"/>
                     </a:solidFill>
@@ -10949,7 +11167,7 @@
               </a:ln>
               <a:extLst>
                 <a:ext uri="{91240B29-F687-4f45-9708-019B960494DF}">
-                  <a14:hiddenLine xmlns="" xmlns:a14="http://schemas.microsoft.com/office/drawing/2010/main" w="9525">
+                  <a14:hiddenLine xmlns:a14="http://schemas.microsoft.com/office/drawing/2010/main" xmlns="" w="9525">
                     <a:solidFill>
                       <a:srgbClr val="000000"/>
                     </a:solidFill>
@@ -11014,7 +11232,7 @@
               </a:ln>
               <a:extLst>
                 <a:ext uri="{91240B29-F687-4f45-9708-019B960494DF}">
-                  <a14:hiddenLine xmlns="" xmlns:a14="http://schemas.microsoft.com/office/drawing/2010/main" w="9525">
+                  <a14:hiddenLine xmlns:a14="http://schemas.microsoft.com/office/drawing/2010/main" xmlns="" w="9525">
                     <a:solidFill>
                       <a:srgbClr val="000000"/>
                     </a:solidFill>
@@ -11104,7 +11322,7 @@
               </a:ln>
               <a:extLst>
                 <a:ext uri="{91240B29-F687-4f45-9708-019B960494DF}">
-                  <a14:hiddenLine xmlns="" xmlns:a14="http://schemas.microsoft.com/office/drawing/2010/main" w="9525">
+                  <a14:hiddenLine xmlns:a14="http://schemas.microsoft.com/office/drawing/2010/main" xmlns="" w="9525">
                     <a:solidFill>
                       <a:srgbClr val="000000"/>
                     </a:solidFill>
@@ -11166,7 +11384,7 @@
               </a:ln>
               <a:extLst>
                 <a:ext uri="{91240B29-F687-4f45-9708-019B960494DF}">
-                  <a14:hiddenLine xmlns="" xmlns:a14="http://schemas.microsoft.com/office/drawing/2010/main" w="9525">
+                  <a14:hiddenLine xmlns:a14="http://schemas.microsoft.com/office/drawing/2010/main" xmlns="" w="9525">
                     <a:solidFill>
                       <a:srgbClr val="000000"/>
                     </a:solidFill>
@@ -11256,7 +11474,7 @@
               </a:ln>
               <a:extLst>
                 <a:ext uri="{91240B29-F687-4f45-9708-019B960494DF}">
-                  <a14:hiddenLine xmlns="" xmlns:a14="http://schemas.microsoft.com/office/drawing/2010/main" w="9525">
+                  <a14:hiddenLine xmlns:a14="http://schemas.microsoft.com/office/drawing/2010/main" xmlns="" w="9525">
                     <a:solidFill>
                       <a:srgbClr val="000000"/>
                     </a:solidFill>
@@ -11321,7 +11539,7 @@
               </a:ln>
               <a:extLst>
                 <a:ext uri="{91240B29-F687-4f45-9708-019B960494DF}">
-                  <a14:hiddenLine xmlns="" xmlns:a14="http://schemas.microsoft.com/office/drawing/2010/main" w="9525">
+                  <a14:hiddenLine xmlns:a14="http://schemas.microsoft.com/office/drawing/2010/main" xmlns="" w="9525">
                     <a:solidFill>
                       <a:srgbClr val="000000"/>
                     </a:solidFill>
@@ -11383,7 +11601,7 @@
               </a:ln>
               <a:extLst>
                 <a:ext uri="{91240B29-F687-4f45-9708-019B960494DF}">
-                  <a14:hiddenLine xmlns="" xmlns:a14="http://schemas.microsoft.com/office/drawing/2010/main" w="9525">
+                  <a14:hiddenLine xmlns:a14="http://schemas.microsoft.com/office/drawing/2010/main" xmlns="" w="9525">
                     <a:solidFill>
                       <a:srgbClr val="000000"/>
                     </a:solidFill>
@@ -11473,7 +11691,7 @@
               </a:ln>
               <a:extLst>
                 <a:ext uri="{91240B29-F687-4f45-9708-019B960494DF}">
-                  <a14:hiddenLine xmlns="" xmlns:a14="http://schemas.microsoft.com/office/drawing/2010/main" w="9525">
+                  <a14:hiddenLine xmlns:a14="http://schemas.microsoft.com/office/drawing/2010/main" xmlns="" w="9525">
                     <a:solidFill>
                       <a:srgbClr val="000000"/>
                     </a:solidFill>
@@ -11563,7 +11781,7 @@
               </a:ln>
               <a:extLst>
                 <a:ext uri="{91240B29-F687-4f45-9708-019B960494DF}">
-                  <a14:hiddenLine xmlns="" xmlns:a14="http://schemas.microsoft.com/office/drawing/2010/main" w="9525">
+                  <a14:hiddenLine xmlns:a14="http://schemas.microsoft.com/office/drawing/2010/main" xmlns="" w="9525">
                     <a:solidFill>
                       <a:srgbClr val="000000"/>
                     </a:solidFill>
@@ -11628,7 +11846,7 @@
               </a:ln>
               <a:extLst>
                 <a:ext uri="{91240B29-F687-4f45-9708-019B960494DF}">
-                  <a14:hiddenLine xmlns="" xmlns:a14="http://schemas.microsoft.com/office/drawing/2010/main" w="9525">
+                  <a14:hiddenLine xmlns:a14="http://schemas.microsoft.com/office/drawing/2010/main" xmlns="" w="9525">
                     <a:solidFill>
                       <a:srgbClr val="000000"/>
                     </a:solidFill>
@@ -11748,7 +11966,7 @@
               </a:ln>
               <a:extLst>
                 <a:ext uri="{91240B29-F687-4f45-9708-019B960494DF}">
-                  <a14:hiddenLine xmlns="" xmlns:a14="http://schemas.microsoft.com/office/drawing/2010/main" w="9525">
+                  <a14:hiddenLine xmlns:a14="http://schemas.microsoft.com/office/drawing/2010/main" xmlns="" w="9525">
                     <a:solidFill>
                       <a:srgbClr val="000000"/>
                     </a:solidFill>
@@ -11846,7 +12064,7 @@
               </a:ln>
               <a:extLst>
                 <a:ext uri="{91240B29-F687-4f45-9708-019B960494DF}">
-                  <a14:hiddenLine xmlns="" xmlns:a14="http://schemas.microsoft.com/office/drawing/2010/main" w="9525">
+                  <a14:hiddenLine xmlns:a14="http://schemas.microsoft.com/office/drawing/2010/main" xmlns="" w="9525">
                     <a:solidFill>
                       <a:srgbClr val="000000"/>
                     </a:solidFill>
@@ -11961,7 +12179,7 @@
               </a:ln>
               <a:extLst>
                 <a:ext uri="{91240B29-F687-4f45-9708-019B960494DF}">
-                  <a14:hiddenLine xmlns="" xmlns:a14="http://schemas.microsoft.com/office/drawing/2010/main" w="9525">
+                  <a14:hiddenLine xmlns:a14="http://schemas.microsoft.com/office/drawing/2010/main" xmlns="" w="9525">
                     <a:solidFill>
                       <a:srgbClr val="000000"/>
                     </a:solidFill>
@@ -12051,7 +12269,7 @@
               </a:ln>
               <a:extLst>
                 <a:ext uri="{91240B29-F687-4f45-9708-019B960494DF}">
-                  <a14:hiddenLine xmlns="" xmlns:a14="http://schemas.microsoft.com/office/drawing/2010/main" w="9525">
+                  <a14:hiddenLine xmlns:a14="http://schemas.microsoft.com/office/drawing/2010/main" xmlns="" w="9525">
                     <a:solidFill>
                       <a:srgbClr val="000000"/>
                     </a:solidFill>
@@ -12116,7 +12334,7 @@
               </a:ln>
               <a:extLst>
                 <a:ext uri="{91240B29-F687-4f45-9708-019B960494DF}">
-                  <a14:hiddenLine xmlns="" xmlns:a14="http://schemas.microsoft.com/office/drawing/2010/main" w="9525">
+                  <a14:hiddenLine xmlns:a14="http://schemas.microsoft.com/office/drawing/2010/main" xmlns="" w="9525">
                     <a:solidFill>
                       <a:srgbClr val="000000"/>
                     </a:solidFill>
@@ -12206,7 +12424,7 @@
               </a:ln>
               <a:extLst>
                 <a:ext uri="{91240B29-F687-4f45-9708-019B960494DF}">
-                  <a14:hiddenLine xmlns="" xmlns:a14="http://schemas.microsoft.com/office/drawing/2010/main" w="9525">
+                  <a14:hiddenLine xmlns:a14="http://schemas.microsoft.com/office/drawing/2010/main" xmlns="" w="9525">
                     <a:solidFill>
                       <a:srgbClr val="000000"/>
                     </a:solidFill>
@@ -12274,7 +12492,7 @@
               </a:ln>
               <a:extLst>
                 <a:ext uri="{91240B29-F687-4f45-9708-019B960494DF}">
-                  <a14:hiddenLine xmlns="" xmlns:a14="http://schemas.microsoft.com/office/drawing/2010/main" w="9525">
+                  <a14:hiddenLine xmlns:a14="http://schemas.microsoft.com/office/drawing/2010/main" xmlns="" w="9525">
                     <a:solidFill>
                       <a:srgbClr val="000000"/>
                     </a:solidFill>
@@ -12364,7 +12582,7 @@
               </a:ln>
               <a:extLst>
                 <a:ext uri="{91240B29-F687-4f45-9708-019B960494DF}">
-                  <a14:hiddenLine xmlns="" xmlns:a14="http://schemas.microsoft.com/office/drawing/2010/main" w="9525">
+                  <a14:hiddenLine xmlns:a14="http://schemas.microsoft.com/office/drawing/2010/main" xmlns="" w="9525">
                     <a:solidFill>
                       <a:srgbClr val="000000"/>
                     </a:solidFill>
@@ -12432,7 +12650,7 @@
               </a:ln>
               <a:extLst>
                 <a:ext uri="{91240B29-F687-4f45-9708-019B960494DF}">
-                  <a14:hiddenLine xmlns="" xmlns:a14="http://schemas.microsoft.com/office/drawing/2010/main" w="9525">
+                  <a14:hiddenLine xmlns:a14="http://schemas.microsoft.com/office/drawing/2010/main" xmlns="" w="9525">
                     <a:solidFill>
                       <a:srgbClr val="000000"/>
                     </a:solidFill>
@@ -12522,7 +12740,7 @@
               </a:ln>
               <a:extLst>
                 <a:ext uri="{91240B29-F687-4f45-9708-019B960494DF}">
-                  <a14:hiddenLine xmlns="" xmlns:a14="http://schemas.microsoft.com/office/drawing/2010/main" w="9525">
+                  <a14:hiddenLine xmlns:a14="http://schemas.microsoft.com/office/drawing/2010/main" xmlns="" w="9525">
                     <a:solidFill>
                       <a:srgbClr val="000000"/>
                     </a:solidFill>
@@ -12556,7 +12774,7 @@
               </a:ln>
               <a:extLst>
                 <a:ext uri="{91240B29-F687-4f45-9708-019B960494DF}">
-                  <a14:hiddenLine xmlns="" xmlns:a14="http://schemas.microsoft.com/office/drawing/2010/main" w="9525">
+                  <a14:hiddenLine xmlns:a14="http://schemas.microsoft.com/office/drawing/2010/main" xmlns="" w="9525">
                     <a:solidFill>
                       <a:srgbClr val="000000"/>
                     </a:solidFill>
@@ -12696,7 +12914,7 @@
           <a:p>
             <a:fld id="{C4C0C060-C3B5-443A-A207-3B90D6A656A5}" type="datetimeFigureOut">
               <a:rPr lang="en-GB" smtClean="0"/>
-              <a:t>04/04/2018</a:t>
+              <a:t>06/04/2018</a:t>
             </a:fld>
             <a:endParaRPr lang="en-GB"/>
           </a:p>
@@ -14363,12 +14581,14 @@
         </p:nvSpPr>
         <p:spPr>
           <a:xfrm>
-            <a:off x="5709138" y="1477109"/>
-            <a:ext cx="6191372" cy="5138294"/>
+            <a:off x="1141413" y="1477108"/>
+            <a:ext cx="5338274" cy="5138294"/>
           </a:xfrm>
         </p:spPr>
         <p:txBody>
-          <a:bodyPr/>
+          <a:bodyPr>
+            <a:normAutofit fontScale="92500"/>
+          </a:bodyPr>
           <a:lstStyle/>
           <a:p>
             <a:r>
@@ -14442,7 +14662,7 @@
         </p:blipFill>
         <p:spPr>
           <a:xfrm>
-            <a:off x="291490" y="2465105"/>
+            <a:off x="6487017" y="2146388"/>
             <a:ext cx="5338274" cy="2650884"/>
           </a:xfrm>
           <a:prstGeom prst="rect">
@@ -14478,7 +14698,7 @@
         </p:blipFill>
         <p:spPr>
           <a:xfrm>
-            <a:off x="291490" y="2146389"/>
+            <a:off x="6487017" y="1827673"/>
             <a:ext cx="5338274" cy="3288315"/>
           </a:xfrm>
           <a:prstGeom prst="rect">
@@ -15302,6 +15522,1430 @@
 </file>
 
 <file path=ppt/slides/slide6.xml><?xml version="1.0" encoding="utf-8"?>
+<p:sld xmlns:a="http://schemas.openxmlformats.org/drawingml/2006/main" xmlns:r="http://schemas.openxmlformats.org/officeDocument/2006/relationships" xmlns:p="http://schemas.openxmlformats.org/presentationml/2006/main">
+  <p:cSld>
+    <p:bg>
+      <p:bgPr>
+        <a:blipFill>
+          <a:blip r:embed="rId3">
+            <a:duotone>
+              <a:schemeClr val="bg2">
+                <a:shade val="88000"/>
+                <a:hueMod val="106000"/>
+                <a:satMod val="140000"/>
+                <a:lumMod val="54000"/>
+              </a:schemeClr>
+              <a:schemeClr val="bg2">
+                <a:tint val="98000"/>
+                <a:hueMod val="82000"/>
+                <a:satMod val="150000"/>
+                <a:lumMod val="160000"/>
+              </a:schemeClr>
+            </a:duotone>
+            <a:extLst/>
+          </a:blip>
+          <a:stretch/>
+        </a:blipFill>
+        <a:effectLst/>
+      </p:bgPr>
+    </p:bg>
+    <p:spTree>
+      <p:nvGrpSpPr>
+        <p:cNvPr id="1" name=""/>
+        <p:cNvGrpSpPr/>
+        <p:nvPr/>
+      </p:nvGrpSpPr>
+      <p:grpSpPr>
+        <a:xfrm>
+          <a:off x="0" y="0"/>
+          <a:ext cx="0" cy="0"/>
+          <a:chOff x="0" y="0"/>
+          <a:chExt cx="0" cy="0"/>
+        </a:xfrm>
+      </p:grpSpPr>
+      <p:pic>
+        <p:nvPicPr>
+          <p:cNvPr id="6" name="Picture 5" descr="A screenshot of a cell phone&#10;&#10;Description generated with very high confidence">
+            <a:extLst>
+              <a:ext uri="{FF2B5EF4-FFF2-40B4-BE49-F238E27FC236}">
+                <a16:creationId xmlns:a16="http://schemas.microsoft.com/office/drawing/2014/main" id="{9E3D3956-A0CF-4195-9E7C-CD7DBF2CF7FC}"/>
+              </a:ext>
+            </a:extLst>
+          </p:cNvPr>
+          <p:cNvPicPr>
+            <a:picLocks noChangeAspect="1"/>
+          </p:cNvPicPr>
+          <p:nvPr/>
+        </p:nvPicPr>
+        <p:blipFill>
+          <a:blip r:embed="rId4">
+            <a:extLst>
+              <a:ext uri="{28A0092B-C50C-407E-A947-70E740481C1C}">
+                <a14:useLocalDpi xmlns:a14="http://schemas.microsoft.com/office/drawing/2010/main" val="0"/>
+              </a:ext>
+            </a:extLst>
+          </a:blip>
+          <a:stretch>
+            <a:fillRect/>
+          </a:stretch>
+        </p:blipFill>
+        <p:spPr>
+          <a:xfrm>
+            <a:off x="266538" y="1646521"/>
+            <a:ext cx="5122419" cy="2393635"/>
+          </a:xfrm>
+          <a:prstGeom prst="round2DiagRect">
+            <a:avLst>
+              <a:gd name="adj1" fmla="val 0"/>
+              <a:gd name="adj2" fmla="val 0"/>
+            </a:avLst>
+          </a:prstGeom>
+          <a:ln w="19050" cap="sq">
+            <a:solidFill>
+              <a:schemeClr val="tx2">
+                <a:lumMod val="60000"/>
+                <a:lumOff val="40000"/>
+                <a:alpha val="60000"/>
+              </a:schemeClr>
+            </a:solidFill>
+            <a:miter lim="800000"/>
+          </a:ln>
+          <a:effectLst>
+            <a:outerShdw blurRad="88900" dist="38100" dir="5400000" algn="t" rotWithShape="0">
+              <a:prstClr val="black">
+                <a:alpha val="40000"/>
+              </a:prstClr>
+            </a:outerShdw>
+          </a:effectLst>
+        </p:spPr>
+      </p:pic>
+      <p:sp>
+        <p:nvSpPr>
+          <p:cNvPr id="2" name="Title 1">
+            <a:extLst>
+              <a:ext uri="{FF2B5EF4-FFF2-40B4-BE49-F238E27FC236}">
+                <a16:creationId xmlns:a16="http://schemas.microsoft.com/office/drawing/2014/main" id="{6FFABF5D-8F8D-491C-A2DA-7804E194BB66}"/>
+              </a:ext>
+            </a:extLst>
+          </p:cNvPr>
+          <p:cNvSpPr>
+            <a:spLocks noGrp="1"/>
+          </p:cNvSpPr>
+          <p:nvPr>
+            <p:ph type="title"/>
+          </p:nvPr>
+        </p:nvSpPr>
+        <p:spPr>
+          <a:xfrm>
+            <a:off x="1143001" y="167951"/>
+            <a:ext cx="9905998" cy="1478570"/>
+          </a:xfrm>
+        </p:spPr>
+        <p:txBody>
+          <a:bodyPr>
+            <a:normAutofit/>
+          </a:bodyPr>
+          <a:lstStyle/>
+          <a:p>
+            <a:r>
+              <a:rPr lang="en-GB" dirty="0"/>
+              <a:t>What else can be done?</a:t>
+            </a:r>
+          </a:p>
+        </p:txBody>
+      </p:sp>
+      <p:sp>
+        <p:nvSpPr>
+          <p:cNvPr id="3" name="Content Placeholder 2">
+            <a:extLst>
+              <a:ext uri="{FF2B5EF4-FFF2-40B4-BE49-F238E27FC236}">
+                <a16:creationId xmlns:a16="http://schemas.microsoft.com/office/drawing/2014/main" id="{5600CE1B-A3EC-430E-998E-5A95F6523F6B}"/>
+              </a:ext>
+            </a:extLst>
+          </p:cNvPr>
+          <p:cNvSpPr>
+            <a:spLocks noGrp="1"/>
+          </p:cNvSpPr>
+          <p:nvPr>
+            <p:ph idx="1"/>
+          </p:nvPr>
+        </p:nvSpPr>
+        <p:spPr>
+          <a:xfrm>
+            <a:off x="5589036" y="1646521"/>
+            <a:ext cx="6456783" cy="5043528"/>
+          </a:xfrm>
+        </p:spPr>
+        <p:txBody>
+          <a:bodyPr>
+            <a:normAutofit/>
+          </a:bodyPr>
+          <a:lstStyle/>
+          <a:p>
+            <a:pPr>
+              <a:lnSpc>
+                <a:spcPct val="110000"/>
+              </a:lnSpc>
+            </a:pPr>
+            <a:r>
+              <a:rPr lang="en-GB" sz="2200" dirty="0"/>
+              <a:t>There are other software products available online which offer more features.</a:t>
+            </a:r>
+          </a:p>
+          <a:p>
+            <a:pPr>
+              <a:lnSpc>
+                <a:spcPct val="110000"/>
+              </a:lnSpc>
+            </a:pPr>
+            <a:endParaRPr lang="en-GB" sz="2200" dirty="0"/>
+          </a:p>
+          <a:p>
+            <a:pPr>
+              <a:lnSpc>
+                <a:spcPct val="110000"/>
+              </a:lnSpc>
+            </a:pPr>
+            <a:r>
+              <a:rPr lang="en-GB" sz="2200" dirty="0"/>
+              <a:t>Some of them are </a:t>
+            </a:r>
+            <a:r>
+              <a:rPr lang="en-GB" sz="2200" dirty="0" err="1"/>
+              <a:t>Orcanos</a:t>
+            </a:r>
+            <a:r>
+              <a:rPr lang="en-GB" sz="2200" dirty="0"/>
+              <a:t>, </a:t>
+            </a:r>
+            <a:r>
+              <a:rPr lang="en-GB" sz="2200" dirty="0" err="1"/>
+              <a:t>Glasscubes</a:t>
+            </a:r>
+            <a:r>
+              <a:rPr lang="en-GB" sz="2200" dirty="0"/>
+              <a:t> and </a:t>
+            </a:r>
+            <a:r>
+              <a:rPr lang="en-GB" sz="2200" dirty="0" err="1"/>
+              <a:t>PandaDoc</a:t>
+            </a:r>
+            <a:r>
+              <a:rPr lang="en-GB" sz="2200" dirty="0"/>
+              <a:t>. They seem to offer a number of features on group collaboration, task management, security, etc.</a:t>
+            </a:r>
+          </a:p>
+          <a:p>
+            <a:pPr>
+              <a:lnSpc>
+                <a:spcPct val="110000"/>
+              </a:lnSpc>
+            </a:pPr>
+            <a:endParaRPr lang="en-GB" sz="2200" dirty="0"/>
+          </a:p>
+          <a:p>
+            <a:pPr>
+              <a:lnSpc>
+                <a:spcPct val="110000"/>
+              </a:lnSpc>
+            </a:pPr>
+            <a:r>
+              <a:rPr lang="en-GB" sz="2200" dirty="0"/>
+              <a:t>They even seemed to be used by a lot of prestigious companies.</a:t>
+            </a:r>
+          </a:p>
+          <a:p>
+            <a:pPr>
+              <a:lnSpc>
+                <a:spcPct val="110000"/>
+              </a:lnSpc>
+            </a:pPr>
+            <a:endParaRPr lang="en-GB" sz="1700" dirty="0"/>
+          </a:p>
+          <a:p>
+            <a:pPr>
+              <a:lnSpc>
+                <a:spcPct val="110000"/>
+              </a:lnSpc>
+            </a:pPr>
+            <a:endParaRPr lang="en-GB" sz="1700" dirty="0"/>
+          </a:p>
+        </p:txBody>
+      </p:sp>
+      <p:pic>
+        <p:nvPicPr>
+          <p:cNvPr id="8" name="Picture 7" descr="A screenshot of a social media post&#10;&#10;Description generated with very high confidence">
+            <a:extLst>
+              <a:ext uri="{FF2B5EF4-FFF2-40B4-BE49-F238E27FC236}">
+                <a16:creationId xmlns:a16="http://schemas.microsoft.com/office/drawing/2014/main" id="{76E84763-0CAF-4504-BA7F-872FA2463163}"/>
+              </a:ext>
+            </a:extLst>
+          </p:cNvPr>
+          <p:cNvPicPr>
+            <a:picLocks noChangeAspect="1"/>
+          </p:cNvPicPr>
+          <p:nvPr/>
+        </p:nvPicPr>
+        <p:blipFill>
+          <a:blip r:embed="rId5">
+            <a:extLst>
+              <a:ext uri="{28A0092B-C50C-407E-A947-70E740481C1C}">
+                <a14:useLocalDpi xmlns:a14="http://schemas.microsoft.com/office/drawing/2010/main" val="0"/>
+              </a:ext>
+            </a:extLst>
+          </a:blip>
+          <a:stretch>
+            <a:fillRect/>
+          </a:stretch>
+        </p:blipFill>
+        <p:spPr>
+          <a:xfrm>
+            <a:off x="146180" y="4128068"/>
+            <a:ext cx="5363137" cy="2393634"/>
+          </a:xfrm>
+          <a:prstGeom prst="rect">
+            <a:avLst/>
+          </a:prstGeom>
+        </p:spPr>
+      </p:pic>
+      <p:pic>
+        <p:nvPicPr>
+          <p:cNvPr id="10" name="Picture 9" descr="A screenshot of a cell phone&#10;&#10;Description generated with high confidence">
+            <a:extLst>
+              <a:ext uri="{FF2B5EF4-FFF2-40B4-BE49-F238E27FC236}">
+                <a16:creationId xmlns:a16="http://schemas.microsoft.com/office/drawing/2014/main" id="{39E1CE81-DFC4-4A10-A16C-D5A66806C6F0}"/>
+              </a:ext>
+            </a:extLst>
+          </p:cNvPr>
+          <p:cNvPicPr>
+            <a:picLocks noChangeAspect="1"/>
+          </p:cNvPicPr>
+          <p:nvPr/>
+        </p:nvPicPr>
+        <p:blipFill>
+          <a:blip r:embed="rId6">
+            <a:extLst>
+              <a:ext uri="{28A0092B-C50C-407E-A947-70E740481C1C}">
+                <a14:useLocalDpi xmlns:a14="http://schemas.microsoft.com/office/drawing/2010/main" val="0"/>
+              </a:ext>
+            </a:extLst>
+          </a:blip>
+          <a:stretch>
+            <a:fillRect/>
+          </a:stretch>
+        </p:blipFill>
+        <p:spPr>
+          <a:xfrm>
+            <a:off x="266538" y="2178995"/>
+            <a:ext cx="5122420" cy="1478569"/>
+          </a:xfrm>
+          <a:prstGeom prst="rect">
+            <a:avLst/>
+          </a:prstGeom>
+        </p:spPr>
+      </p:pic>
+      <p:pic>
+        <p:nvPicPr>
+          <p:cNvPr id="12" name="Picture 11" descr="A screenshot of a cell phone&#10;&#10;Description generated with high confidence">
+            <a:extLst>
+              <a:ext uri="{FF2B5EF4-FFF2-40B4-BE49-F238E27FC236}">
+                <a16:creationId xmlns:a16="http://schemas.microsoft.com/office/drawing/2014/main" id="{25F6E00B-7282-41FB-9953-C7A2AB860D6E}"/>
+              </a:ext>
+            </a:extLst>
+          </p:cNvPr>
+          <p:cNvPicPr>
+            <a:picLocks noChangeAspect="1"/>
+          </p:cNvPicPr>
+          <p:nvPr/>
+        </p:nvPicPr>
+        <p:blipFill>
+          <a:blip r:embed="rId7">
+            <a:extLst>
+              <a:ext uri="{28A0092B-C50C-407E-A947-70E740481C1C}">
+                <a14:useLocalDpi xmlns:a14="http://schemas.microsoft.com/office/drawing/2010/main" val="0"/>
+              </a:ext>
+            </a:extLst>
+          </a:blip>
+          <a:stretch>
+            <a:fillRect/>
+          </a:stretch>
+        </p:blipFill>
+        <p:spPr>
+          <a:xfrm>
+            <a:off x="189188" y="4429406"/>
+            <a:ext cx="5277118" cy="1790957"/>
+          </a:xfrm>
+          <a:prstGeom prst="rect">
+            <a:avLst/>
+          </a:prstGeom>
+        </p:spPr>
+      </p:pic>
+    </p:spTree>
+    <p:extLst>
+      <p:ext uri="{BB962C8B-B14F-4D97-AF65-F5344CB8AC3E}">
+        <p14:creationId xmlns:p14="http://schemas.microsoft.com/office/powerpoint/2010/main" val="1634752379"/>
+      </p:ext>
+    </p:extLst>
+  </p:cSld>
+  <p:clrMapOvr>
+    <a:masterClrMapping/>
+  </p:clrMapOvr>
+  <mc:AlternateContent xmlns:mc="http://schemas.openxmlformats.org/markup-compatibility/2006">
+    <mc:Choice xmlns:p15="http://schemas.microsoft.com/office/powerpoint/2012/main" Requires="p15">
+      <p:transition spd="slow">
+        <p15:prstTrans prst="peelOff" invX="1"/>
+      </p:transition>
+    </mc:Choice>
+    <mc:Fallback>
+      <p:transition spd="slow">
+        <p:fade/>
+      </p:transition>
+    </mc:Fallback>
+  </mc:AlternateContent>
+  <p:timing>
+    <p:tnLst>
+      <p:par>
+        <p:cTn id="1" dur="indefinite" restart="never" nodeType="tmRoot">
+          <p:childTnLst>
+            <p:seq concurrent="1" nextAc="seek">
+              <p:cTn id="2" dur="indefinite" nodeType="mainSeq">
+                <p:childTnLst>
+                  <p:par>
+                    <p:cTn id="3" fill="hold">
+                      <p:stCondLst>
+                        <p:cond delay="indefinite"/>
+                      </p:stCondLst>
+                      <p:childTnLst>
+                        <p:par>
+                          <p:cTn id="4" fill="hold">
+                            <p:stCondLst>
+                              <p:cond delay="0"/>
+                            </p:stCondLst>
+                            <p:childTnLst>
+                              <p:par>
+                                <p:cTn id="5" presetID="16" presetClass="entr" presetSubtype="37" fill="hold" grpId="0" nodeType="clickEffect">
+                                  <p:stCondLst>
+                                    <p:cond delay="0"/>
+                                  </p:stCondLst>
+                                  <p:childTnLst>
+                                    <p:set>
+                                      <p:cBhvr>
+                                        <p:cTn id="6" dur="1" fill="hold">
+                                          <p:stCondLst>
+                                            <p:cond delay="0"/>
+                                          </p:stCondLst>
+                                        </p:cTn>
+                                        <p:tgtEl>
+                                          <p:spTgt spid="2"/>
+                                        </p:tgtEl>
+                                        <p:attrNameLst>
+                                          <p:attrName>style.visibility</p:attrName>
+                                        </p:attrNameLst>
+                                      </p:cBhvr>
+                                      <p:to>
+                                        <p:strVal val="visible"/>
+                                      </p:to>
+                                    </p:set>
+                                    <p:animEffect transition="in" filter="barn(outVertical)">
+                                      <p:cBhvr>
+                                        <p:cTn id="7" dur="500"/>
+                                        <p:tgtEl>
+                                          <p:spTgt spid="2"/>
+                                        </p:tgtEl>
+                                      </p:cBhvr>
+                                    </p:animEffect>
+                                  </p:childTnLst>
+                                </p:cTn>
+                              </p:par>
+                            </p:childTnLst>
+                          </p:cTn>
+                        </p:par>
+                      </p:childTnLst>
+                    </p:cTn>
+                  </p:par>
+                  <p:par>
+                    <p:cTn id="8" fill="hold">
+                      <p:stCondLst>
+                        <p:cond delay="indefinite"/>
+                      </p:stCondLst>
+                      <p:childTnLst>
+                        <p:par>
+                          <p:cTn id="9" fill="hold">
+                            <p:stCondLst>
+                              <p:cond delay="0"/>
+                            </p:stCondLst>
+                            <p:childTnLst>
+                              <p:par>
+                                <p:cTn id="10" presetID="16" presetClass="entr" presetSubtype="37" fill="hold" grpId="0" nodeType="clickEffect">
+                                  <p:stCondLst>
+                                    <p:cond delay="0"/>
+                                  </p:stCondLst>
+                                  <p:childTnLst>
+                                    <p:set>
+                                      <p:cBhvr>
+                                        <p:cTn id="11" dur="1" fill="hold">
+                                          <p:stCondLst>
+                                            <p:cond delay="0"/>
+                                          </p:stCondLst>
+                                        </p:cTn>
+                                        <p:tgtEl>
+                                          <p:spTgt spid="3">
+                                            <p:txEl>
+                                              <p:pRg st="0" end="0"/>
+                                            </p:txEl>
+                                          </p:spTgt>
+                                        </p:tgtEl>
+                                        <p:attrNameLst>
+                                          <p:attrName>style.visibility</p:attrName>
+                                        </p:attrNameLst>
+                                      </p:cBhvr>
+                                      <p:to>
+                                        <p:strVal val="visible"/>
+                                      </p:to>
+                                    </p:set>
+                                    <p:animEffect transition="in" filter="barn(outVertical)">
+                                      <p:cBhvr>
+                                        <p:cTn id="12" dur="500"/>
+                                        <p:tgtEl>
+                                          <p:spTgt spid="3">
+                                            <p:txEl>
+                                              <p:pRg st="0" end="0"/>
+                                            </p:txEl>
+                                          </p:spTgt>
+                                        </p:tgtEl>
+                                      </p:cBhvr>
+                                    </p:animEffect>
+                                  </p:childTnLst>
+                                </p:cTn>
+                              </p:par>
+                            </p:childTnLst>
+                          </p:cTn>
+                        </p:par>
+                      </p:childTnLst>
+                    </p:cTn>
+                  </p:par>
+                  <p:par>
+                    <p:cTn id="13" fill="hold">
+                      <p:stCondLst>
+                        <p:cond delay="indefinite"/>
+                      </p:stCondLst>
+                      <p:childTnLst>
+                        <p:par>
+                          <p:cTn id="14" fill="hold">
+                            <p:stCondLst>
+                              <p:cond delay="0"/>
+                            </p:stCondLst>
+                            <p:childTnLst>
+                              <p:par>
+                                <p:cTn id="15" presetID="16" presetClass="entr" presetSubtype="37" fill="hold" grpId="0" nodeType="clickEffect">
+                                  <p:stCondLst>
+                                    <p:cond delay="0"/>
+                                  </p:stCondLst>
+                                  <p:childTnLst>
+                                    <p:set>
+                                      <p:cBhvr>
+                                        <p:cTn id="16" dur="1" fill="hold">
+                                          <p:stCondLst>
+                                            <p:cond delay="0"/>
+                                          </p:stCondLst>
+                                        </p:cTn>
+                                        <p:tgtEl>
+                                          <p:spTgt spid="3">
+                                            <p:txEl>
+                                              <p:pRg st="2" end="2"/>
+                                            </p:txEl>
+                                          </p:spTgt>
+                                        </p:tgtEl>
+                                        <p:attrNameLst>
+                                          <p:attrName>style.visibility</p:attrName>
+                                        </p:attrNameLst>
+                                      </p:cBhvr>
+                                      <p:to>
+                                        <p:strVal val="visible"/>
+                                      </p:to>
+                                    </p:set>
+                                    <p:animEffect transition="in" filter="barn(outVertical)">
+                                      <p:cBhvr>
+                                        <p:cTn id="17" dur="500"/>
+                                        <p:tgtEl>
+                                          <p:spTgt spid="3">
+                                            <p:txEl>
+                                              <p:pRg st="2" end="2"/>
+                                            </p:txEl>
+                                          </p:spTgt>
+                                        </p:tgtEl>
+                                      </p:cBhvr>
+                                    </p:animEffect>
+                                  </p:childTnLst>
+                                </p:cTn>
+                              </p:par>
+                              <p:par>
+                                <p:cTn id="18" presetID="16" presetClass="entr" presetSubtype="37" fill="hold" nodeType="withEffect">
+                                  <p:stCondLst>
+                                    <p:cond delay="0"/>
+                                  </p:stCondLst>
+                                  <p:childTnLst>
+                                    <p:set>
+                                      <p:cBhvr>
+                                        <p:cTn id="19" dur="1" fill="hold">
+                                          <p:stCondLst>
+                                            <p:cond delay="0"/>
+                                          </p:stCondLst>
+                                        </p:cTn>
+                                        <p:tgtEl>
+                                          <p:spTgt spid="6"/>
+                                        </p:tgtEl>
+                                        <p:attrNameLst>
+                                          <p:attrName>style.visibility</p:attrName>
+                                        </p:attrNameLst>
+                                      </p:cBhvr>
+                                      <p:to>
+                                        <p:strVal val="visible"/>
+                                      </p:to>
+                                    </p:set>
+                                    <p:animEffect transition="in" filter="barn(outVertical)">
+                                      <p:cBhvr>
+                                        <p:cTn id="20" dur="500"/>
+                                        <p:tgtEl>
+                                          <p:spTgt spid="6"/>
+                                        </p:tgtEl>
+                                      </p:cBhvr>
+                                    </p:animEffect>
+                                  </p:childTnLst>
+                                </p:cTn>
+                              </p:par>
+                              <p:par>
+                                <p:cTn id="21" presetID="16" presetClass="entr" presetSubtype="37" fill="hold" nodeType="withEffect">
+                                  <p:stCondLst>
+                                    <p:cond delay="0"/>
+                                  </p:stCondLst>
+                                  <p:childTnLst>
+                                    <p:set>
+                                      <p:cBhvr>
+                                        <p:cTn id="22" dur="1" fill="hold">
+                                          <p:stCondLst>
+                                            <p:cond delay="0"/>
+                                          </p:stCondLst>
+                                        </p:cTn>
+                                        <p:tgtEl>
+                                          <p:spTgt spid="8"/>
+                                        </p:tgtEl>
+                                        <p:attrNameLst>
+                                          <p:attrName>style.visibility</p:attrName>
+                                        </p:attrNameLst>
+                                      </p:cBhvr>
+                                      <p:to>
+                                        <p:strVal val="visible"/>
+                                      </p:to>
+                                    </p:set>
+                                    <p:animEffect transition="in" filter="barn(outVertical)">
+                                      <p:cBhvr>
+                                        <p:cTn id="23" dur="500"/>
+                                        <p:tgtEl>
+                                          <p:spTgt spid="8"/>
+                                        </p:tgtEl>
+                                      </p:cBhvr>
+                                    </p:animEffect>
+                                  </p:childTnLst>
+                                </p:cTn>
+                              </p:par>
+                            </p:childTnLst>
+                          </p:cTn>
+                        </p:par>
+                      </p:childTnLst>
+                    </p:cTn>
+                  </p:par>
+                  <p:par>
+                    <p:cTn id="24" fill="hold">
+                      <p:stCondLst>
+                        <p:cond delay="indefinite"/>
+                      </p:stCondLst>
+                      <p:childTnLst>
+                        <p:par>
+                          <p:cTn id="25" fill="hold">
+                            <p:stCondLst>
+                              <p:cond delay="0"/>
+                            </p:stCondLst>
+                            <p:childTnLst>
+                              <p:par>
+                                <p:cTn id="26" presetID="16" presetClass="entr" presetSubtype="37" fill="hold" grpId="0" nodeType="clickEffect">
+                                  <p:stCondLst>
+                                    <p:cond delay="0"/>
+                                  </p:stCondLst>
+                                  <p:childTnLst>
+                                    <p:set>
+                                      <p:cBhvr>
+                                        <p:cTn id="27" dur="1" fill="hold">
+                                          <p:stCondLst>
+                                            <p:cond delay="0"/>
+                                          </p:stCondLst>
+                                        </p:cTn>
+                                        <p:tgtEl>
+                                          <p:spTgt spid="3">
+                                            <p:txEl>
+                                              <p:pRg st="4" end="4"/>
+                                            </p:txEl>
+                                          </p:spTgt>
+                                        </p:tgtEl>
+                                        <p:attrNameLst>
+                                          <p:attrName>style.visibility</p:attrName>
+                                        </p:attrNameLst>
+                                      </p:cBhvr>
+                                      <p:to>
+                                        <p:strVal val="visible"/>
+                                      </p:to>
+                                    </p:set>
+                                    <p:animEffect transition="in" filter="barn(outVertical)">
+                                      <p:cBhvr>
+                                        <p:cTn id="28" dur="500"/>
+                                        <p:tgtEl>
+                                          <p:spTgt spid="3">
+                                            <p:txEl>
+                                              <p:pRg st="4" end="4"/>
+                                            </p:txEl>
+                                          </p:spTgt>
+                                        </p:tgtEl>
+                                      </p:cBhvr>
+                                    </p:animEffect>
+                                  </p:childTnLst>
+                                </p:cTn>
+                              </p:par>
+                              <p:par>
+                                <p:cTn id="29" presetID="16" presetClass="exit" presetSubtype="21" fill="hold" nodeType="withEffect">
+                                  <p:stCondLst>
+                                    <p:cond delay="0"/>
+                                  </p:stCondLst>
+                                  <p:childTnLst>
+                                    <p:animEffect transition="out" filter="barn(inVertical)">
+                                      <p:cBhvr>
+                                        <p:cTn id="30" dur="500"/>
+                                        <p:tgtEl>
+                                          <p:spTgt spid="6"/>
+                                        </p:tgtEl>
+                                      </p:cBhvr>
+                                    </p:animEffect>
+                                    <p:set>
+                                      <p:cBhvr>
+                                        <p:cTn id="31" dur="1" fill="hold">
+                                          <p:stCondLst>
+                                            <p:cond delay="499"/>
+                                          </p:stCondLst>
+                                        </p:cTn>
+                                        <p:tgtEl>
+                                          <p:spTgt spid="6"/>
+                                        </p:tgtEl>
+                                        <p:attrNameLst>
+                                          <p:attrName>style.visibility</p:attrName>
+                                        </p:attrNameLst>
+                                      </p:cBhvr>
+                                      <p:to>
+                                        <p:strVal val="hidden"/>
+                                      </p:to>
+                                    </p:set>
+                                  </p:childTnLst>
+                                </p:cTn>
+                              </p:par>
+                              <p:par>
+                                <p:cTn id="32" presetID="16" presetClass="exit" presetSubtype="21" fill="hold" nodeType="withEffect">
+                                  <p:stCondLst>
+                                    <p:cond delay="0"/>
+                                  </p:stCondLst>
+                                  <p:childTnLst>
+                                    <p:animEffect transition="out" filter="barn(inVertical)">
+                                      <p:cBhvr>
+                                        <p:cTn id="33" dur="500"/>
+                                        <p:tgtEl>
+                                          <p:spTgt spid="8"/>
+                                        </p:tgtEl>
+                                      </p:cBhvr>
+                                    </p:animEffect>
+                                    <p:set>
+                                      <p:cBhvr>
+                                        <p:cTn id="34" dur="1" fill="hold">
+                                          <p:stCondLst>
+                                            <p:cond delay="499"/>
+                                          </p:stCondLst>
+                                        </p:cTn>
+                                        <p:tgtEl>
+                                          <p:spTgt spid="8"/>
+                                        </p:tgtEl>
+                                        <p:attrNameLst>
+                                          <p:attrName>style.visibility</p:attrName>
+                                        </p:attrNameLst>
+                                      </p:cBhvr>
+                                      <p:to>
+                                        <p:strVal val="hidden"/>
+                                      </p:to>
+                                    </p:set>
+                                  </p:childTnLst>
+                                </p:cTn>
+                              </p:par>
+                            </p:childTnLst>
+                          </p:cTn>
+                        </p:par>
+                        <p:par>
+                          <p:cTn id="35" fill="hold">
+                            <p:stCondLst>
+                              <p:cond delay="500"/>
+                            </p:stCondLst>
+                            <p:childTnLst>
+                              <p:par>
+                                <p:cTn id="36" presetID="16" presetClass="entr" presetSubtype="37" fill="hold" nodeType="afterEffect">
+                                  <p:stCondLst>
+                                    <p:cond delay="0"/>
+                                  </p:stCondLst>
+                                  <p:childTnLst>
+                                    <p:set>
+                                      <p:cBhvr>
+                                        <p:cTn id="37" dur="1" fill="hold">
+                                          <p:stCondLst>
+                                            <p:cond delay="0"/>
+                                          </p:stCondLst>
+                                        </p:cTn>
+                                        <p:tgtEl>
+                                          <p:spTgt spid="10"/>
+                                        </p:tgtEl>
+                                        <p:attrNameLst>
+                                          <p:attrName>style.visibility</p:attrName>
+                                        </p:attrNameLst>
+                                      </p:cBhvr>
+                                      <p:to>
+                                        <p:strVal val="visible"/>
+                                      </p:to>
+                                    </p:set>
+                                    <p:animEffect transition="in" filter="barn(outVertical)">
+                                      <p:cBhvr>
+                                        <p:cTn id="38" dur="500"/>
+                                        <p:tgtEl>
+                                          <p:spTgt spid="10"/>
+                                        </p:tgtEl>
+                                      </p:cBhvr>
+                                    </p:animEffect>
+                                  </p:childTnLst>
+                                </p:cTn>
+                              </p:par>
+                              <p:par>
+                                <p:cTn id="39" presetID="16" presetClass="entr" presetSubtype="37" fill="hold" nodeType="withEffect">
+                                  <p:stCondLst>
+                                    <p:cond delay="0"/>
+                                  </p:stCondLst>
+                                  <p:childTnLst>
+                                    <p:set>
+                                      <p:cBhvr>
+                                        <p:cTn id="40" dur="1" fill="hold">
+                                          <p:stCondLst>
+                                            <p:cond delay="0"/>
+                                          </p:stCondLst>
+                                        </p:cTn>
+                                        <p:tgtEl>
+                                          <p:spTgt spid="12"/>
+                                        </p:tgtEl>
+                                        <p:attrNameLst>
+                                          <p:attrName>style.visibility</p:attrName>
+                                        </p:attrNameLst>
+                                      </p:cBhvr>
+                                      <p:to>
+                                        <p:strVal val="visible"/>
+                                      </p:to>
+                                    </p:set>
+                                    <p:animEffect transition="in" filter="barn(outVertical)">
+                                      <p:cBhvr>
+                                        <p:cTn id="41" dur="500"/>
+                                        <p:tgtEl>
+                                          <p:spTgt spid="12"/>
+                                        </p:tgtEl>
+                                      </p:cBhvr>
+                                    </p:animEffect>
+                                  </p:childTnLst>
+                                </p:cTn>
+                              </p:par>
+                            </p:childTnLst>
+                          </p:cTn>
+                        </p:par>
+                      </p:childTnLst>
+                    </p:cTn>
+                  </p:par>
+                </p:childTnLst>
+              </p:cTn>
+              <p:prevCondLst>
+                <p:cond evt="onPrev" delay="0">
+                  <p:tgtEl>
+                    <p:sldTgt/>
+                  </p:tgtEl>
+                </p:cond>
+              </p:prevCondLst>
+              <p:nextCondLst>
+                <p:cond evt="onNext" delay="0">
+                  <p:tgtEl>
+                    <p:sldTgt/>
+                  </p:tgtEl>
+                </p:cond>
+              </p:nextCondLst>
+            </p:seq>
+          </p:childTnLst>
+        </p:cTn>
+      </p:par>
+    </p:tnLst>
+    <p:bldLst>
+      <p:bldP spid="2" grpId="0"/>
+      <p:bldP spid="3" grpId="0" uiExpand="1" build="p"/>
+    </p:bldLst>
+  </p:timing>
+</p:sld>
+</file>
+
+<file path=ppt/slides/slide7.xml><?xml version="1.0" encoding="utf-8"?>
+<p:sld xmlns:a="http://schemas.openxmlformats.org/drawingml/2006/main" xmlns:r="http://schemas.openxmlformats.org/officeDocument/2006/relationships" xmlns:p="http://schemas.openxmlformats.org/presentationml/2006/main">
+  <p:cSld>
+    <p:spTree>
+      <p:nvGrpSpPr>
+        <p:cNvPr id="1" name=""/>
+        <p:cNvGrpSpPr/>
+        <p:nvPr/>
+      </p:nvGrpSpPr>
+      <p:grpSpPr>
+        <a:xfrm>
+          <a:off x="0" y="0"/>
+          <a:ext cx="0" cy="0"/>
+          <a:chOff x="0" y="0"/>
+          <a:chExt cx="0" cy="0"/>
+        </a:xfrm>
+      </p:grpSpPr>
+      <p:sp>
+        <p:nvSpPr>
+          <p:cNvPr id="2" name="Title 1">
+            <a:extLst>
+              <a:ext uri="{FF2B5EF4-FFF2-40B4-BE49-F238E27FC236}">
+                <a16:creationId xmlns:a16="http://schemas.microsoft.com/office/drawing/2014/main" id="{6291CBAD-73A6-43E7-8051-23D4A8D70DC4}"/>
+              </a:ext>
+            </a:extLst>
+          </p:cNvPr>
+          <p:cNvSpPr>
+            <a:spLocks noGrp="1"/>
+          </p:cNvSpPr>
+          <p:nvPr>
+            <p:ph type="title"/>
+          </p:nvPr>
+        </p:nvSpPr>
+        <p:spPr>
+          <a:xfrm>
+            <a:off x="1143001" y="94250"/>
+            <a:ext cx="9905998" cy="1553214"/>
+          </a:xfrm>
+        </p:spPr>
+        <p:txBody>
+          <a:bodyPr/>
+          <a:lstStyle/>
+          <a:p>
+            <a:r>
+              <a:rPr lang="en-GB" dirty="0"/>
+              <a:t>Why were these not chosen?</a:t>
+            </a:r>
+          </a:p>
+        </p:txBody>
+      </p:sp>
+      <p:sp>
+        <p:nvSpPr>
+          <p:cNvPr id="3" name="Content Placeholder 2">
+            <a:extLst>
+              <a:ext uri="{FF2B5EF4-FFF2-40B4-BE49-F238E27FC236}">
+                <a16:creationId xmlns:a16="http://schemas.microsoft.com/office/drawing/2014/main" id="{41354A29-52AC-49F4-A8E2-2F5EC0530244}"/>
+              </a:ext>
+            </a:extLst>
+          </p:cNvPr>
+          <p:cNvSpPr>
+            <a:spLocks noGrp="1"/>
+          </p:cNvSpPr>
+          <p:nvPr>
+            <p:ph idx="1"/>
+          </p:nvPr>
+        </p:nvSpPr>
+        <p:spPr>
+          <a:xfrm>
+            <a:off x="1143001" y="1647464"/>
+            <a:ext cx="5617722" cy="4724402"/>
+          </a:xfrm>
+        </p:spPr>
+        <p:txBody>
+          <a:bodyPr>
+            <a:normAutofit fontScale="92500" lnSpcReduction="10000"/>
+          </a:bodyPr>
+          <a:lstStyle/>
+          <a:p>
+            <a:r>
+              <a:rPr lang="en-GB" dirty="0"/>
+              <a:t>One of the reasons is that these software products are priced by subscriptions.</a:t>
+            </a:r>
+          </a:p>
+          <a:p>
+            <a:endParaRPr lang="en-GB" dirty="0"/>
+          </a:p>
+          <a:p>
+            <a:r>
+              <a:rPr lang="en-GB" dirty="0"/>
+              <a:t>The other reason </a:t>
+            </a:r>
+            <a:r>
+              <a:rPr lang="en-GB"/>
+              <a:t>is that, </a:t>
+            </a:r>
+            <a:r>
+              <a:rPr lang="en-GB" dirty="0"/>
+              <a:t>the features they provide weren’t necessary for our project.</a:t>
+            </a:r>
+          </a:p>
+          <a:p>
+            <a:endParaRPr lang="en-GB" dirty="0"/>
+          </a:p>
+          <a:p>
+            <a:r>
+              <a:rPr lang="en-GB" dirty="0"/>
+              <a:t>Even if the above conditions were favourable to the team, the team members could not afford to pay for such services.</a:t>
+            </a:r>
+          </a:p>
+          <a:p>
+            <a:endParaRPr lang="en-GB" dirty="0"/>
+          </a:p>
+        </p:txBody>
+      </p:sp>
+      <p:pic>
+        <p:nvPicPr>
+          <p:cNvPr id="5" name="Picture 4" descr="A screenshot of a cell phone&#10;&#10;Description generated with very high confidence">
+            <a:extLst>
+              <a:ext uri="{FF2B5EF4-FFF2-40B4-BE49-F238E27FC236}">
+                <a16:creationId xmlns:a16="http://schemas.microsoft.com/office/drawing/2014/main" id="{84D9273C-AF0C-44B1-AA3C-A262F4328A48}"/>
+              </a:ext>
+            </a:extLst>
+          </p:cNvPr>
+          <p:cNvPicPr>
+            <a:picLocks noChangeAspect="1"/>
+          </p:cNvPicPr>
+          <p:nvPr/>
+        </p:nvPicPr>
+        <p:blipFill>
+          <a:blip r:embed="rId3">
+            <a:extLst>
+              <a:ext uri="{28A0092B-C50C-407E-A947-70E740481C1C}">
+                <a14:useLocalDpi xmlns:a14="http://schemas.microsoft.com/office/drawing/2010/main" val="0"/>
+              </a:ext>
+            </a:extLst>
+          </a:blip>
+          <a:stretch>
+            <a:fillRect/>
+          </a:stretch>
+        </p:blipFill>
+        <p:spPr>
+          <a:xfrm>
+            <a:off x="6937277" y="1245711"/>
+            <a:ext cx="4715720" cy="2763954"/>
+          </a:xfrm>
+          <a:prstGeom prst="rect">
+            <a:avLst/>
+          </a:prstGeom>
+        </p:spPr>
+      </p:pic>
+      <p:pic>
+        <p:nvPicPr>
+          <p:cNvPr id="9" name="Picture 8" descr="A screenshot of a cell phone&#10;&#10;Description generated with very high confidence">
+            <a:extLst>
+              <a:ext uri="{FF2B5EF4-FFF2-40B4-BE49-F238E27FC236}">
+                <a16:creationId xmlns:a16="http://schemas.microsoft.com/office/drawing/2014/main" id="{CAB4814E-2161-42F2-84CA-E16EE8E3DF66}"/>
+              </a:ext>
+            </a:extLst>
+          </p:cNvPr>
+          <p:cNvPicPr>
+            <a:picLocks noChangeAspect="1"/>
+          </p:cNvPicPr>
+          <p:nvPr/>
+        </p:nvPicPr>
+        <p:blipFill>
+          <a:blip r:embed="rId4">
+            <a:extLst>
+              <a:ext uri="{28A0092B-C50C-407E-A947-70E740481C1C}">
+                <a14:useLocalDpi xmlns:a14="http://schemas.microsoft.com/office/drawing/2010/main" val="0"/>
+              </a:ext>
+            </a:extLst>
+          </a:blip>
+          <a:stretch>
+            <a:fillRect/>
+          </a:stretch>
+        </p:blipFill>
+        <p:spPr>
+          <a:xfrm>
+            <a:off x="6937277" y="4094046"/>
+            <a:ext cx="4715720" cy="2569402"/>
+          </a:xfrm>
+          <a:prstGeom prst="rect">
+            <a:avLst/>
+          </a:prstGeom>
+        </p:spPr>
+      </p:pic>
+    </p:spTree>
+    <p:extLst>
+      <p:ext uri="{BB962C8B-B14F-4D97-AF65-F5344CB8AC3E}">
+        <p14:creationId xmlns:p14="http://schemas.microsoft.com/office/powerpoint/2010/main" val="504395343"/>
+      </p:ext>
+    </p:extLst>
+  </p:cSld>
+  <p:clrMapOvr>
+    <a:masterClrMapping/>
+  </p:clrMapOvr>
+  <mc:AlternateContent xmlns:mc="http://schemas.openxmlformats.org/markup-compatibility/2006">
+    <mc:Choice xmlns:p15="http://schemas.microsoft.com/office/powerpoint/2012/main" Requires="p15">
+      <p:transition spd="slow">
+        <p15:prstTrans prst="peelOff"/>
+      </p:transition>
+    </mc:Choice>
+    <mc:Fallback>
+      <p:transition spd="slow">
+        <p:fade/>
+      </p:transition>
+    </mc:Fallback>
+  </mc:AlternateContent>
+  <p:timing>
+    <p:tnLst>
+      <p:par>
+        <p:cTn id="1" dur="indefinite" restart="never" nodeType="tmRoot">
+          <p:childTnLst>
+            <p:seq concurrent="1" nextAc="seek">
+              <p:cTn id="2" dur="indefinite" nodeType="mainSeq">
+                <p:childTnLst>
+                  <p:par>
+                    <p:cTn id="3" fill="hold">
+                      <p:stCondLst>
+                        <p:cond delay="indefinite"/>
+                      </p:stCondLst>
+                      <p:childTnLst>
+                        <p:par>
+                          <p:cTn id="4" fill="hold">
+                            <p:stCondLst>
+                              <p:cond delay="0"/>
+                            </p:stCondLst>
+                            <p:childTnLst>
+                              <p:par>
+                                <p:cTn id="5" presetID="16" presetClass="entr" presetSubtype="37" fill="hold" grpId="0" nodeType="clickEffect">
+                                  <p:stCondLst>
+                                    <p:cond delay="0"/>
+                                  </p:stCondLst>
+                                  <p:childTnLst>
+                                    <p:set>
+                                      <p:cBhvr>
+                                        <p:cTn id="6" dur="1" fill="hold">
+                                          <p:stCondLst>
+                                            <p:cond delay="0"/>
+                                          </p:stCondLst>
+                                        </p:cTn>
+                                        <p:tgtEl>
+                                          <p:spTgt spid="2"/>
+                                        </p:tgtEl>
+                                        <p:attrNameLst>
+                                          <p:attrName>style.visibility</p:attrName>
+                                        </p:attrNameLst>
+                                      </p:cBhvr>
+                                      <p:to>
+                                        <p:strVal val="visible"/>
+                                      </p:to>
+                                    </p:set>
+                                    <p:animEffect transition="in" filter="barn(outVertical)">
+                                      <p:cBhvr>
+                                        <p:cTn id="7" dur="500"/>
+                                        <p:tgtEl>
+                                          <p:spTgt spid="2"/>
+                                        </p:tgtEl>
+                                      </p:cBhvr>
+                                    </p:animEffect>
+                                  </p:childTnLst>
+                                </p:cTn>
+                              </p:par>
+                            </p:childTnLst>
+                          </p:cTn>
+                        </p:par>
+                      </p:childTnLst>
+                    </p:cTn>
+                  </p:par>
+                  <p:par>
+                    <p:cTn id="8" fill="hold">
+                      <p:stCondLst>
+                        <p:cond delay="indefinite"/>
+                      </p:stCondLst>
+                      <p:childTnLst>
+                        <p:par>
+                          <p:cTn id="9" fill="hold">
+                            <p:stCondLst>
+                              <p:cond delay="0"/>
+                            </p:stCondLst>
+                            <p:childTnLst>
+                              <p:par>
+                                <p:cTn id="10" presetID="16" presetClass="entr" presetSubtype="37" fill="hold" grpId="0" nodeType="clickEffect">
+                                  <p:stCondLst>
+                                    <p:cond delay="0"/>
+                                  </p:stCondLst>
+                                  <p:childTnLst>
+                                    <p:set>
+                                      <p:cBhvr>
+                                        <p:cTn id="11" dur="1" fill="hold">
+                                          <p:stCondLst>
+                                            <p:cond delay="0"/>
+                                          </p:stCondLst>
+                                        </p:cTn>
+                                        <p:tgtEl>
+                                          <p:spTgt spid="3">
+                                            <p:txEl>
+                                              <p:pRg st="0" end="0"/>
+                                            </p:txEl>
+                                          </p:spTgt>
+                                        </p:tgtEl>
+                                        <p:attrNameLst>
+                                          <p:attrName>style.visibility</p:attrName>
+                                        </p:attrNameLst>
+                                      </p:cBhvr>
+                                      <p:to>
+                                        <p:strVal val="visible"/>
+                                      </p:to>
+                                    </p:set>
+                                    <p:animEffect transition="in" filter="barn(outVertical)">
+                                      <p:cBhvr>
+                                        <p:cTn id="12" dur="500"/>
+                                        <p:tgtEl>
+                                          <p:spTgt spid="3">
+                                            <p:txEl>
+                                              <p:pRg st="0" end="0"/>
+                                            </p:txEl>
+                                          </p:spTgt>
+                                        </p:tgtEl>
+                                      </p:cBhvr>
+                                    </p:animEffect>
+                                  </p:childTnLst>
+                                </p:cTn>
+                              </p:par>
+                              <p:par>
+                                <p:cTn id="13" presetID="16" presetClass="entr" presetSubtype="37" fill="hold" nodeType="withEffect">
+                                  <p:stCondLst>
+                                    <p:cond delay="0"/>
+                                  </p:stCondLst>
+                                  <p:childTnLst>
+                                    <p:set>
+                                      <p:cBhvr>
+                                        <p:cTn id="14" dur="1" fill="hold">
+                                          <p:stCondLst>
+                                            <p:cond delay="0"/>
+                                          </p:stCondLst>
+                                        </p:cTn>
+                                        <p:tgtEl>
+                                          <p:spTgt spid="5"/>
+                                        </p:tgtEl>
+                                        <p:attrNameLst>
+                                          <p:attrName>style.visibility</p:attrName>
+                                        </p:attrNameLst>
+                                      </p:cBhvr>
+                                      <p:to>
+                                        <p:strVal val="visible"/>
+                                      </p:to>
+                                    </p:set>
+                                    <p:animEffect transition="in" filter="barn(outVertical)">
+                                      <p:cBhvr>
+                                        <p:cTn id="15" dur="500"/>
+                                        <p:tgtEl>
+                                          <p:spTgt spid="5"/>
+                                        </p:tgtEl>
+                                      </p:cBhvr>
+                                    </p:animEffect>
+                                  </p:childTnLst>
+                                </p:cTn>
+                              </p:par>
+                              <p:par>
+                                <p:cTn id="16" presetID="16" presetClass="entr" presetSubtype="37" fill="hold" nodeType="withEffect">
+                                  <p:stCondLst>
+                                    <p:cond delay="0"/>
+                                  </p:stCondLst>
+                                  <p:childTnLst>
+                                    <p:set>
+                                      <p:cBhvr>
+                                        <p:cTn id="17" dur="1" fill="hold">
+                                          <p:stCondLst>
+                                            <p:cond delay="0"/>
+                                          </p:stCondLst>
+                                        </p:cTn>
+                                        <p:tgtEl>
+                                          <p:spTgt spid="9"/>
+                                        </p:tgtEl>
+                                        <p:attrNameLst>
+                                          <p:attrName>style.visibility</p:attrName>
+                                        </p:attrNameLst>
+                                      </p:cBhvr>
+                                      <p:to>
+                                        <p:strVal val="visible"/>
+                                      </p:to>
+                                    </p:set>
+                                    <p:animEffect transition="in" filter="barn(outVertical)">
+                                      <p:cBhvr>
+                                        <p:cTn id="18" dur="500"/>
+                                        <p:tgtEl>
+                                          <p:spTgt spid="9"/>
+                                        </p:tgtEl>
+                                      </p:cBhvr>
+                                    </p:animEffect>
+                                  </p:childTnLst>
+                                </p:cTn>
+                              </p:par>
+                            </p:childTnLst>
+                          </p:cTn>
+                        </p:par>
+                      </p:childTnLst>
+                    </p:cTn>
+                  </p:par>
+                  <p:par>
+                    <p:cTn id="19" fill="hold">
+                      <p:stCondLst>
+                        <p:cond delay="indefinite"/>
+                      </p:stCondLst>
+                      <p:childTnLst>
+                        <p:par>
+                          <p:cTn id="20" fill="hold">
+                            <p:stCondLst>
+                              <p:cond delay="0"/>
+                            </p:stCondLst>
+                            <p:childTnLst>
+                              <p:par>
+                                <p:cTn id="21" presetID="16" presetClass="entr" presetSubtype="37" fill="hold" grpId="0" nodeType="clickEffect">
+                                  <p:stCondLst>
+                                    <p:cond delay="0"/>
+                                  </p:stCondLst>
+                                  <p:childTnLst>
+                                    <p:set>
+                                      <p:cBhvr>
+                                        <p:cTn id="22" dur="1" fill="hold">
+                                          <p:stCondLst>
+                                            <p:cond delay="0"/>
+                                          </p:stCondLst>
+                                        </p:cTn>
+                                        <p:tgtEl>
+                                          <p:spTgt spid="3">
+                                            <p:txEl>
+                                              <p:pRg st="2" end="2"/>
+                                            </p:txEl>
+                                          </p:spTgt>
+                                        </p:tgtEl>
+                                        <p:attrNameLst>
+                                          <p:attrName>style.visibility</p:attrName>
+                                        </p:attrNameLst>
+                                      </p:cBhvr>
+                                      <p:to>
+                                        <p:strVal val="visible"/>
+                                      </p:to>
+                                    </p:set>
+                                    <p:animEffect transition="in" filter="barn(outVertical)">
+                                      <p:cBhvr>
+                                        <p:cTn id="23" dur="500"/>
+                                        <p:tgtEl>
+                                          <p:spTgt spid="3">
+                                            <p:txEl>
+                                              <p:pRg st="2" end="2"/>
+                                            </p:txEl>
+                                          </p:spTgt>
+                                        </p:tgtEl>
+                                      </p:cBhvr>
+                                    </p:animEffect>
+                                  </p:childTnLst>
+                                </p:cTn>
+                              </p:par>
+                            </p:childTnLst>
+                          </p:cTn>
+                        </p:par>
+                      </p:childTnLst>
+                    </p:cTn>
+                  </p:par>
+                  <p:par>
+                    <p:cTn id="24" fill="hold">
+                      <p:stCondLst>
+                        <p:cond delay="indefinite"/>
+                      </p:stCondLst>
+                      <p:childTnLst>
+                        <p:par>
+                          <p:cTn id="25" fill="hold">
+                            <p:stCondLst>
+                              <p:cond delay="0"/>
+                            </p:stCondLst>
+                            <p:childTnLst>
+                              <p:par>
+                                <p:cTn id="26" presetID="16" presetClass="entr" presetSubtype="37" fill="hold" grpId="0" nodeType="clickEffect">
+                                  <p:stCondLst>
+                                    <p:cond delay="0"/>
+                                  </p:stCondLst>
+                                  <p:childTnLst>
+                                    <p:set>
+                                      <p:cBhvr>
+                                        <p:cTn id="27" dur="1" fill="hold">
+                                          <p:stCondLst>
+                                            <p:cond delay="0"/>
+                                          </p:stCondLst>
+                                        </p:cTn>
+                                        <p:tgtEl>
+                                          <p:spTgt spid="3">
+                                            <p:txEl>
+                                              <p:pRg st="4" end="4"/>
+                                            </p:txEl>
+                                          </p:spTgt>
+                                        </p:tgtEl>
+                                        <p:attrNameLst>
+                                          <p:attrName>style.visibility</p:attrName>
+                                        </p:attrNameLst>
+                                      </p:cBhvr>
+                                      <p:to>
+                                        <p:strVal val="visible"/>
+                                      </p:to>
+                                    </p:set>
+                                    <p:animEffect transition="in" filter="barn(outVertical)">
+                                      <p:cBhvr>
+                                        <p:cTn id="28" dur="500"/>
+                                        <p:tgtEl>
+                                          <p:spTgt spid="3">
+                                            <p:txEl>
+                                              <p:pRg st="4" end="4"/>
+                                            </p:txEl>
+                                          </p:spTgt>
+                                        </p:tgtEl>
+                                      </p:cBhvr>
+                                    </p:animEffect>
+                                  </p:childTnLst>
+                                </p:cTn>
+                              </p:par>
+                            </p:childTnLst>
+                          </p:cTn>
+                        </p:par>
+                      </p:childTnLst>
+                    </p:cTn>
+                  </p:par>
+                </p:childTnLst>
+              </p:cTn>
+              <p:prevCondLst>
+                <p:cond evt="onPrev" delay="0">
+                  <p:tgtEl>
+                    <p:sldTgt/>
+                  </p:tgtEl>
+                </p:cond>
+              </p:prevCondLst>
+              <p:nextCondLst>
+                <p:cond evt="onNext" delay="0">
+                  <p:tgtEl>
+                    <p:sldTgt/>
+                  </p:tgtEl>
+                </p:cond>
+              </p:nextCondLst>
+            </p:seq>
+          </p:childTnLst>
+        </p:cTn>
+      </p:par>
+    </p:tnLst>
+    <p:bldLst>
+      <p:bldP spid="2" grpId="0"/>
+      <p:bldP spid="3" grpId="0" uiExpand="1" build="p"/>
+    </p:bldLst>
+  </p:timing>
+</p:sld>
+</file>
+
+<file path=ppt/slides/slide8.xml><?xml version="1.0" encoding="utf-8"?>
 <p:sld xmlns:a="http://schemas.openxmlformats.org/drawingml/2006/main" xmlns:r="http://schemas.openxmlformats.org/officeDocument/2006/relationships" xmlns:p="http://schemas.openxmlformats.org/presentationml/2006/main">
   <p:cSld>
     <p:spTree>

--- a/Topic 9 - AE1.pptx
+++ b/Topic 9 - AE1.pptx
@@ -216,7 +216,7 @@
           <a:p>
             <a:fld id="{44431D39-EF05-4892-A0FC-FAB39E7DD3E1}" type="datetimeFigureOut">
               <a:rPr lang="en-GB" smtClean="0"/>
-              <a:t>06/04/2018</a:t>
+              <a:t>07/04/2018</a:t>
             </a:fld>
             <a:endParaRPr lang="en-GB"/>
           </a:p>
@@ -918,7 +918,7 @@
             </a:r>
             <a:r>
               <a:rPr lang="en-GB" dirty="0"/>
-              <a:t> point – Some thought could have been given if they were available in a single payment.</a:t>
+              <a:t> point – Some thought could have been given if they were available with a single payment.</a:t>
             </a:r>
           </a:p>
           <a:p>
@@ -1053,7 +1053,7 @@
           <a:noFill/>
           <a:extLst>
             <a:ext uri="{909E8E84-426E-40dd-AFC4-6F175D3DCCD1}">
-              <a14:hiddenFill xmlns:a14="http://schemas.microsoft.com/office/drawing/2010/main" xmlns="">
+              <a14:hiddenFill xmlns="" xmlns:a14="http://schemas.microsoft.com/office/drawing/2010/main">
                 <a:solidFill>
                   <a:srgbClr val="FFFFFF"/>
                 </a:solidFill>
@@ -1113,7 +1113,7 @@
             </a:ln>
             <a:extLst>
               <a:ext uri="{91240B29-F687-4f45-9708-019B960494DF}">
-                <a14:hiddenLine xmlns:a14="http://schemas.microsoft.com/office/drawing/2010/main" xmlns="" w="9525">
+                <a14:hiddenLine xmlns="" xmlns:a14="http://schemas.microsoft.com/office/drawing/2010/main" w="9525">
                   <a:solidFill>
                     <a:srgbClr val="000000"/>
                   </a:solidFill>
@@ -1203,7 +1203,7 @@
             </a:ln>
             <a:extLst>
               <a:ext uri="{91240B29-F687-4f45-9708-019B960494DF}">
-                <a14:hiddenLine xmlns:a14="http://schemas.microsoft.com/office/drawing/2010/main" xmlns="" w="9525">
+                <a14:hiddenLine xmlns="" xmlns:a14="http://schemas.microsoft.com/office/drawing/2010/main" w="9525">
                   <a:solidFill>
                     <a:srgbClr val="000000"/>
                   </a:solidFill>
@@ -1293,7 +1293,7 @@
             </a:ln>
             <a:extLst>
               <a:ext uri="{91240B29-F687-4f45-9708-019B960494DF}">
-                <a14:hiddenLine xmlns:a14="http://schemas.microsoft.com/office/drawing/2010/main" xmlns="" w="9525">
+                <a14:hiddenLine xmlns="" xmlns:a14="http://schemas.microsoft.com/office/drawing/2010/main" w="9525">
                   <a:solidFill>
                     <a:srgbClr val="000000"/>
                   </a:solidFill>
@@ -1327,7 +1327,7 @@
             </a:ln>
             <a:extLst>
               <a:ext uri="{91240B29-F687-4f45-9708-019B960494DF}">
-                <a14:hiddenLine xmlns:a14="http://schemas.microsoft.com/office/drawing/2010/main" xmlns="" w="9525">
+                <a14:hiddenLine xmlns="" xmlns:a14="http://schemas.microsoft.com/office/drawing/2010/main" w="9525">
                   <a:solidFill>
                     <a:srgbClr val="000000"/>
                   </a:solidFill>
@@ -1417,7 +1417,7 @@
             </a:ln>
             <a:extLst>
               <a:ext uri="{91240B29-F687-4f45-9708-019B960494DF}">
-                <a14:hiddenLine xmlns:a14="http://schemas.microsoft.com/office/drawing/2010/main" xmlns="" w="9525">
+                <a14:hiddenLine xmlns="" xmlns:a14="http://schemas.microsoft.com/office/drawing/2010/main" w="9525">
                   <a:solidFill>
                     <a:srgbClr val="000000"/>
                   </a:solidFill>
@@ -1479,7 +1479,7 @@
             </a:ln>
             <a:extLst>
               <a:ext uri="{91240B29-F687-4f45-9708-019B960494DF}">
-                <a14:hiddenLine xmlns:a14="http://schemas.microsoft.com/office/drawing/2010/main" xmlns="" w="9525">
+                <a14:hiddenLine xmlns="" xmlns:a14="http://schemas.microsoft.com/office/drawing/2010/main" w="9525">
                   <a:solidFill>
                     <a:srgbClr val="000000"/>
                   </a:solidFill>
@@ -1541,7 +1541,7 @@
             </a:ln>
             <a:extLst>
               <a:ext uri="{91240B29-F687-4f45-9708-019B960494DF}">
-                <a14:hiddenLine xmlns:a14="http://schemas.microsoft.com/office/drawing/2010/main" xmlns="" w="9525">
+                <a14:hiddenLine xmlns="" xmlns:a14="http://schemas.microsoft.com/office/drawing/2010/main" w="9525">
                   <a:solidFill>
                     <a:srgbClr val="000000"/>
                   </a:solidFill>
@@ -1631,7 +1631,7 @@
             </a:ln>
             <a:extLst>
               <a:ext uri="{91240B29-F687-4f45-9708-019B960494DF}">
-                <a14:hiddenLine xmlns:a14="http://schemas.microsoft.com/office/drawing/2010/main" xmlns="" w="9525">
+                <a14:hiddenLine xmlns="" xmlns:a14="http://schemas.microsoft.com/office/drawing/2010/main" w="9525">
                   <a:solidFill>
                     <a:srgbClr val="000000"/>
                   </a:solidFill>
@@ -1693,7 +1693,7 @@
             </a:ln>
             <a:extLst>
               <a:ext uri="{91240B29-F687-4f45-9708-019B960494DF}">
-                <a14:hiddenLine xmlns:a14="http://schemas.microsoft.com/office/drawing/2010/main" xmlns="" w="9525">
+                <a14:hiddenLine xmlns="" xmlns:a14="http://schemas.microsoft.com/office/drawing/2010/main" w="9525">
                   <a:solidFill>
                     <a:srgbClr val="000000"/>
                   </a:solidFill>
@@ -1755,7 +1755,7 @@
             </a:ln>
             <a:extLst>
               <a:ext uri="{91240B29-F687-4f45-9708-019B960494DF}">
-                <a14:hiddenLine xmlns:a14="http://schemas.microsoft.com/office/drawing/2010/main" xmlns="" w="9525">
+                <a14:hiddenLine xmlns="" xmlns:a14="http://schemas.microsoft.com/office/drawing/2010/main" w="9525">
                   <a:solidFill>
                     <a:srgbClr val="000000"/>
                   </a:solidFill>
@@ -1845,7 +1845,7 @@
             </a:ln>
             <a:extLst>
               <a:ext uri="{91240B29-F687-4f45-9708-019B960494DF}">
-                <a14:hiddenLine xmlns:a14="http://schemas.microsoft.com/office/drawing/2010/main" xmlns="" w="9525">
+                <a14:hiddenLine xmlns="" xmlns:a14="http://schemas.microsoft.com/office/drawing/2010/main" w="9525">
                   <a:solidFill>
                     <a:srgbClr val="000000"/>
                   </a:solidFill>
@@ -1935,7 +1935,7 @@
             </a:ln>
             <a:extLst>
               <a:ext uri="{91240B29-F687-4f45-9708-019B960494DF}">
-                <a14:hiddenLine xmlns:a14="http://schemas.microsoft.com/office/drawing/2010/main" xmlns="" w="9525">
+                <a14:hiddenLine xmlns="" xmlns:a14="http://schemas.microsoft.com/office/drawing/2010/main" w="9525">
                   <a:solidFill>
                     <a:srgbClr val="000000"/>
                   </a:solidFill>
@@ -1997,7 +1997,7 @@
             </a:ln>
             <a:extLst>
               <a:ext uri="{91240B29-F687-4f45-9708-019B960494DF}">
-                <a14:hiddenLine xmlns:a14="http://schemas.microsoft.com/office/drawing/2010/main" xmlns="" w="9525">
+                <a14:hiddenLine xmlns="" xmlns:a14="http://schemas.microsoft.com/office/drawing/2010/main" w="9525">
                   <a:solidFill>
                     <a:srgbClr val="000000"/>
                   </a:solidFill>
@@ -2107,7 +2107,7 @@
             </a:ln>
             <a:extLst>
               <a:ext uri="{91240B29-F687-4f45-9708-019B960494DF}">
-                <a14:hiddenLine xmlns:a14="http://schemas.microsoft.com/office/drawing/2010/main" xmlns="" w="9525">
+                <a14:hiddenLine xmlns="" xmlns:a14="http://schemas.microsoft.com/office/drawing/2010/main" w="9525">
                   <a:solidFill>
                     <a:srgbClr val="000000"/>
                   </a:solidFill>
@@ -2169,7 +2169,7 @@
             </a:ln>
             <a:extLst>
               <a:ext uri="{91240B29-F687-4f45-9708-019B960494DF}">
-                <a14:hiddenLine xmlns:a14="http://schemas.microsoft.com/office/drawing/2010/main" xmlns="" w="9525">
+                <a14:hiddenLine xmlns="" xmlns:a14="http://schemas.microsoft.com/office/drawing/2010/main" w="9525">
                   <a:solidFill>
                     <a:srgbClr val="000000"/>
                   </a:solidFill>
@@ -2259,7 +2259,7 @@
             </a:ln>
             <a:extLst>
               <a:ext uri="{91240B29-F687-4f45-9708-019B960494DF}">
-                <a14:hiddenLine xmlns:a14="http://schemas.microsoft.com/office/drawing/2010/main" xmlns="" w="9525">
+                <a14:hiddenLine xmlns="" xmlns:a14="http://schemas.microsoft.com/office/drawing/2010/main" w="9525">
                   <a:solidFill>
                     <a:srgbClr val="000000"/>
                   </a:solidFill>
@@ -2349,7 +2349,7 @@
             </a:ln>
             <a:extLst>
               <a:ext uri="{91240B29-F687-4f45-9708-019B960494DF}">
-                <a14:hiddenLine xmlns:a14="http://schemas.microsoft.com/office/drawing/2010/main" xmlns="" w="9525">
+                <a14:hiddenLine xmlns="" xmlns:a14="http://schemas.microsoft.com/office/drawing/2010/main" w="9525">
                   <a:solidFill>
                     <a:srgbClr val="000000"/>
                   </a:solidFill>
@@ -2411,7 +2411,7 @@
             </a:ln>
             <a:extLst>
               <a:ext uri="{91240B29-F687-4f45-9708-019B960494DF}">
-                <a14:hiddenLine xmlns:a14="http://schemas.microsoft.com/office/drawing/2010/main" xmlns="" w="9525">
+                <a14:hiddenLine xmlns="" xmlns:a14="http://schemas.microsoft.com/office/drawing/2010/main" w="9525">
                   <a:solidFill>
                     <a:srgbClr val="000000"/>
                   </a:solidFill>
@@ -2501,7 +2501,7 @@
             </a:ln>
             <a:extLst>
               <a:ext uri="{91240B29-F687-4f45-9708-019B960494DF}">
-                <a14:hiddenLine xmlns:a14="http://schemas.microsoft.com/office/drawing/2010/main" xmlns="" w="9525">
+                <a14:hiddenLine xmlns="" xmlns:a14="http://schemas.microsoft.com/office/drawing/2010/main" w="9525">
                   <a:solidFill>
                     <a:srgbClr val="000000"/>
                   </a:solidFill>
@@ -2591,7 +2591,7 @@
             </a:ln>
             <a:extLst>
               <a:ext uri="{91240B29-F687-4f45-9708-019B960494DF}">
-                <a14:hiddenLine xmlns:a14="http://schemas.microsoft.com/office/drawing/2010/main" xmlns="" w="9525">
+                <a14:hiddenLine xmlns="" xmlns:a14="http://schemas.microsoft.com/office/drawing/2010/main" w="9525">
                   <a:solidFill>
                     <a:srgbClr val="000000"/>
                   </a:solidFill>
@@ -2647,7 +2647,7 @@
             </a:ln>
             <a:extLst>
               <a:ext uri="{91240B29-F687-4f45-9708-019B960494DF}">
-                <a14:hiddenLine xmlns:a14="http://schemas.microsoft.com/office/drawing/2010/main" xmlns="" w="9525">
+                <a14:hiddenLine xmlns="" xmlns:a14="http://schemas.microsoft.com/office/drawing/2010/main" w="9525">
                   <a:solidFill>
                     <a:srgbClr val="000000"/>
                   </a:solidFill>
@@ -2737,7 +2737,7 @@
             </a:ln>
             <a:extLst>
               <a:ext uri="{91240B29-F687-4f45-9708-019B960494DF}">
-                <a14:hiddenLine xmlns:a14="http://schemas.microsoft.com/office/drawing/2010/main" xmlns="" w="9525">
+                <a14:hiddenLine xmlns="" xmlns:a14="http://schemas.microsoft.com/office/drawing/2010/main" w="9525">
                   <a:solidFill>
                     <a:srgbClr val="000000"/>
                   </a:solidFill>
@@ -2793,7 +2793,7 @@
             </a:ln>
             <a:extLst>
               <a:ext uri="{91240B29-F687-4f45-9708-019B960494DF}">
-                <a14:hiddenLine xmlns:a14="http://schemas.microsoft.com/office/drawing/2010/main" xmlns="" w="9525">
+                <a14:hiddenLine xmlns="" xmlns:a14="http://schemas.microsoft.com/office/drawing/2010/main" w="9525">
                   <a:solidFill>
                     <a:srgbClr val="000000"/>
                   </a:solidFill>
@@ -2883,7 +2883,7 @@
             </a:ln>
             <a:extLst>
               <a:ext uri="{91240B29-F687-4f45-9708-019B960494DF}">
-                <a14:hiddenLine xmlns:a14="http://schemas.microsoft.com/office/drawing/2010/main" xmlns="" w="9525">
+                <a14:hiddenLine xmlns="" xmlns:a14="http://schemas.microsoft.com/office/drawing/2010/main" w="9525">
                   <a:solidFill>
                     <a:srgbClr val="000000"/>
                   </a:solidFill>
@@ -2951,7 +2951,7 @@
             </a:ln>
             <a:extLst>
               <a:ext uri="{91240B29-F687-4f45-9708-019B960494DF}">
-                <a14:hiddenLine xmlns:a14="http://schemas.microsoft.com/office/drawing/2010/main" xmlns="" w="9525">
+                <a14:hiddenLine xmlns="" xmlns:a14="http://schemas.microsoft.com/office/drawing/2010/main" w="9525">
                   <a:solidFill>
                     <a:srgbClr val="000000"/>
                   </a:solidFill>
@@ -3041,7 +3041,7 @@
             </a:ln>
             <a:extLst>
               <a:ext uri="{91240B29-F687-4f45-9708-019B960494DF}">
-                <a14:hiddenLine xmlns:a14="http://schemas.microsoft.com/office/drawing/2010/main" xmlns="" w="9525">
+                <a14:hiddenLine xmlns="" xmlns:a14="http://schemas.microsoft.com/office/drawing/2010/main" w="9525">
                   <a:solidFill>
                     <a:srgbClr val="000000"/>
                   </a:solidFill>
@@ -3109,7 +3109,7 @@
             </a:ln>
             <a:extLst>
               <a:ext uri="{91240B29-F687-4f45-9708-019B960494DF}">
-                <a14:hiddenLine xmlns:a14="http://schemas.microsoft.com/office/drawing/2010/main" xmlns="" w="9525">
+                <a14:hiddenLine xmlns="" xmlns:a14="http://schemas.microsoft.com/office/drawing/2010/main" w="9525">
                   <a:solidFill>
                     <a:srgbClr val="000000"/>
                   </a:solidFill>
@@ -3199,7 +3199,7 @@
             </a:ln>
             <a:extLst>
               <a:ext uri="{91240B29-F687-4f45-9708-019B960494DF}">
-                <a14:hiddenLine xmlns:a14="http://schemas.microsoft.com/office/drawing/2010/main" xmlns="" w="9525">
+                <a14:hiddenLine xmlns="" xmlns:a14="http://schemas.microsoft.com/office/drawing/2010/main" w="9525">
                   <a:solidFill>
                     <a:srgbClr val="000000"/>
                   </a:solidFill>
@@ -3233,7 +3233,7 @@
             </a:ln>
             <a:extLst>
               <a:ext uri="{91240B29-F687-4f45-9708-019B960494DF}">
-                <a14:hiddenLine xmlns:a14="http://schemas.microsoft.com/office/drawing/2010/main" xmlns="" w="9525">
+                <a14:hiddenLine xmlns="" xmlns:a14="http://schemas.microsoft.com/office/drawing/2010/main" w="9525">
                   <a:solidFill>
                     <a:srgbClr val="000000"/>
                   </a:solidFill>
@@ -3323,7 +3323,7 @@
             </a:ln>
             <a:extLst>
               <a:ext uri="{91240B29-F687-4f45-9708-019B960494DF}">
-                <a14:hiddenLine xmlns:a14="http://schemas.microsoft.com/office/drawing/2010/main" xmlns="" w="9525">
+                <a14:hiddenLine xmlns="" xmlns:a14="http://schemas.microsoft.com/office/drawing/2010/main" w="9525">
                   <a:solidFill>
                     <a:srgbClr val="000000"/>
                   </a:solidFill>
@@ -3385,7 +3385,7 @@
             </a:ln>
             <a:extLst>
               <a:ext uri="{91240B29-F687-4f45-9708-019B960494DF}">
-                <a14:hiddenLine xmlns:a14="http://schemas.microsoft.com/office/drawing/2010/main" xmlns="" w="9525">
+                <a14:hiddenLine xmlns="" xmlns:a14="http://schemas.microsoft.com/office/drawing/2010/main" w="9525">
                   <a:solidFill>
                     <a:srgbClr val="000000"/>
                   </a:solidFill>
@@ -3447,7 +3447,7 @@
             </a:ln>
             <a:extLst>
               <a:ext uri="{91240B29-F687-4f45-9708-019B960494DF}">
-                <a14:hiddenLine xmlns:a14="http://schemas.microsoft.com/office/drawing/2010/main" xmlns="" w="9525">
+                <a14:hiddenLine xmlns="" xmlns:a14="http://schemas.microsoft.com/office/drawing/2010/main" w="9525">
                   <a:solidFill>
                     <a:srgbClr val="000000"/>
                   </a:solidFill>
@@ -3537,7 +3537,7 @@
             </a:ln>
             <a:extLst>
               <a:ext uri="{91240B29-F687-4f45-9708-019B960494DF}">
-                <a14:hiddenLine xmlns:a14="http://schemas.microsoft.com/office/drawing/2010/main" xmlns="" w="9525">
+                <a14:hiddenLine xmlns="" xmlns:a14="http://schemas.microsoft.com/office/drawing/2010/main" w="9525">
                   <a:solidFill>
                     <a:srgbClr val="000000"/>
                   </a:solidFill>
@@ -3605,7 +3605,7 @@
             </a:ln>
             <a:extLst>
               <a:ext uri="{91240B29-F687-4f45-9708-019B960494DF}">
-                <a14:hiddenLine xmlns:a14="http://schemas.microsoft.com/office/drawing/2010/main" xmlns="" w="9525">
+                <a14:hiddenLine xmlns="" xmlns:a14="http://schemas.microsoft.com/office/drawing/2010/main" w="9525">
                   <a:solidFill>
                     <a:srgbClr val="000000"/>
                   </a:solidFill>
@@ -3667,7 +3667,7 @@
             </a:ln>
             <a:extLst>
               <a:ext uri="{91240B29-F687-4f45-9708-019B960494DF}">
-                <a14:hiddenLine xmlns:a14="http://schemas.microsoft.com/office/drawing/2010/main" xmlns="" w="9525">
+                <a14:hiddenLine xmlns="" xmlns:a14="http://schemas.microsoft.com/office/drawing/2010/main" w="9525">
                   <a:solidFill>
                     <a:srgbClr val="000000"/>
                   </a:solidFill>
@@ -3757,7 +3757,7 @@
             </a:ln>
             <a:extLst>
               <a:ext uri="{91240B29-F687-4f45-9708-019B960494DF}">
-                <a14:hiddenLine xmlns:a14="http://schemas.microsoft.com/office/drawing/2010/main" xmlns="" w="9525">
+                <a14:hiddenLine xmlns="" xmlns:a14="http://schemas.microsoft.com/office/drawing/2010/main" w="9525">
                   <a:solidFill>
                     <a:srgbClr val="000000"/>
                   </a:solidFill>
@@ -3819,7 +3819,7 @@
             </a:ln>
             <a:extLst>
               <a:ext uri="{91240B29-F687-4f45-9708-019B960494DF}">
-                <a14:hiddenLine xmlns:a14="http://schemas.microsoft.com/office/drawing/2010/main" xmlns="" w="9525">
+                <a14:hiddenLine xmlns="" xmlns:a14="http://schemas.microsoft.com/office/drawing/2010/main" w="9525">
                   <a:solidFill>
                     <a:srgbClr val="000000"/>
                   </a:solidFill>
@@ -3909,7 +3909,7 @@
             </a:ln>
             <a:extLst>
               <a:ext uri="{91240B29-F687-4f45-9708-019B960494DF}">
-                <a14:hiddenLine xmlns:a14="http://schemas.microsoft.com/office/drawing/2010/main" xmlns="" w="9525">
+                <a14:hiddenLine xmlns="" xmlns:a14="http://schemas.microsoft.com/office/drawing/2010/main" w="9525">
                   <a:solidFill>
                     <a:srgbClr val="000000"/>
                   </a:solidFill>
@@ -3971,7 +3971,7 @@
             </a:ln>
             <a:extLst>
               <a:ext uri="{91240B29-F687-4f45-9708-019B960494DF}">
-                <a14:hiddenLine xmlns:a14="http://schemas.microsoft.com/office/drawing/2010/main" xmlns="" w="9525">
+                <a14:hiddenLine xmlns="" xmlns:a14="http://schemas.microsoft.com/office/drawing/2010/main" w="9525">
                   <a:solidFill>
                     <a:srgbClr val="000000"/>
                   </a:solidFill>
@@ -4061,7 +4061,7 @@
             </a:ln>
             <a:extLst>
               <a:ext uri="{91240B29-F687-4f45-9708-019B960494DF}">
-                <a14:hiddenLine xmlns:a14="http://schemas.microsoft.com/office/drawing/2010/main" xmlns="" w="9525">
+                <a14:hiddenLine xmlns="" xmlns:a14="http://schemas.microsoft.com/office/drawing/2010/main" w="9525">
                   <a:solidFill>
                     <a:srgbClr val="000000"/>
                   </a:solidFill>
@@ -4095,7 +4095,7 @@
             </a:ln>
             <a:extLst>
               <a:ext uri="{91240B29-F687-4f45-9708-019B960494DF}">
-                <a14:hiddenLine xmlns:a14="http://schemas.microsoft.com/office/drawing/2010/main" xmlns="" w="9525">
+                <a14:hiddenLine xmlns="" xmlns:a14="http://schemas.microsoft.com/office/drawing/2010/main" w="9525">
                   <a:solidFill>
                     <a:srgbClr val="000000"/>
                   </a:solidFill>
@@ -4160,7 +4160,7 @@
             </a:ln>
             <a:extLst>
               <a:ext uri="{91240B29-F687-4f45-9708-019B960494DF}">
-                <a14:hiddenLine xmlns:a14="http://schemas.microsoft.com/office/drawing/2010/main" xmlns="" w="9525">
+                <a14:hiddenLine xmlns="" xmlns:a14="http://schemas.microsoft.com/office/drawing/2010/main" w="9525">
                   <a:solidFill>
                     <a:srgbClr val="000000"/>
                   </a:solidFill>
@@ -4250,7 +4250,7 @@
             </a:ln>
             <a:extLst>
               <a:ext uri="{91240B29-F687-4f45-9708-019B960494DF}">
-                <a14:hiddenLine xmlns:a14="http://schemas.microsoft.com/office/drawing/2010/main" xmlns="" w="9525">
+                <a14:hiddenLine xmlns="" xmlns:a14="http://schemas.microsoft.com/office/drawing/2010/main" w="9525">
                   <a:solidFill>
                     <a:srgbClr val="000000"/>
                   </a:solidFill>
@@ -4312,7 +4312,7 @@
             </a:ln>
             <a:extLst>
               <a:ext uri="{91240B29-F687-4f45-9708-019B960494DF}">
-                <a14:hiddenLine xmlns:a14="http://schemas.microsoft.com/office/drawing/2010/main" xmlns="" w="9525">
+                <a14:hiddenLine xmlns="" xmlns:a14="http://schemas.microsoft.com/office/drawing/2010/main" w="9525">
                   <a:solidFill>
                     <a:srgbClr val="000000"/>
                   </a:solidFill>
@@ -4402,7 +4402,7 @@
             </a:ln>
             <a:extLst>
               <a:ext uri="{91240B29-F687-4f45-9708-019B960494DF}">
-                <a14:hiddenLine xmlns:a14="http://schemas.microsoft.com/office/drawing/2010/main" xmlns="" w="9525">
+                <a14:hiddenLine xmlns="" xmlns:a14="http://schemas.microsoft.com/office/drawing/2010/main" w="9525">
                   <a:solidFill>
                     <a:srgbClr val="000000"/>
                   </a:solidFill>
@@ -4492,7 +4492,7 @@
             </a:ln>
             <a:extLst>
               <a:ext uri="{91240B29-F687-4f45-9708-019B960494DF}">
-                <a14:hiddenLine xmlns:a14="http://schemas.microsoft.com/office/drawing/2010/main" xmlns="" w="9525">
+                <a14:hiddenLine xmlns="" xmlns:a14="http://schemas.microsoft.com/office/drawing/2010/main" w="9525">
                   <a:solidFill>
                     <a:srgbClr val="000000"/>
                   </a:solidFill>
@@ -4557,7 +4557,7 @@
             </a:ln>
             <a:extLst>
               <a:ext uri="{91240B29-F687-4f45-9708-019B960494DF}">
-                <a14:hiddenLine xmlns:a14="http://schemas.microsoft.com/office/drawing/2010/main" xmlns="" w="9525">
+                <a14:hiddenLine xmlns="" xmlns:a14="http://schemas.microsoft.com/office/drawing/2010/main" w="9525">
                   <a:solidFill>
                     <a:srgbClr val="000000"/>
                   </a:solidFill>
@@ -4619,7 +4619,7 @@
             </a:ln>
             <a:extLst>
               <a:ext uri="{91240B29-F687-4f45-9708-019B960494DF}">
-                <a14:hiddenLine xmlns:a14="http://schemas.microsoft.com/office/drawing/2010/main" xmlns="" w="9525">
+                <a14:hiddenLine xmlns="" xmlns:a14="http://schemas.microsoft.com/office/drawing/2010/main" w="9525">
                   <a:solidFill>
                     <a:srgbClr val="000000"/>
                   </a:solidFill>
@@ -4709,7 +4709,7 @@
             </a:ln>
             <a:extLst>
               <a:ext uri="{91240B29-F687-4f45-9708-019B960494DF}">
-                <a14:hiddenLine xmlns:a14="http://schemas.microsoft.com/office/drawing/2010/main" xmlns="" w="9525">
+                <a14:hiddenLine xmlns="" xmlns:a14="http://schemas.microsoft.com/office/drawing/2010/main" w="9525">
                   <a:solidFill>
                     <a:srgbClr val="000000"/>
                   </a:solidFill>
@@ -4799,7 +4799,7 @@
             </a:ln>
             <a:extLst>
               <a:ext uri="{91240B29-F687-4f45-9708-019B960494DF}">
-                <a14:hiddenLine xmlns:a14="http://schemas.microsoft.com/office/drawing/2010/main" xmlns="" w="9525">
+                <a14:hiddenLine xmlns="" xmlns:a14="http://schemas.microsoft.com/office/drawing/2010/main" w="9525">
                   <a:solidFill>
                     <a:srgbClr val="000000"/>
                   </a:solidFill>
@@ -4861,7 +4861,7 @@
             </a:ln>
             <a:extLst>
               <a:ext uri="{91240B29-F687-4f45-9708-019B960494DF}">
-                <a14:hiddenLine xmlns:a14="http://schemas.microsoft.com/office/drawing/2010/main" xmlns="" w="9525">
+                <a14:hiddenLine xmlns="" xmlns:a14="http://schemas.microsoft.com/office/drawing/2010/main" w="9525">
                   <a:solidFill>
                     <a:srgbClr val="000000"/>
                   </a:solidFill>
@@ -4981,7 +4981,7 @@
             </a:ln>
             <a:extLst>
               <a:ext uri="{91240B29-F687-4f45-9708-019B960494DF}">
-                <a14:hiddenLine xmlns:a14="http://schemas.microsoft.com/office/drawing/2010/main" xmlns="" w="9525">
+                <a14:hiddenLine xmlns="" xmlns:a14="http://schemas.microsoft.com/office/drawing/2010/main" w="9525">
                   <a:solidFill>
                     <a:srgbClr val="000000"/>
                   </a:solidFill>
@@ -5049,7 +5049,7 @@
             </a:ln>
             <a:extLst>
               <a:ext uri="{91240B29-F687-4f45-9708-019B960494DF}">
-                <a14:hiddenLine xmlns:a14="http://schemas.microsoft.com/office/drawing/2010/main" xmlns="" w="9525">
+                <a14:hiddenLine xmlns="" xmlns:a14="http://schemas.microsoft.com/office/drawing/2010/main" w="9525">
                   <a:solidFill>
                     <a:srgbClr val="000000"/>
                   </a:solidFill>
@@ -5139,7 +5139,7 @@
             </a:ln>
             <a:extLst>
               <a:ext uri="{91240B29-F687-4f45-9708-019B960494DF}">
-                <a14:hiddenLine xmlns:a14="http://schemas.microsoft.com/office/drawing/2010/main" xmlns="" w="9525">
+                <a14:hiddenLine xmlns="" xmlns:a14="http://schemas.microsoft.com/office/drawing/2010/main" w="9525">
                   <a:solidFill>
                     <a:srgbClr val="000000"/>
                   </a:solidFill>
@@ -5279,7 +5279,7 @@
           <a:p>
             <a:fld id="{C4C0C060-C3B5-443A-A207-3B90D6A656A5}" type="datetimeFigureOut">
               <a:rPr lang="en-GB" smtClean="0"/>
-              <a:t>06/04/2018</a:t>
+              <a:t>07/04/2018</a:t>
             </a:fld>
             <a:endParaRPr lang="en-GB"/>
           </a:p>
@@ -5546,7 +5546,7 @@
           <a:p>
             <a:fld id="{C4C0C060-C3B5-443A-A207-3B90D6A656A5}" type="datetimeFigureOut">
               <a:rPr lang="en-GB" smtClean="0"/>
-              <a:t>06/04/2018</a:t>
+              <a:t>07/04/2018</a:t>
             </a:fld>
             <a:endParaRPr lang="en-GB"/>
           </a:p>
@@ -5742,7 +5742,7 @@
           <a:p>
             <a:fld id="{C4C0C060-C3B5-443A-A207-3B90D6A656A5}" type="datetimeFigureOut">
               <a:rPr lang="en-GB" smtClean="0"/>
-              <a:t>06/04/2018</a:t>
+              <a:t>07/04/2018</a:t>
             </a:fld>
             <a:endParaRPr lang="en-GB"/>
           </a:p>
@@ -6005,7 +6005,7 @@
           <a:p>
             <a:fld id="{C4C0C060-C3B5-443A-A207-3B90D6A656A5}" type="datetimeFigureOut">
               <a:rPr lang="en-GB" smtClean="0"/>
-              <a:t>06/04/2018</a:t>
+              <a:t>07/04/2018</a:t>
             </a:fld>
             <a:endParaRPr lang="en-GB"/>
           </a:p>
@@ -6439,7 +6439,7 @@
           <a:p>
             <a:fld id="{C4C0C060-C3B5-443A-A207-3B90D6A656A5}" type="datetimeFigureOut">
               <a:rPr lang="en-GB" smtClean="0"/>
-              <a:t>06/04/2018</a:t>
+              <a:t>07/04/2018</a:t>
             </a:fld>
             <a:endParaRPr lang="en-GB"/>
           </a:p>
@@ -6985,7 +6985,7 @@
           <a:p>
             <a:fld id="{C4C0C060-C3B5-443A-A207-3B90D6A656A5}" type="datetimeFigureOut">
               <a:rPr lang="en-GB" smtClean="0"/>
-              <a:t>06/04/2018</a:t>
+              <a:t>07/04/2018</a:t>
             </a:fld>
             <a:endParaRPr lang="en-GB"/>
           </a:p>
@@ -7705,7 +7705,7 @@
           <a:p>
             <a:fld id="{C4C0C060-C3B5-443A-A207-3B90D6A656A5}" type="datetimeFigureOut">
               <a:rPr lang="en-GB" smtClean="0"/>
-              <a:t>06/04/2018</a:t>
+              <a:t>07/04/2018</a:t>
             </a:fld>
             <a:endParaRPr lang="en-GB"/>
           </a:p>
@@ -7875,7 +7875,7 @@
           <a:p>
             <a:fld id="{C4C0C060-C3B5-443A-A207-3B90D6A656A5}" type="datetimeFigureOut">
               <a:rPr lang="en-GB" smtClean="0"/>
-              <a:t>06/04/2018</a:t>
+              <a:t>07/04/2018</a:t>
             </a:fld>
             <a:endParaRPr lang="en-GB"/>
           </a:p>
@@ -8055,7 +8055,7 @@
           <a:p>
             <a:fld id="{C4C0C060-C3B5-443A-A207-3B90D6A656A5}" type="datetimeFigureOut">
               <a:rPr lang="en-GB" smtClean="0"/>
-              <a:t>06/04/2018</a:t>
+              <a:t>07/04/2018</a:t>
             </a:fld>
             <a:endParaRPr lang="en-GB"/>
           </a:p>
@@ -8225,7 +8225,7 @@
           <a:p>
             <a:fld id="{C4C0C060-C3B5-443A-A207-3B90D6A656A5}" type="datetimeFigureOut">
               <a:rPr lang="en-GB" smtClean="0"/>
-              <a:t>06/04/2018</a:t>
+              <a:t>07/04/2018</a:t>
             </a:fld>
             <a:endParaRPr lang="en-GB"/>
           </a:p>
@@ -8475,7 +8475,7 @@
           <a:p>
             <a:fld id="{C4C0C060-C3B5-443A-A207-3B90D6A656A5}" type="datetimeFigureOut">
               <a:rPr lang="en-GB" smtClean="0"/>
-              <a:t>06/04/2018</a:t>
+              <a:t>07/04/2018</a:t>
             </a:fld>
             <a:endParaRPr lang="en-GB"/>
           </a:p>
@@ -8707,7 +8707,7 @@
           <a:p>
             <a:fld id="{C4C0C060-C3B5-443A-A207-3B90D6A656A5}" type="datetimeFigureOut">
               <a:rPr lang="en-GB" smtClean="0"/>
-              <a:t>06/04/2018</a:t>
+              <a:t>07/04/2018</a:t>
             </a:fld>
             <a:endParaRPr lang="en-GB"/>
           </a:p>
@@ -9088,7 +9088,7 @@
           <a:p>
             <a:fld id="{C4C0C060-C3B5-443A-A207-3B90D6A656A5}" type="datetimeFigureOut">
               <a:rPr lang="en-GB" smtClean="0"/>
-              <a:t>06/04/2018</a:t>
+              <a:t>07/04/2018</a:t>
             </a:fld>
             <a:endParaRPr lang="en-GB"/>
           </a:p>
@@ -9206,7 +9206,7 @@
           <a:p>
             <a:fld id="{C4C0C060-C3B5-443A-A207-3B90D6A656A5}" type="datetimeFigureOut">
               <a:rPr lang="en-GB" smtClean="0"/>
-              <a:t>06/04/2018</a:t>
+              <a:t>07/04/2018</a:t>
             </a:fld>
             <a:endParaRPr lang="en-GB"/>
           </a:p>
@@ -9301,7 +9301,7 @@
           <a:p>
             <a:fld id="{C4C0C060-C3B5-443A-A207-3B90D6A656A5}" type="datetimeFigureOut">
               <a:rPr lang="en-GB" smtClean="0"/>
-              <a:t>06/04/2018</a:t>
+              <a:t>07/04/2018</a:t>
             </a:fld>
             <a:endParaRPr lang="en-GB"/>
           </a:p>
@@ -9550,7 +9550,7 @@
           <a:p>
             <a:fld id="{C4C0C060-C3B5-443A-A207-3B90D6A656A5}" type="datetimeFigureOut">
               <a:rPr lang="en-GB" smtClean="0"/>
-              <a:t>06/04/2018</a:t>
+              <a:t>07/04/2018</a:t>
             </a:fld>
             <a:endParaRPr lang="en-GB"/>
           </a:p>
@@ -9830,7 +9830,7 @@
           <a:p>
             <a:fld id="{C4C0C060-C3B5-443A-A207-3B90D6A656A5}" type="datetimeFigureOut">
               <a:rPr lang="en-GB" smtClean="0"/>
-              <a:t>06/04/2018</a:t>
+              <a:t>07/04/2018</a:t>
             </a:fld>
             <a:endParaRPr lang="en-GB"/>
           </a:p>
@@ -9953,7 +9953,7 @@
           <a:noFill/>
           <a:extLst>
             <a:ext uri="{909E8E84-426E-40dd-AFC4-6F175D3DCCD1}">
-              <a14:hiddenFill xmlns:a14="http://schemas.microsoft.com/office/drawing/2010/main" xmlns="">
+              <a14:hiddenFill xmlns="" xmlns:a14="http://schemas.microsoft.com/office/drawing/2010/main">
                 <a:solidFill>
                   <a:srgbClr val="FFFFFF"/>
                 </a:solidFill>
@@ -10027,7 +10027,7 @@
               </a:ln>
               <a:extLst>
                 <a:ext uri="{91240B29-F687-4f45-9708-019B960494DF}">
-                  <a14:hiddenLine xmlns:a14="http://schemas.microsoft.com/office/drawing/2010/main" xmlns="" w="9525">
+                  <a14:hiddenLine xmlns="" xmlns:a14="http://schemas.microsoft.com/office/drawing/2010/main" w="9525">
                     <a:solidFill>
                       <a:srgbClr val="000000"/>
                     </a:solidFill>
@@ -10117,7 +10117,7 @@
               </a:ln>
               <a:extLst>
                 <a:ext uri="{91240B29-F687-4f45-9708-019B960494DF}">
-                  <a14:hiddenLine xmlns:a14="http://schemas.microsoft.com/office/drawing/2010/main" xmlns="" w="9525">
+                  <a14:hiddenLine xmlns="" xmlns:a14="http://schemas.microsoft.com/office/drawing/2010/main" w="9525">
                     <a:solidFill>
                       <a:srgbClr val="000000"/>
                     </a:solidFill>
@@ -10207,7 +10207,7 @@
               </a:ln>
               <a:extLst>
                 <a:ext uri="{91240B29-F687-4f45-9708-019B960494DF}">
-                  <a14:hiddenLine xmlns:a14="http://schemas.microsoft.com/office/drawing/2010/main" xmlns="" w="9525">
+                  <a14:hiddenLine xmlns="" xmlns:a14="http://schemas.microsoft.com/office/drawing/2010/main" w="9525">
                     <a:solidFill>
                       <a:srgbClr val="000000"/>
                     </a:solidFill>
@@ -10269,7 +10269,7 @@
               </a:ln>
               <a:extLst>
                 <a:ext uri="{91240B29-F687-4f45-9708-019B960494DF}">
-                  <a14:hiddenLine xmlns:a14="http://schemas.microsoft.com/office/drawing/2010/main" xmlns="" w="9525">
+                  <a14:hiddenLine xmlns="" xmlns:a14="http://schemas.microsoft.com/office/drawing/2010/main" w="9525">
                     <a:solidFill>
                       <a:srgbClr val="000000"/>
                     </a:solidFill>
@@ -10359,7 +10359,7 @@
               </a:ln>
               <a:extLst>
                 <a:ext uri="{91240B29-F687-4f45-9708-019B960494DF}">
-                  <a14:hiddenLine xmlns:a14="http://schemas.microsoft.com/office/drawing/2010/main" xmlns="" w="9525">
+                  <a14:hiddenLine xmlns="" xmlns:a14="http://schemas.microsoft.com/office/drawing/2010/main" w="9525">
                     <a:solidFill>
                       <a:srgbClr val="000000"/>
                     </a:solidFill>
@@ -10421,7 +10421,7 @@
               </a:ln>
               <a:extLst>
                 <a:ext uri="{91240B29-F687-4f45-9708-019B960494DF}">
-                  <a14:hiddenLine xmlns:a14="http://schemas.microsoft.com/office/drawing/2010/main" xmlns="" w="9525">
+                  <a14:hiddenLine xmlns="" xmlns:a14="http://schemas.microsoft.com/office/drawing/2010/main" w="9525">
                     <a:solidFill>
                       <a:srgbClr val="000000"/>
                     </a:solidFill>
@@ -10483,7 +10483,7 @@
               </a:ln>
               <a:extLst>
                 <a:ext uri="{91240B29-F687-4f45-9708-019B960494DF}">
-                  <a14:hiddenLine xmlns:a14="http://schemas.microsoft.com/office/drawing/2010/main" xmlns="" w="9525">
+                  <a14:hiddenLine xmlns="" xmlns:a14="http://schemas.microsoft.com/office/drawing/2010/main" w="9525">
                     <a:solidFill>
                       <a:srgbClr val="000000"/>
                     </a:solidFill>
@@ -10573,7 +10573,7 @@
               </a:ln>
               <a:extLst>
                 <a:ext uri="{91240B29-F687-4f45-9708-019B960494DF}">
-                  <a14:hiddenLine xmlns:a14="http://schemas.microsoft.com/office/drawing/2010/main" xmlns="" w="9525">
+                  <a14:hiddenLine xmlns="" xmlns:a14="http://schemas.microsoft.com/office/drawing/2010/main" w="9525">
                     <a:solidFill>
                       <a:srgbClr val="000000"/>
                     </a:solidFill>
@@ -10663,7 +10663,7 @@
               </a:ln>
               <a:extLst>
                 <a:ext uri="{91240B29-F687-4f45-9708-019B960494DF}">
-                  <a14:hiddenLine xmlns:a14="http://schemas.microsoft.com/office/drawing/2010/main" xmlns="" w="9525">
+                  <a14:hiddenLine xmlns="" xmlns:a14="http://schemas.microsoft.com/office/drawing/2010/main" w="9525">
                     <a:solidFill>
                       <a:srgbClr val="000000"/>
                     </a:solidFill>
@@ -10725,7 +10725,7 @@
               </a:ln>
               <a:extLst>
                 <a:ext uri="{91240B29-F687-4f45-9708-019B960494DF}">
-                  <a14:hiddenLine xmlns:a14="http://schemas.microsoft.com/office/drawing/2010/main" xmlns="" w="9525">
+                  <a14:hiddenLine xmlns="" xmlns:a14="http://schemas.microsoft.com/office/drawing/2010/main" w="9525">
                     <a:solidFill>
                       <a:srgbClr val="000000"/>
                     </a:solidFill>
@@ -10835,7 +10835,7 @@
               </a:ln>
               <a:extLst>
                 <a:ext uri="{91240B29-F687-4f45-9708-019B960494DF}">
-                  <a14:hiddenLine xmlns:a14="http://schemas.microsoft.com/office/drawing/2010/main" xmlns="" w="9525">
+                  <a14:hiddenLine xmlns="" xmlns:a14="http://schemas.microsoft.com/office/drawing/2010/main" w="9525">
                     <a:solidFill>
                       <a:srgbClr val="000000"/>
                     </a:solidFill>
@@ -10919,7 +10919,7 @@
               </a:ln>
               <a:extLst>
                 <a:ext uri="{91240B29-F687-4f45-9708-019B960494DF}">
-                  <a14:hiddenLine xmlns:a14="http://schemas.microsoft.com/office/drawing/2010/main" xmlns="" w="9525">
+                  <a14:hiddenLine xmlns="" xmlns:a14="http://schemas.microsoft.com/office/drawing/2010/main" w="9525">
                     <a:solidFill>
                       <a:srgbClr val="000000"/>
                     </a:solidFill>
@@ -10981,7 +10981,7 @@
               </a:ln>
               <a:extLst>
                 <a:ext uri="{91240B29-F687-4f45-9708-019B960494DF}">
-                  <a14:hiddenLine xmlns:a14="http://schemas.microsoft.com/office/drawing/2010/main" xmlns="" w="9525">
+                  <a14:hiddenLine xmlns="" xmlns:a14="http://schemas.microsoft.com/office/drawing/2010/main" w="9525">
                     <a:solidFill>
                       <a:srgbClr val="000000"/>
                     </a:solidFill>
@@ -11043,7 +11043,7 @@
               </a:ln>
               <a:extLst>
                 <a:ext uri="{91240B29-F687-4f45-9708-019B960494DF}">
-                  <a14:hiddenLine xmlns:a14="http://schemas.microsoft.com/office/drawing/2010/main" xmlns="" w="9525">
+                  <a14:hiddenLine xmlns="" xmlns:a14="http://schemas.microsoft.com/office/drawing/2010/main" w="9525">
                     <a:solidFill>
                       <a:srgbClr val="000000"/>
                     </a:solidFill>
@@ -11133,7 +11133,7 @@
               </a:ln>
               <a:extLst>
                 <a:ext uri="{91240B29-F687-4f45-9708-019B960494DF}">
-                  <a14:hiddenLine xmlns:a14="http://schemas.microsoft.com/office/drawing/2010/main" xmlns="" w="9525">
+                  <a14:hiddenLine xmlns="" xmlns:a14="http://schemas.microsoft.com/office/drawing/2010/main" w="9525">
                     <a:solidFill>
                       <a:srgbClr val="000000"/>
                     </a:solidFill>
@@ -11167,7 +11167,7 @@
               </a:ln>
               <a:extLst>
                 <a:ext uri="{91240B29-F687-4f45-9708-019B960494DF}">
-                  <a14:hiddenLine xmlns:a14="http://schemas.microsoft.com/office/drawing/2010/main" xmlns="" w="9525">
+                  <a14:hiddenLine xmlns="" xmlns:a14="http://schemas.microsoft.com/office/drawing/2010/main" w="9525">
                     <a:solidFill>
                       <a:srgbClr val="000000"/>
                     </a:solidFill>
@@ -11232,7 +11232,7 @@
               </a:ln>
               <a:extLst>
                 <a:ext uri="{91240B29-F687-4f45-9708-019B960494DF}">
-                  <a14:hiddenLine xmlns:a14="http://schemas.microsoft.com/office/drawing/2010/main" xmlns="" w="9525">
+                  <a14:hiddenLine xmlns="" xmlns:a14="http://schemas.microsoft.com/office/drawing/2010/main" w="9525">
                     <a:solidFill>
                       <a:srgbClr val="000000"/>
                     </a:solidFill>
@@ -11322,7 +11322,7 @@
               </a:ln>
               <a:extLst>
                 <a:ext uri="{91240B29-F687-4f45-9708-019B960494DF}">
-                  <a14:hiddenLine xmlns:a14="http://schemas.microsoft.com/office/drawing/2010/main" xmlns="" w="9525">
+                  <a14:hiddenLine xmlns="" xmlns:a14="http://schemas.microsoft.com/office/drawing/2010/main" w="9525">
                     <a:solidFill>
                       <a:srgbClr val="000000"/>
                     </a:solidFill>
@@ -11384,7 +11384,7 @@
               </a:ln>
               <a:extLst>
                 <a:ext uri="{91240B29-F687-4f45-9708-019B960494DF}">
-                  <a14:hiddenLine xmlns:a14="http://schemas.microsoft.com/office/drawing/2010/main" xmlns="" w="9525">
+                  <a14:hiddenLine xmlns="" xmlns:a14="http://schemas.microsoft.com/office/drawing/2010/main" w="9525">
                     <a:solidFill>
                       <a:srgbClr val="000000"/>
                     </a:solidFill>
@@ -11474,7 +11474,7 @@
               </a:ln>
               <a:extLst>
                 <a:ext uri="{91240B29-F687-4f45-9708-019B960494DF}">
-                  <a14:hiddenLine xmlns:a14="http://schemas.microsoft.com/office/drawing/2010/main" xmlns="" w="9525">
+                  <a14:hiddenLine xmlns="" xmlns:a14="http://schemas.microsoft.com/office/drawing/2010/main" w="9525">
                     <a:solidFill>
                       <a:srgbClr val="000000"/>
                     </a:solidFill>
@@ -11539,7 +11539,7 @@
               </a:ln>
               <a:extLst>
                 <a:ext uri="{91240B29-F687-4f45-9708-019B960494DF}">
-                  <a14:hiddenLine xmlns:a14="http://schemas.microsoft.com/office/drawing/2010/main" xmlns="" w="9525">
+                  <a14:hiddenLine xmlns="" xmlns:a14="http://schemas.microsoft.com/office/drawing/2010/main" w="9525">
                     <a:solidFill>
                       <a:srgbClr val="000000"/>
                     </a:solidFill>
@@ -11601,7 +11601,7 @@
               </a:ln>
               <a:extLst>
                 <a:ext uri="{91240B29-F687-4f45-9708-019B960494DF}">
-                  <a14:hiddenLine xmlns:a14="http://schemas.microsoft.com/office/drawing/2010/main" xmlns="" w="9525">
+                  <a14:hiddenLine xmlns="" xmlns:a14="http://schemas.microsoft.com/office/drawing/2010/main" w="9525">
                     <a:solidFill>
                       <a:srgbClr val="000000"/>
                     </a:solidFill>
@@ -11691,7 +11691,7 @@
               </a:ln>
               <a:extLst>
                 <a:ext uri="{91240B29-F687-4f45-9708-019B960494DF}">
-                  <a14:hiddenLine xmlns:a14="http://schemas.microsoft.com/office/drawing/2010/main" xmlns="" w="9525">
+                  <a14:hiddenLine xmlns="" xmlns:a14="http://schemas.microsoft.com/office/drawing/2010/main" w="9525">
                     <a:solidFill>
                       <a:srgbClr val="000000"/>
                     </a:solidFill>
@@ -11781,7 +11781,7 @@
               </a:ln>
               <a:extLst>
                 <a:ext uri="{91240B29-F687-4f45-9708-019B960494DF}">
-                  <a14:hiddenLine xmlns:a14="http://schemas.microsoft.com/office/drawing/2010/main" xmlns="" w="9525">
+                  <a14:hiddenLine xmlns="" xmlns:a14="http://schemas.microsoft.com/office/drawing/2010/main" w="9525">
                     <a:solidFill>
                       <a:srgbClr val="000000"/>
                     </a:solidFill>
@@ -11846,7 +11846,7 @@
               </a:ln>
               <a:extLst>
                 <a:ext uri="{91240B29-F687-4f45-9708-019B960494DF}">
-                  <a14:hiddenLine xmlns:a14="http://schemas.microsoft.com/office/drawing/2010/main" xmlns="" w="9525">
+                  <a14:hiddenLine xmlns="" xmlns:a14="http://schemas.microsoft.com/office/drawing/2010/main" w="9525">
                     <a:solidFill>
                       <a:srgbClr val="000000"/>
                     </a:solidFill>
@@ -11966,7 +11966,7 @@
               </a:ln>
               <a:extLst>
                 <a:ext uri="{91240B29-F687-4f45-9708-019B960494DF}">
-                  <a14:hiddenLine xmlns:a14="http://schemas.microsoft.com/office/drawing/2010/main" xmlns="" w="9525">
+                  <a14:hiddenLine xmlns="" xmlns:a14="http://schemas.microsoft.com/office/drawing/2010/main" w="9525">
                     <a:solidFill>
                       <a:srgbClr val="000000"/>
                     </a:solidFill>
@@ -12064,7 +12064,7 @@
               </a:ln>
               <a:extLst>
                 <a:ext uri="{91240B29-F687-4f45-9708-019B960494DF}">
-                  <a14:hiddenLine xmlns:a14="http://schemas.microsoft.com/office/drawing/2010/main" xmlns="" w="9525">
+                  <a14:hiddenLine xmlns="" xmlns:a14="http://schemas.microsoft.com/office/drawing/2010/main" w="9525">
                     <a:solidFill>
                       <a:srgbClr val="000000"/>
                     </a:solidFill>
@@ -12179,7 +12179,7 @@
               </a:ln>
               <a:extLst>
                 <a:ext uri="{91240B29-F687-4f45-9708-019B960494DF}">
-                  <a14:hiddenLine xmlns:a14="http://schemas.microsoft.com/office/drawing/2010/main" xmlns="" w="9525">
+                  <a14:hiddenLine xmlns="" xmlns:a14="http://schemas.microsoft.com/office/drawing/2010/main" w="9525">
                     <a:solidFill>
                       <a:srgbClr val="000000"/>
                     </a:solidFill>
@@ -12269,7 +12269,7 @@
               </a:ln>
               <a:extLst>
                 <a:ext uri="{91240B29-F687-4f45-9708-019B960494DF}">
-                  <a14:hiddenLine xmlns:a14="http://schemas.microsoft.com/office/drawing/2010/main" xmlns="" w="9525">
+                  <a14:hiddenLine xmlns="" xmlns:a14="http://schemas.microsoft.com/office/drawing/2010/main" w="9525">
                     <a:solidFill>
                       <a:srgbClr val="000000"/>
                     </a:solidFill>
@@ -12334,7 +12334,7 @@
               </a:ln>
               <a:extLst>
                 <a:ext uri="{91240B29-F687-4f45-9708-019B960494DF}">
-                  <a14:hiddenLine xmlns:a14="http://schemas.microsoft.com/office/drawing/2010/main" xmlns="" w="9525">
+                  <a14:hiddenLine xmlns="" xmlns:a14="http://schemas.microsoft.com/office/drawing/2010/main" w="9525">
                     <a:solidFill>
                       <a:srgbClr val="000000"/>
                     </a:solidFill>
@@ -12424,7 +12424,7 @@
               </a:ln>
               <a:extLst>
                 <a:ext uri="{91240B29-F687-4f45-9708-019B960494DF}">
-                  <a14:hiddenLine xmlns:a14="http://schemas.microsoft.com/office/drawing/2010/main" xmlns="" w="9525">
+                  <a14:hiddenLine xmlns="" xmlns:a14="http://schemas.microsoft.com/office/drawing/2010/main" w="9525">
                     <a:solidFill>
                       <a:srgbClr val="000000"/>
                     </a:solidFill>
@@ -12492,7 +12492,7 @@
               </a:ln>
               <a:extLst>
                 <a:ext uri="{91240B29-F687-4f45-9708-019B960494DF}">
-                  <a14:hiddenLine xmlns:a14="http://schemas.microsoft.com/office/drawing/2010/main" xmlns="" w="9525">
+                  <a14:hiddenLine xmlns="" xmlns:a14="http://schemas.microsoft.com/office/drawing/2010/main" w="9525">
                     <a:solidFill>
                       <a:srgbClr val="000000"/>
                     </a:solidFill>
@@ -12582,7 +12582,7 @@
               </a:ln>
               <a:extLst>
                 <a:ext uri="{91240B29-F687-4f45-9708-019B960494DF}">
-                  <a14:hiddenLine xmlns:a14="http://schemas.microsoft.com/office/drawing/2010/main" xmlns="" w="9525">
+                  <a14:hiddenLine xmlns="" xmlns:a14="http://schemas.microsoft.com/office/drawing/2010/main" w="9525">
                     <a:solidFill>
                       <a:srgbClr val="000000"/>
                     </a:solidFill>
@@ -12650,7 +12650,7 @@
               </a:ln>
               <a:extLst>
                 <a:ext uri="{91240B29-F687-4f45-9708-019B960494DF}">
-                  <a14:hiddenLine xmlns:a14="http://schemas.microsoft.com/office/drawing/2010/main" xmlns="" w="9525">
+                  <a14:hiddenLine xmlns="" xmlns:a14="http://schemas.microsoft.com/office/drawing/2010/main" w="9525">
                     <a:solidFill>
                       <a:srgbClr val="000000"/>
                     </a:solidFill>
@@ -12740,7 +12740,7 @@
               </a:ln>
               <a:extLst>
                 <a:ext uri="{91240B29-F687-4f45-9708-019B960494DF}">
-                  <a14:hiddenLine xmlns:a14="http://schemas.microsoft.com/office/drawing/2010/main" xmlns="" w="9525">
+                  <a14:hiddenLine xmlns="" xmlns:a14="http://schemas.microsoft.com/office/drawing/2010/main" w="9525">
                     <a:solidFill>
                       <a:srgbClr val="000000"/>
                     </a:solidFill>
@@ -12774,7 +12774,7 @@
               </a:ln>
               <a:extLst>
                 <a:ext uri="{91240B29-F687-4f45-9708-019B960494DF}">
-                  <a14:hiddenLine xmlns:a14="http://schemas.microsoft.com/office/drawing/2010/main" xmlns="" w="9525">
+                  <a14:hiddenLine xmlns="" xmlns:a14="http://schemas.microsoft.com/office/drawing/2010/main" w="9525">
                     <a:solidFill>
                       <a:srgbClr val="000000"/>
                     </a:solidFill>
@@ -12914,7 +12914,7 @@
           <a:p>
             <a:fld id="{C4C0C060-C3B5-443A-A207-3B90D6A656A5}" type="datetimeFigureOut">
               <a:rPr lang="en-GB" smtClean="0"/>
-              <a:t>06/04/2018</a:t>
+              <a:t>07/04/2018</a:t>
             </a:fld>
             <a:endParaRPr lang="en-GB"/>
           </a:p>
@@ -15688,8 +15688,8 @@
               </a:lnSpc>
             </a:pPr>
             <a:r>
-              <a:rPr lang="en-GB" sz="2200" dirty="0"/>
-              <a:t>There are other software products available online which offer more features.</a:t>
+              <a:rPr lang="en-GB" dirty="0"/>
+              <a:t>There are other software products available online that offer more features.</a:t>
             </a:r>
           </a:p>
           <a:p>
@@ -15698,7 +15698,7 @@
                 <a:spcPct val="110000"/>
               </a:lnSpc>
             </a:pPr>
-            <a:endParaRPr lang="en-GB" sz="2200" dirty="0"/>
+            <a:endParaRPr lang="en-GB" dirty="0"/>
           </a:p>
           <a:p>
             <a:pPr>
@@ -15707,41 +15707,45 @@
               </a:lnSpc>
             </a:pPr>
             <a:r>
-              <a:rPr lang="en-GB" sz="2200" dirty="0"/>
+              <a:rPr lang="en-GB" dirty="0"/>
               <a:t>Some of them are </a:t>
             </a:r>
             <a:r>
-              <a:rPr lang="en-GB" sz="2200" dirty="0" err="1"/>
+              <a:rPr lang="en-GB" dirty="0" err="1"/>
               <a:t>Orcanos</a:t>
             </a:r>
             <a:r>
-              <a:rPr lang="en-GB" sz="2200" dirty="0"/>
+              <a:rPr lang="en-GB" dirty="0"/>
               <a:t>, </a:t>
             </a:r>
             <a:r>
-              <a:rPr lang="en-GB" sz="2200" dirty="0" err="1"/>
+              <a:rPr lang="en-GB" dirty="0" err="1"/>
               <a:t>Glasscubes</a:t>
             </a:r>
             <a:r>
-              <a:rPr lang="en-GB" sz="2200" dirty="0"/>
+              <a:rPr lang="en-GB" dirty="0"/>
               <a:t> and </a:t>
             </a:r>
             <a:r>
-              <a:rPr lang="en-GB" sz="2200" dirty="0" err="1"/>
+              <a:rPr lang="en-GB" dirty="0" err="1"/>
               <a:t>PandaDoc</a:t>
             </a:r>
             <a:r>
-              <a:rPr lang="en-GB" sz="2200" dirty="0"/>
-              <a:t>. They seem to offer a number of features on group collaboration, task management, security, etc.</a:t>
+              <a:rPr lang="en-GB" dirty="0"/>
+              <a:t>.</a:t>
             </a:r>
           </a:p>
           <a:p>
-            <a:pPr>
+            <a:pPr marL="0" indent="0">
               <a:lnSpc>
                 <a:spcPct val="110000"/>
               </a:lnSpc>
+              <a:buNone/>
             </a:pPr>
-            <a:endParaRPr lang="en-GB" sz="2200" dirty="0"/>
+            <a:r>
+              <a:rPr lang="en-GB" dirty="0"/>
+              <a:t> </a:t>
+            </a:r>
           </a:p>
           <a:p>
             <a:pPr>
@@ -15750,7 +15754,7 @@
               </a:lnSpc>
             </a:pPr>
             <a:r>
-              <a:rPr lang="en-GB" sz="2200" dirty="0"/>
+              <a:rPr lang="en-GB" dirty="0"/>
               <a:t>They even seemed to be used by a lot of prestigious companies.</a:t>
             </a:r>
           </a:p>
@@ -15890,13 +15894,13 @@
   <p:clrMapOvr>
     <a:masterClrMapping/>
   </p:clrMapOvr>
-  <mc:AlternateContent xmlns:mc="http://schemas.openxmlformats.org/markup-compatibility/2006">
-    <mc:Choice xmlns:p15="http://schemas.microsoft.com/office/powerpoint/2012/main" Requires="p15">
+  <mc:AlternateContent xmlns:mc="http://schemas.openxmlformats.org/markup-compatibility/2006" xmlns:p15="http://schemas.microsoft.com/office/powerpoint/2012/main">
+    <mc:Choice Requires="p15">
       <p:transition spd="slow">
         <p15:prstTrans prst="peelOff" invX="1"/>
       </p:transition>
     </mc:Choice>
-    <mc:Fallback>
+    <mc:Fallback xmlns="">
       <p:transition spd="slow">
         <p:fade/>
       </p:transition>
@@ -16079,15 +16083,76 @@
                                   </p:childTnLst>
                                 </p:cTn>
                               </p:par>
+                            </p:childTnLst>
+                          </p:cTn>
+                        </p:par>
+                      </p:childTnLst>
+                    </p:cTn>
+                  </p:par>
+                  <p:par>
+                    <p:cTn id="18" fill="hold">
+                      <p:stCondLst>
+                        <p:cond delay="indefinite"/>
+                      </p:stCondLst>
+                      <p:childTnLst>
+                        <p:par>
+                          <p:cTn id="19" fill="hold">
+                            <p:stCondLst>
+                              <p:cond delay="0"/>
+                            </p:stCondLst>
+                            <p:childTnLst>
                               <p:par>
-                                <p:cTn id="18" presetID="16" presetClass="entr" presetSubtype="37" fill="hold" nodeType="withEffect">
+                                <p:cTn id="20" presetID="16" presetClass="entr" presetSubtype="37" fill="hold" grpId="0" nodeType="clickEffect">
                                   <p:stCondLst>
                                     <p:cond delay="0"/>
                                   </p:stCondLst>
                                   <p:childTnLst>
                                     <p:set>
                                       <p:cBhvr>
-                                        <p:cTn id="19" dur="1" fill="hold">
+                                        <p:cTn id="21" dur="1" fill="hold">
+                                          <p:stCondLst>
+                                            <p:cond delay="0"/>
+                                          </p:stCondLst>
+                                        </p:cTn>
+                                        <p:tgtEl>
+                                          <p:spTgt spid="3">
+                                            <p:txEl>
+                                              <p:pRg st="3" end="3"/>
+                                            </p:txEl>
+                                          </p:spTgt>
+                                        </p:tgtEl>
+                                        <p:attrNameLst>
+                                          <p:attrName>style.visibility</p:attrName>
+                                        </p:attrNameLst>
+                                      </p:cBhvr>
+                                      <p:to>
+                                        <p:strVal val="visible"/>
+                                      </p:to>
+                                    </p:set>
+                                    <p:animEffect transition="in" filter="barn(outVertical)">
+                                      <p:cBhvr>
+                                        <p:cTn id="22" dur="500"/>
+                                        <p:tgtEl>
+                                          <p:spTgt spid="3">
+                                            <p:txEl>
+                                              <p:pRg st="3" end="3"/>
+                                            </p:txEl>
+                                          </p:spTgt>
+                                        </p:tgtEl>
+                                      </p:cBhvr>
+                                    </p:animEffect>
+                                  </p:childTnLst>
+                                </p:cTn>
+                              </p:par>
+                              <p:par>
+                                <p:cTn id="23" presetID="16" presetClass="entr" presetSubtype="37" fill="hold" nodeType="withEffect">
+                                  <p:stCondLst>
+                                    <p:cond delay="0"/>
+                                  </p:stCondLst>
+                                  <p:childTnLst>
+                                    <p:set>
+                                      <p:cBhvr>
+                                        <p:cTn id="24" dur="1" fill="hold">
                                           <p:stCondLst>
                                             <p:cond delay="0"/>
                                           </p:stCondLst>
@@ -16105,7 +16170,7 @@
                                     </p:set>
                                     <p:animEffect transition="in" filter="barn(outVertical)">
                                       <p:cBhvr>
-                                        <p:cTn id="20" dur="500"/>
+                                        <p:cTn id="25" dur="500"/>
                                         <p:tgtEl>
                                           <p:spTgt spid="6"/>
                                         </p:tgtEl>
@@ -16115,14 +16180,14 @@
                                 </p:cTn>
                               </p:par>
                               <p:par>
-                                <p:cTn id="21" presetID="16" presetClass="entr" presetSubtype="37" fill="hold" nodeType="withEffect">
+                                <p:cTn id="26" presetID="16" presetClass="entr" presetSubtype="37" fill="hold" nodeType="withEffect">
                                   <p:stCondLst>
                                     <p:cond delay="0"/>
                                   </p:stCondLst>
                                   <p:childTnLst>
                                     <p:set>
                                       <p:cBhvr>
-                                        <p:cTn id="22" dur="1" fill="hold">
+                                        <p:cTn id="27" dur="1" fill="hold">
                                           <p:stCondLst>
                                             <p:cond delay="0"/>
                                           </p:stCondLst>
@@ -16140,7 +16205,7 @@
                                     </p:set>
                                     <p:animEffect transition="in" filter="barn(outVertical)">
                                       <p:cBhvr>
-                                        <p:cTn id="23" dur="500"/>
+                                        <p:cTn id="28" dur="500"/>
                                         <p:tgtEl>
                                           <p:spTgt spid="8"/>
                                         </p:tgtEl>
@@ -16156,26 +16221,26 @@
                     </p:cTn>
                   </p:par>
                   <p:par>
-                    <p:cTn id="24" fill="hold">
+                    <p:cTn id="29" fill="hold">
                       <p:stCondLst>
                         <p:cond delay="indefinite"/>
                       </p:stCondLst>
                       <p:childTnLst>
                         <p:par>
-                          <p:cTn id="25" fill="hold">
+                          <p:cTn id="30" fill="hold">
                             <p:stCondLst>
                               <p:cond delay="0"/>
                             </p:stCondLst>
                             <p:childTnLst>
                               <p:par>
-                                <p:cTn id="26" presetID="16" presetClass="entr" presetSubtype="37" fill="hold" grpId="0" nodeType="clickEffect">
+                                <p:cTn id="31" presetID="16" presetClass="entr" presetSubtype="37" fill="hold" grpId="0" nodeType="clickEffect">
                                   <p:stCondLst>
                                     <p:cond delay="0"/>
                                   </p:stCondLst>
                                   <p:childTnLst>
                                     <p:set>
                                       <p:cBhvr>
-                                        <p:cTn id="27" dur="1" fill="hold">
+                                        <p:cTn id="32" dur="1" fill="hold">
                                           <p:stCondLst>
                                             <p:cond delay="0"/>
                                           </p:stCondLst>
@@ -16197,7 +16262,7 @@
                                     </p:set>
                                     <p:animEffect transition="in" filter="barn(outVertical)">
                                       <p:cBhvr>
-                                        <p:cTn id="28" dur="500"/>
+                                        <p:cTn id="33" dur="500"/>
                                         <p:tgtEl>
                                           <p:spTgt spid="3">
                                             <p:txEl>
@@ -16211,14 +16276,14 @@
                                 </p:cTn>
                               </p:par>
                               <p:par>
-                                <p:cTn id="29" presetID="16" presetClass="exit" presetSubtype="21" fill="hold" nodeType="withEffect">
+                                <p:cTn id="34" presetID="16" presetClass="exit" presetSubtype="21" fill="hold" nodeType="withEffect">
                                   <p:stCondLst>
                                     <p:cond delay="0"/>
                                   </p:stCondLst>
                                   <p:childTnLst>
                                     <p:animEffect transition="out" filter="barn(inVertical)">
                                       <p:cBhvr>
-                                        <p:cTn id="30" dur="500"/>
+                                        <p:cTn id="35" dur="500"/>
                                         <p:tgtEl>
                                           <p:spTgt spid="6"/>
                                         </p:tgtEl>
@@ -16226,7 +16291,7 @@
                                     </p:animEffect>
                                     <p:set>
                                       <p:cBhvr>
-                                        <p:cTn id="31" dur="1" fill="hold">
+                                        <p:cTn id="36" dur="1" fill="hold">
                                           <p:stCondLst>
                                             <p:cond delay="499"/>
                                           </p:stCondLst>
@@ -16246,14 +16311,14 @@
                                 </p:cTn>
                               </p:par>
                               <p:par>
-                                <p:cTn id="32" presetID="16" presetClass="exit" presetSubtype="21" fill="hold" nodeType="withEffect">
+                                <p:cTn id="37" presetID="16" presetClass="exit" presetSubtype="21" fill="hold" nodeType="withEffect">
                                   <p:stCondLst>
                                     <p:cond delay="0"/>
                                   </p:stCondLst>
                                   <p:childTnLst>
                                     <p:animEffect transition="out" filter="barn(inVertical)">
                                       <p:cBhvr>
-                                        <p:cTn id="33" dur="500"/>
+                                        <p:cTn id="38" dur="500"/>
                                         <p:tgtEl>
                                           <p:spTgt spid="8"/>
                                         </p:tgtEl>
@@ -16261,7 +16326,7 @@
                                     </p:animEffect>
                                     <p:set>
                                       <p:cBhvr>
-                                        <p:cTn id="34" dur="1" fill="hold">
+                                        <p:cTn id="39" dur="1" fill="hold">
                                           <p:stCondLst>
                                             <p:cond delay="499"/>
                                           </p:stCondLst>
@@ -16284,20 +16349,20 @@
                           </p:cTn>
                         </p:par>
                         <p:par>
-                          <p:cTn id="35" fill="hold">
+                          <p:cTn id="40" fill="hold">
                             <p:stCondLst>
                               <p:cond delay="500"/>
                             </p:stCondLst>
                             <p:childTnLst>
                               <p:par>
-                                <p:cTn id="36" presetID="16" presetClass="entr" presetSubtype="37" fill="hold" nodeType="afterEffect">
+                                <p:cTn id="41" presetID="16" presetClass="entr" presetSubtype="37" fill="hold" nodeType="afterEffect">
                                   <p:stCondLst>
                                     <p:cond delay="0"/>
                                   </p:stCondLst>
                                   <p:childTnLst>
                                     <p:set>
                                       <p:cBhvr>
-                                        <p:cTn id="37" dur="1" fill="hold">
+                                        <p:cTn id="42" dur="1" fill="hold">
                                           <p:stCondLst>
                                             <p:cond delay="0"/>
                                           </p:stCondLst>
@@ -16315,7 +16380,7 @@
                                     </p:set>
                                     <p:animEffect transition="in" filter="barn(outVertical)">
                                       <p:cBhvr>
-                                        <p:cTn id="38" dur="500"/>
+                                        <p:cTn id="43" dur="500"/>
                                         <p:tgtEl>
                                           <p:spTgt spid="10"/>
                                         </p:tgtEl>
@@ -16325,14 +16390,14 @@
                                 </p:cTn>
                               </p:par>
                               <p:par>
-                                <p:cTn id="39" presetID="16" presetClass="entr" presetSubtype="37" fill="hold" nodeType="withEffect">
+                                <p:cTn id="44" presetID="16" presetClass="entr" presetSubtype="37" fill="hold" nodeType="withEffect">
                                   <p:stCondLst>
                                     <p:cond delay="0"/>
                                   </p:stCondLst>
                                   <p:childTnLst>
                                     <p:set>
                                       <p:cBhvr>
-                                        <p:cTn id="40" dur="1" fill="hold">
+                                        <p:cTn id="45" dur="1" fill="hold">
                                           <p:stCondLst>
                                             <p:cond delay="0"/>
                                           </p:stCondLst>
@@ -16350,7 +16415,7 @@
                                     </p:set>
                                     <p:animEffect transition="in" filter="barn(outVertical)">
                                       <p:cBhvr>
-                                        <p:cTn id="41" dur="500"/>
+                                        <p:cTn id="46" dur="500"/>
                                         <p:tgtEl>
                                           <p:spTgt spid="12"/>
                                         </p:tgtEl>
@@ -16483,15 +16548,7 @@
           <a:p>
             <a:r>
               <a:rPr lang="en-GB" dirty="0"/>
-              <a:t>The other reason </a:t>
-            </a:r>
-            <a:r>
-              <a:rPr lang="en-GB"/>
-              <a:t>is that, </a:t>
-            </a:r>
-            <a:r>
-              <a:rPr lang="en-GB" dirty="0"/>
-              <a:t>the features they provide weren’t necessary for our project.</a:t>
+              <a:t>The other reason is that, the features they provided weren’t necessary for our project.</a:t>
             </a:r>
           </a:p>
           <a:p>
@@ -16590,13 +16647,13 @@
   <p:clrMapOvr>
     <a:masterClrMapping/>
   </p:clrMapOvr>
-  <mc:AlternateContent xmlns:mc="http://schemas.openxmlformats.org/markup-compatibility/2006">
-    <mc:Choice xmlns:p15="http://schemas.microsoft.com/office/powerpoint/2012/main" Requires="p15">
+  <mc:AlternateContent xmlns:mc="http://schemas.openxmlformats.org/markup-compatibility/2006" xmlns:p15="http://schemas.microsoft.com/office/powerpoint/2012/main">
+    <mc:Choice Requires="p15">
       <p:transition spd="slow">
         <p15:prstTrans prst="peelOff"/>
       </p:transition>
     </mc:Choice>
-    <mc:Fallback>
+    <mc:Fallback xmlns="">
       <p:transition spd="slow">
         <p:fade/>
       </p:transition>

--- a/Topic 9 - AE1.pptx
+++ b/Topic 9 - AE1.pptx
@@ -216,7 +216,7 @@
           <a:p>
             <a:fld id="{44431D39-EF05-4892-A0FC-FAB39E7DD3E1}" type="datetimeFigureOut">
               <a:rPr lang="en-GB" smtClean="0"/>
-              <a:t>07/04/2018</a:t>
+              <a:t>10/04/2018</a:t>
             </a:fld>
             <a:endParaRPr lang="en-GB"/>
           </a:p>
@@ -1053,7 +1053,7 @@
           <a:noFill/>
           <a:extLst>
             <a:ext uri="{909E8E84-426E-40dd-AFC4-6F175D3DCCD1}">
-              <a14:hiddenFill xmlns="" xmlns:a14="http://schemas.microsoft.com/office/drawing/2010/main">
+              <a14:hiddenFill xmlns:a14="http://schemas.microsoft.com/office/drawing/2010/main" xmlns="">
                 <a:solidFill>
                   <a:srgbClr val="FFFFFF"/>
                 </a:solidFill>
@@ -1113,7 +1113,7 @@
             </a:ln>
             <a:extLst>
               <a:ext uri="{91240B29-F687-4f45-9708-019B960494DF}">
-                <a14:hiddenLine xmlns="" xmlns:a14="http://schemas.microsoft.com/office/drawing/2010/main" w="9525">
+                <a14:hiddenLine xmlns:a14="http://schemas.microsoft.com/office/drawing/2010/main" xmlns="" w="9525">
                   <a:solidFill>
                     <a:srgbClr val="000000"/>
                   </a:solidFill>
@@ -1203,7 +1203,7 @@
             </a:ln>
             <a:extLst>
               <a:ext uri="{91240B29-F687-4f45-9708-019B960494DF}">
-                <a14:hiddenLine xmlns="" xmlns:a14="http://schemas.microsoft.com/office/drawing/2010/main" w="9525">
+                <a14:hiddenLine xmlns:a14="http://schemas.microsoft.com/office/drawing/2010/main" xmlns="" w="9525">
                   <a:solidFill>
                     <a:srgbClr val="000000"/>
                   </a:solidFill>
@@ -1293,7 +1293,7 @@
             </a:ln>
             <a:extLst>
               <a:ext uri="{91240B29-F687-4f45-9708-019B960494DF}">
-                <a14:hiddenLine xmlns="" xmlns:a14="http://schemas.microsoft.com/office/drawing/2010/main" w="9525">
+                <a14:hiddenLine xmlns:a14="http://schemas.microsoft.com/office/drawing/2010/main" xmlns="" w="9525">
                   <a:solidFill>
                     <a:srgbClr val="000000"/>
                   </a:solidFill>
@@ -1327,7 +1327,7 @@
             </a:ln>
             <a:extLst>
               <a:ext uri="{91240B29-F687-4f45-9708-019B960494DF}">
-                <a14:hiddenLine xmlns="" xmlns:a14="http://schemas.microsoft.com/office/drawing/2010/main" w="9525">
+                <a14:hiddenLine xmlns:a14="http://schemas.microsoft.com/office/drawing/2010/main" xmlns="" w="9525">
                   <a:solidFill>
                     <a:srgbClr val="000000"/>
                   </a:solidFill>
@@ -1417,7 +1417,7 @@
             </a:ln>
             <a:extLst>
               <a:ext uri="{91240B29-F687-4f45-9708-019B960494DF}">
-                <a14:hiddenLine xmlns="" xmlns:a14="http://schemas.microsoft.com/office/drawing/2010/main" w="9525">
+                <a14:hiddenLine xmlns:a14="http://schemas.microsoft.com/office/drawing/2010/main" xmlns="" w="9525">
                   <a:solidFill>
                     <a:srgbClr val="000000"/>
                   </a:solidFill>
@@ -1479,7 +1479,7 @@
             </a:ln>
             <a:extLst>
               <a:ext uri="{91240B29-F687-4f45-9708-019B960494DF}">
-                <a14:hiddenLine xmlns="" xmlns:a14="http://schemas.microsoft.com/office/drawing/2010/main" w="9525">
+                <a14:hiddenLine xmlns:a14="http://schemas.microsoft.com/office/drawing/2010/main" xmlns="" w="9525">
                   <a:solidFill>
                     <a:srgbClr val="000000"/>
                   </a:solidFill>
@@ -1541,7 +1541,7 @@
             </a:ln>
             <a:extLst>
               <a:ext uri="{91240B29-F687-4f45-9708-019B960494DF}">
-                <a14:hiddenLine xmlns="" xmlns:a14="http://schemas.microsoft.com/office/drawing/2010/main" w="9525">
+                <a14:hiddenLine xmlns:a14="http://schemas.microsoft.com/office/drawing/2010/main" xmlns="" w="9525">
                   <a:solidFill>
                     <a:srgbClr val="000000"/>
                   </a:solidFill>
@@ -1631,7 +1631,7 @@
             </a:ln>
             <a:extLst>
               <a:ext uri="{91240B29-F687-4f45-9708-019B960494DF}">
-                <a14:hiddenLine xmlns="" xmlns:a14="http://schemas.microsoft.com/office/drawing/2010/main" w="9525">
+                <a14:hiddenLine xmlns:a14="http://schemas.microsoft.com/office/drawing/2010/main" xmlns="" w="9525">
                   <a:solidFill>
                     <a:srgbClr val="000000"/>
                   </a:solidFill>
@@ -1693,7 +1693,7 @@
             </a:ln>
             <a:extLst>
               <a:ext uri="{91240B29-F687-4f45-9708-019B960494DF}">
-                <a14:hiddenLine xmlns="" xmlns:a14="http://schemas.microsoft.com/office/drawing/2010/main" w="9525">
+                <a14:hiddenLine xmlns:a14="http://schemas.microsoft.com/office/drawing/2010/main" xmlns="" w="9525">
                   <a:solidFill>
                     <a:srgbClr val="000000"/>
                   </a:solidFill>
@@ -1755,7 +1755,7 @@
             </a:ln>
             <a:extLst>
               <a:ext uri="{91240B29-F687-4f45-9708-019B960494DF}">
-                <a14:hiddenLine xmlns="" xmlns:a14="http://schemas.microsoft.com/office/drawing/2010/main" w="9525">
+                <a14:hiddenLine xmlns:a14="http://schemas.microsoft.com/office/drawing/2010/main" xmlns="" w="9525">
                   <a:solidFill>
                     <a:srgbClr val="000000"/>
                   </a:solidFill>
@@ -1845,7 +1845,7 @@
             </a:ln>
             <a:extLst>
               <a:ext uri="{91240B29-F687-4f45-9708-019B960494DF}">
-                <a14:hiddenLine xmlns="" xmlns:a14="http://schemas.microsoft.com/office/drawing/2010/main" w="9525">
+                <a14:hiddenLine xmlns:a14="http://schemas.microsoft.com/office/drawing/2010/main" xmlns="" w="9525">
                   <a:solidFill>
                     <a:srgbClr val="000000"/>
                   </a:solidFill>
@@ -1935,7 +1935,7 @@
             </a:ln>
             <a:extLst>
               <a:ext uri="{91240B29-F687-4f45-9708-019B960494DF}">
-                <a14:hiddenLine xmlns="" xmlns:a14="http://schemas.microsoft.com/office/drawing/2010/main" w="9525">
+                <a14:hiddenLine xmlns:a14="http://schemas.microsoft.com/office/drawing/2010/main" xmlns="" w="9525">
                   <a:solidFill>
                     <a:srgbClr val="000000"/>
                   </a:solidFill>
@@ -1997,7 +1997,7 @@
             </a:ln>
             <a:extLst>
               <a:ext uri="{91240B29-F687-4f45-9708-019B960494DF}">
-                <a14:hiddenLine xmlns="" xmlns:a14="http://schemas.microsoft.com/office/drawing/2010/main" w="9525">
+                <a14:hiddenLine xmlns:a14="http://schemas.microsoft.com/office/drawing/2010/main" xmlns="" w="9525">
                   <a:solidFill>
                     <a:srgbClr val="000000"/>
                   </a:solidFill>
@@ -2107,7 +2107,7 @@
             </a:ln>
             <a:extLst>
               <a:ext uri="{91240B29-F687-4f45-9708-019B960494DF}">
-                <a14:hiddenLine xmlns="" xmlns:a14="http://schemas.microsoft.com/office/drawing/2010/main" w="9525">
+                <a14:hiddenLine xmlns:a14="http://schemas.microsoft.com/office/drawing/2010/main" xmlns="" w="9525">
                   <a:solidFill>
                     <a:srgbClr val="000000"/>
                   </a:solidFill>
@@ -2169,7 +2169,7 @@
             </a:ln>
             <a:extLst>
               <a:ext uri="{91240B29-F687-4f45-9708-019B960494DF}">
-                <a14:hiddenLine xmlns="" xmlns:a14="http://schemas.microsoft.com/office/drawing/2010/main" w="9525">
+                <a14:hiddenLine xmlns:a14="http://schemas.microsoft.com/office/drawing/2010/main" xmlns="" w="9525">
                   <a:solidFill>
                     <a:srgbClr val="000000"/>
                   </a:solidFill>
@@ -2259,7 +2259,7 @@
             </a:ln>
             <a:extLst>
               <a:ext uri="{91240B29-F687-4f45-9708-019B960494DF}">
-                <a14:hiddenLine xmlns="" xmlns:a14="http://schemas.microsoft.com/office/drawing/2010/main" w="9525">
+                <a14:hiddenLine xmlns:a14="http://schemas.microsoft.com/office/drawing/2010/main" xmlns="" w="9525">
                   <a:solidFill>
                     <a:srgbClr val="000000"/>
                   </a:solidFill>
@@ -2349,7 +2349,7 @@
             </a:ln>
             <a:extLst>
               <a:ext uri="{91240B29-F687-4f45-9708-019B960494DF}">
-                <a14:hiddenLine xmlns="" xmlns:a14="http://schemas.microsoft.com/office/drawing/2010/main" w="9525">
+                <a14:hiddenLine xmlns:a14="http://schemas.microsoft.com/office/drawing/2010/main" xmlns="" w="9525">
                   <a:solidFill>
                     <a:srgbClr val="000000"/>
                   </a:solidFill>
@@ -2411,7 +2411,7 @@
             </a:ln>
             <a:extLst>
               <a:ext uri="{91240B29-F687-4f45-9708-019B960494DF}">
-                <a14:hiddenLine xmlns="" xmlns:a14="http://schemas.microsoft.com/office/drawing/2010/main" w="9525">
+                <a14:hiddenLine xmlns:a14="http://schemas.microsoft.com/office/drawing/2010/main" xmlns="" w="9525">
                   <a:solidFill>
                     <a:srgbClr val="000000"/>
                   </a:solidFill>
@@ -2501,7 +2501,7 @@
             </a:ln>
             <a:extLst>
               <a:ext uri="{91240B29-F687-4f45-9708-019B960494DF}">
-                <a14:hiddenLine xmlns="" xmlns:a14="http://schemas.microsoft.com/office/drawing/2010/main" w="9525">
+                <a14:hiddenLine xmlns:a14="http://schemas.microsoft.com/office/drawing/2010/main" xmlns="" w="9525">
                   <a:solidFill>
                     <a:srgbClr val="000000"/>
                   </a:solidFill>
@@ -2591,7 +2591,7 @@
             </a:ln>
             <a:extLst>
               <a:ext uri="{91240B29-F687-4f45-9708-019B960494DF}">
-                <a14:hiddenLine xmlns="" xmlns:a14="http://schemas.microsoft.com/office/drawing/2010/main" w="9525">
+                <a14:hiddenLine xmlns:a14="http://schemas.microsoft.com/office/drawing/2010/main" xmlns="" w="9525">
                   <a:solidFill>
                     <a:srgbClr val="000000"/>
                   </a:solidFill>
@@ -2647,7 +2647,7 @@
             </a:ln>
             <a:extLst>
               <a:ext uri="{91240B29-F687-4f45-9708-019B960494DF}">
-                <a14:hiddenLine xmlns="" xmlns:a14="http://schemas.microsoft.com/office/drawing/2010/main" w="9525">
+                <a14:hiddenLine xmlns:a14="http://schemas.microsoft.com/office/drawing/2010/main" xmlns="" w="9525">
                   <a:solidFill>
                     <a:srgbClr val="000000"/>
                   </a:solidFill>
@@ -2737,7 +2737,7 @@
             </a:ln>
             <a:extLst>
               <a:ext uri="{91240B29-F687-4f45-9708-019B960494DF}">
-                <a14:hiddenLine xmlns="" xmlns:a14="http://schemas.microsoft.com/office/drawing/2010/main" w="9525">
+                <a14:hiddenLine xmlns:a14="http://schemas.microsoft.com/office/drawing/2010/main" xmlns="" w="9525">
                   <a:solidFill>
                     <a:srgbClr val="000000"/>
                   </a:solidFill>
@@ -2793,7 +2793,7 @@
             </a:ln>
             <a:extLst>
               <a:ext uri="{91240B29-F687-4f45-9708-019B960494DF}">
-                <a14:hiddenLine xmlns="" xmlns:a14="http://schemas.microsoft.com/office/drawing/2010/main" w="9525">
+                <a14:hiddenLine xmlns:a14="http://schemas.microsoft.com/office/drawing/2010/main" xmlns="" w="9525">
                   <a:solidFill>
                     <a:srgbClr val="000000"/>
                   </a:solidFill>
@@ -2883,7 +2883,7 @@
             </a:ln>
             <a:extLst>
               <a:ext uri="{91240B29-F687-4f45-9708-019B960494DF}">
-                <a14:hiddenLine xmlns="" xmlns:a14="http://schemas.microsoft.com/office/drawing/2010/main" w="9525">
+                <a14:hiddenLine xmlns:a14="http://schemas.microsoft.com/office/drawing/2010/main" xmlns="" w="9525">
                   <a:solidFill>
                     <a:srgbClr val="000000"/>
                   </a:solidFill>
@@ -2951,7 +2951,7 @@
             </a:ln>
             <a:extLst>
               <a:ext uri="{91240B29-F687-4f45-9708-019B960494DF}">
-                <a14:hiddenLine xmlns="" xmlns:a14="http://schemas.microsoft.com/office/drawing/2010/main" w="9525">
+                <a14:hiddenLine xmlns:a14="http://schemas.microsoft.com/office/drawing/2010/main" xmlns="" w="9525">
                   <a:solidFill>
                     <a:srgbClr val="000000"/>
                   </a:solidFill>
@@ -3041,7 +3041,7 @@
             </a:ln>
             <a:extLst>
               <a:ext uri="{91240B29-F687-4f45-9708-019B960494DF}">
-                <a14:hiddenLine xmlns="" xmlns:a14="http://schemas.microsoft.com/office/drawing/2010/main" w="9525">
+                <a14:hiddenLine xmlns:a14="http://schemas.microsoft.com/office/drawing/2010/main" xmlns="" w="9525">
                   <a:solidFill>
                     <a:srgbClr val="000000"/>
                   </a:solidFill>
@@ -3109,7 +3109,7 @@
             </a:ln>
             <a:extLst>
               <a:ext uri="{91240B29-F687-4f45-9708-019B960494DF}">
-                <a14:hiddenLine xmlns="" xmlns:a14="http://schemas.microsoft.com/office/drawing/2010/main" w="9525">
+                <a14:hiddenLine xmlns:a14="http://schemas.microsoft.com/office/drawing/2010/main" xmlns="" w="9525">
                   <a:solidFill>
                     <a:srgbClr val="000000"/>
                   </a:solidFill>
@@ -3199,7 +3199,7 @@
             </a:ln>
             <a:extLst>
               <a:ext uri="{91240B29-F687-4f45-9708-019B960494DF}">
-                <a14:hiddenLine xmlns="" xmlns:a14="http://schemas.microsoft.com/office/drawing/2010/main" w="9525">
+                <a14:hiddenLine xmlns:a14="http://schemas.microsoft.com/office/drawing/2010/main" xmlns="" w="9525">
                   <a:solidFill>
                     <a:srgbClr val="000000"/>
                   </a:solidFill>
@@ -3233,7 +3233,7 @@
             </a:ln>
             <a:extLst>
               <a:ext uri="{91240B29-F687-4f45-9708-019B960494DF}">
-                <a14:hiddenLine xmlns="" xmlns:a14="http://schemas.microsoft.com/office/drawing/2010/main" w="9525">
+                <a14:hiddenLine xmlns:a14="http://schemas.microsoft.com/office/drawing/2010/main" xmlns="" w="9525">
                   <a:solidFill>
                     <a:srgbClr val="000000"/>
                   </a:solidFill>
@@ -3323,7 +3323,7 @@
             </a:ln>
             <a:extLst>
               <a:ext uri="{91240B29-F687-4f45-9708-019B960494DF}">
-                <a14:hiddenLine xmlns="" xmlns:a14="http://schemas.microsoft.com/office/drawing/2010/main" w="9525">
+                <a14:hiddenLine xmlns:a14="http://schemas.microsoft.com/office/drawing/2010/main" xmlns="" w="9525">
                   <a:solidFill>
                     <a:srgbClr val="000000"/>
                   </a:solidFill>
@@ -3385,7 +3385,7 @@
             </a:ln>
             <a:extLst>
               <a:ext uri="{91240B29-F687-4f45-9708-019B960494DF}">
-                <a14:hiddenLine xmlns="" xmlns:a14="http://schemas.microsoft.com/office/drawing/2010/main" w="9525">
+                <a14:hiddenLine xmlns:a14="http://schemas.microsoft.com/office/drawing/2010/main" xmlns="" w="9525">
                   <a:solidFill>
                     <a:srgbClr val="000000"/>
                   </a:solidFill>
@@ -3447,7 +3447,7 @@
             </a:ln>
             <a:extLst>
               <a:ext uri="{91240B29-F687-4f45-9708-019B960494DF}">
-                <a14:hiddenLine xmlns="" xmlns:a14="http://schemas.microsoft.com/office/drawing/2010/main" w="9525">
+                <a14:hiddenLine xmlns:a14="http://schemas.microsoft.com/office/drawing/2010/main" xmlns="" w="9525">
                   <a:solidFill>
                     <a:srgbClr val="000000"/>
                   </a:solidFill>
@@ -3537,7 +3537,7 @@
             </a:ln>
             <a:extLst>
               <a:ext uri="{91240B29-F687-4f45-9708-019B960494DF}">
-                <a14:hiddenLine xmlns="" xmlns:a14="http://schemas.microsoft.com/office/drawing/2010/main" w="9525">
+                <a14:hiddenLine xmlns:a14="http://schemas.microsoft.com/office/drawing/2010/main" xmlns="" w="9525">
                   <a:solidFill>
                     <a:srgbClr val="000000"/>
                   </a:solidFill>
@@ -3605,7 +3605,7 @@
             </a:ln>
             <a:extLst>
               <a:ext uri="{91240B29-F687-4f45-9708-019B960494DF}">
-                <a14:hiddenLine xmlns="" xmlns:a14="http://schemas.microsoft.com/office/drawing/2010/main" w="9525">
+                <a14:hiddenLine xmlns:a14="http://schemas.microsoft.com/office/drawing/2010/main" xmlns="" w="9525">
                   <a:solidFill>
                     <a:srgbClr val="000000"/>
                   </a:solidFill>
@@ -3667,7 +3667,7 @@
             </a:ln>
             <a:extLst>
               <a:ext uri="{91240B29-F687-4f45-9708-019B960494DF}">
-                <a14:hiddenLine xmlns="" xmlns:a14="http://schemas.microsoft.com/office/drawing/2010/main" w="9525">
+                <a14:hiddenLine xmlns:a14="http://schemas.microsoft.com/office/drawing/2010/main" xmlns="" w="9525">
                   <a:solidFill>
                     <a:srgbClr val="000000"/>
                   </a:solidFill>
@@ -3757,7 +3757,7 @@
             </a:ln>
             <a:extLst>
               <a:ext uri="{91240B29-F687-4f45-9708-019B960494DF}">
-                <a14:hiddenLine xmlns="" xmlns:a14="http://schemas.microsoft.com/office/drawing/2010/main" w="9525">
+                <a14:hiddenLine xmlns:a14="http://schemas.microsoft.com/office/drawing/2010/main" xmlns="" w="9525">
                   <a:solidFill>
                     <a:srgbClr val="000000"/>
                   </a:solidFill>
@@ -3819,7 +3819,7 @@
             </a:ln>
             <a:extLst>
               <a:ext uri="{91240B29-F687-4f45-9708-019B960494DF}">
-                <a14:hiddenLine xmlns="" xmlns:a14="http://schemas.microsoft.com/office/drawing/2010/main" w="9525">
+                <a14:hiddenLine xmlns:a14="http://schemas.microsoft.com/office/drawing/2010/main" xmlns="" w="9525">
                   <a:solidFill>
                     <a:srgbClr val="000000"/>
                   </a:solidFill>
@@ -3909,7 +3909,7 @@
             </a:ln>
             <a:extLst>
               <a:ext uri="{91240B29-F687-4f45-9708-019B960494DF}">
-                <a14:hiddenLine xmlns="" xmlns:a14="http://schemas.microsoft.com/office/drawing/2010/main" w="9525">
+                <a14:hiddenLine xmlns:a14="http://schemas.microsoft.com/office/drawing/2010/main" xmlns="" w="9525">
                   <a:solidFill>
                     <a:srgbClr val="000000"/>
                   </a:solidFill>
@@ -3971,7 +3971,7 @@
             </a:ln>
             <a:extLst>
               <a:ext uri="{91240B29-F687-4f45-9708-019B960494DF}">
-                <a14:hiddenLine xmlns="" xmlns:a14="http://schemas.microsoft.com/office/drawing/2010/main" w="9525">
+                <a14:hiddenLine xmlns:a14="http://schemas.microsoft.com/office/drawing/2010/main" xmlns="" w="9525">
                   <a:solidFill>
                     <a:srgbClr val="000000"/>
                   </a:solidFill>
@@ -4061,7 +4061,7 @@
             </a:ln>
             <a:extLst>
               <a:ext uri="{91240B29-F687-4f45-9708-019B960494DF}">
-                <a14:hiddenLine xmlns="" xmlns:a14="http://schemas.microsoft.com/office/drawing/2010/main" w="9525">
+                <a14:hiddenLine xmlns:a14="http://schemas.microsoft.com/office/drawing/2010/main" xmlns="" w="9525">
                   <a:solidFill>
                     <a:srgbClr val="000000"/>
                   </a:solidFill>
@@ -4095,7 +4095,7 @@
             </a:ln>
             <a:extLst>
               <a:ext uri="{91240B29-F687-4f45-9708-019B960494DF}">
-                <a14:hiddenLine xmlns="" xmlns:a14="http://schemas.microsoft.com/office/drawing/2010/main" w="9525">
+                <a14:hiddenLine xmlns:a14="http://schemas.microsoft.com/office/drawing/2010/main" xmlns="" w="9525">
                   <a:solidFill>
                     <a:srgbClr val="000000"/>
                   </a:solidFill>
@@ -4160,7 +4160,7 @@
             </a:ln>
             <a:extLst>
               <a:ext uri="{91240B29-F687-4f45-9708-019B960494DF}">
-                <a14:hiddenLine xmlns="" xmlns:a14="http://schemas.microsoft.com/office/drawing/2010/main" w="9525">
+                <a14:hiddenLine xmlns:a14="http://schemas.microsoft.com/office/drawing/2010/main" xmlns="" w="9525">
                   <a:solidFill>
                     <a:srgbClr val="000000"/>
                   </a:solidFill>
@@ -4250,7 +4250,7 @@
             </a:ln>
             <a:extLst>
               <a:ext uri="{91240B29-F687-4f45-9708-019B960494DF}">
-                <a14:hiddenLine xmlns="" xmlns:a14="http://schemas.microsoft.com/office/drawing/2010/main" w="9525">
+                <a14:hiddenLine xmlns:a14="http://schemas.microsoft.com/office/drawing/2010/main" xmlns="" w="9525">
                   <a:solidFill>
                     <a:srgbClr val="000000"/>
                   </a:solidFill>
@@ -4312,7 +4312,7 @@
             </a:ln>
             <a:extLst>
               <a:ext uri="{91240B29-F687-4f45-9708-019B960494DF}">
-                <a14:hiddenLine xmlns="" xmlns:a14="http://schemas.microsoft.com/office/drawing/2010/main" w="9525">
+                <a14:hiddenLine xmlns:a14="http://schemas.microsoft.com/office/drawing/2010/main" xmlns="" w="9525">
                   <a:solidFill>
                     <a:srgbClr val="000000"/>
                   </a:solidFill>
@@ -4402,7 +4402,7 @@
             </a:ln>
             <a:extLst>
               <a:ext uri="{91240B29-F687-4f45-9708-019B960494DF}">
-                <a14:hiddenLine xmlns="" xmlns:a14="http://schemas.microsoft.com/office/drawing/2010/main" w="9525">
+                <a14:hiddenLine xmlns:a14="http://schemas.microsoft.com/office/drawing/2010/main" xmlns="" w="9525">
                   <a:solidFill>
                     <a:srgbClr val="000000"/>
                   </a:solidFill>
@@ -4492,7 +4492,7 @@
             </a:ln>
             <a:extLst>
               <a:ext uri="{91240B29-F687-4f45-9708-019B960494DF}">
-                <a14:hiddenLine xmlns="" xmlns:a14="http://schemas.microsoft.com/office/drawing/2010/main" w="9525">
+                <a14:hiddenLine xmlns:a14="http://schemas.microsoft.com/office/drawing/2010/main" xmlns="" w="9525">
                   <a:solidFill>
                     <a:srgbClr val="000000"/>
                   </a:solidFill>
@@ -4557,7 +4557,7 @@
             </a:ln>
             <a:extLst>
               <a:ext uri="{91240B29-F687-4f45-9708-019B960494DF}">
-                <a14:hiddenLine xmlns="" xmlns:a14="http://schemas.microsoft.com/office/drawing/2010/main" w="9525">
+                <a14:hiddenLine xmlns:a14="http://schemas.microsoft.com/office/drawing/2010/main" xmlns="" w="9525">
                   <a:solidFill>
                     <a:srgbClr val="000000"/>
                   </a:solidFill>
@@ -4619,7 +4619,7 @@
             </a:ln>
             <a:extLst>
               <a:ext uri="{91240B29-F687-4f45-9708-019B960494DF}">
-                <a14:hiddenLine xmlns="" xmlns:a14="http://schemas.microsoft.com/office/drawing/2010/main" w="9525">
+                <a14:hiddenLine xmlns:a14="http://schemas.microsoft.com/office/drawing/2010/main" xmlns="" w="9525">
                   <a:solidFill>
                     <a:srgbClr val="000000"/>
                   </a:solidFill>
@@ -4709,7 +4709,7 @@
             </a:ln>
             <a:extLst>
               <a:ext uri="{91240B29-F687-4f45-9708-019B960494DF}">
-                <a14:hiddenLine xmlns="" xmlns:a14="http://schemas.microsoft.com/office/drawing/2010/main" w="9525">
+                <a14:hiddenLine xmlns:a14="http://schemas.microsoft.com/office/drawing/2010/main" xmlns="" w="9525">
                   <a:solidFill>
                     <a:srgbClr val="000000"/>
                   </a:solidFill>
@@ -4799,7 +4799,7 @@
             </a:ln>
             <a:extLst>
               <a:ext uri="{91240B29-F687-4f45-9708-019B960494DF}">
-                <a14:hiddenLine xmlns="" xmlns:a14="http://schemas.microsoft.com/office/drawing/2010/main" w="9525">
+                <a14:hiddenLine xmlns:a14="http://schemas.microsoft.com/office/drawing/2010/main" xmlns="" w="9525">
                   <a:solidFill>
                     <a:srgbClr val="000000"/>
                   </a:solidFill>
@@ -4861,7 +4861,7 @@
             </a:ln>
             <a:extLst>
               <a:ext uri="{91240B29-F687-4f45-9708-019B960494DF}">
-                <a14:hiddenLine xmlns="" xmlns:a14="http://schemas.microsoft.com/office/drawing/2010/main" w="9525">
+                <a14:hiddenLine xmlns:a14="http://schemas.microsoft.com/office/drawing/2010/main" xmlns="" w="9525">
                   <a:solidFill>
                     <a:srgbClr val="000000"/>
                   </a:solidFill>
@@ -4981,7 +4981,7 @@
             </a:ln>
             <a:extLst>
               <a:ext uri="{91240B29-F687-4f45-9708-019B960494DF}">
-                <a14:hiddenLine xmlns="" xmlns:a14="http://schemas.microsoft.com/office/drawing/2010/main" w="9525">
+                <a14:hiddenLine xmlns:a14="http://schemas.microsoft.com/office/drawing/2010/main" xmlns="" w="9525">
                   <a:solidFill>
                     <a:srgbClr val="000000"/>
                   </a:solidFill>
@@ -5049,7 +5049,7 @@
             </a:ln>
             <a:extLst>
               <a:ext uri="{91240B29-F687-4f45-9708-019B960494DF}">
-                <a14:hiddenLine xmlns="" xmlns:a14="http://schemas.microsoft.com/office/drawing/2010/main" w="9525">
+                <a14:hiddenLine xmlns:a14="http://schemas.microsoft.com/office/drawing/2010/main" xmlns="" w="9525">
                   <a:solidFill>
                     <a:srgbClr val="000000"/>
                   </a:solidFill>
@@ -5139,7 +5139,7 @@
             </a:ln>
             <a:extLst>
               <a:ext uri="{91240B29-F687-4f45-9708-019B960494DF}">
-                <a14:hiddenLine xmlns="" xmlns:a14="http://schemas.microsoft.com/office/drawing/2010/main" w="9525">
+                <a14:hiddenLine xmlns:a14="http://schemas.microsoft.com/office/drawing/2010/main" xmlns="" w="9525">
                   <a:solidFill>
                     <a:srgbClr val="000000"/>
                   </a:solidFill>
@@ -5279,7 +5279,7 @@
           <a:p>
             <a:fld id="{C4C0C060-C3B5-443A-A207-3B90D6A656A5}" type="datetimeFigureOut">
               <a:rPr lang="en-GB" smtClean="0"/>
-              <a:t>07/04/2018</a:t>
+              <a:t>10/04/2018</a:t>
             </a:fld>
             <a:endParaRPr lang="en-GB"/>
           </a:p>
@@ -5546,7 +5546,7 @@
           <a:p>
             <a:fld id="{C4C0C060-C3B5-443A-A207-3B90D6A656A5}" type="datetimeFigureOut">
               <a:rPr lang="en-GB" smtClean="0"/>
-              <a:t>07/04/2018</a:t>
+              <a:t>10/04/2018</a:t>
             </a:fld>
             <a:endParaRPr lang="en-GB"/>
           </a:p>
@@ -5742,7 +5742,7 @@
           <a:p>
             <a:fld id="{C4C0C060-C3B5-443A-A207-3B90D6A656A5}" type="datetimeFigureOut">
               <a:rPr lang="en-GB" smtClean="0"/>
-              <a:t>07/04/2018</a:t>
+              <a:t>10/04/2018</a:t>
             </a:fld>
             <a:endParaRPr lang="en-GB"/>
           </a:p>
@@ -6005,7 +6005,7 @@
           <a:p>
             <a:fld id="{C4C0C060-C3B5-443A-A207-3B90D6A656A5}" type="datetimeFigureOut">
               <a:rPr lang="en-GB" smtClean="0"/>
-              <a:t>07/04/2018</a:t>
+              <a:t>10/04/2018</a:t>
             </a:fld>
             <a:endParaRPr lang="en-GB"/>
           </a:p>
@@ -6439,7 +6439,7 @@
           <a:p>
             <a:fld id="{C4C0C060-C3B5-443A-A207-3B90D6A656A5}" type="datetimeFigureOut">
               <a:rPr lang="en-GB" smtClean="0"/>
-              <a:t>07/04/2018</a:t>
+              <a:t>10/04/2018</a:t>
             </a:fld>
             <a:endParaRPr lang="en-GB"/>
           </a:p>
@@ -6985,7 +6985,7 @@
           <a:p>
             <a:fld id="{C4C0C060-C3B5-443A-A207-3B90D6A656A5}" type="datetimeFigureOut">
               <a:rPr lang="en-GB" smtClean="0"/>
-              <a:t>07/04/2018</a:t>
+              <a:t>10/04/2018</a:t>
             </a:fld>
             <a:endParaRPr lang="en-GB"/>
           </a:p>
@@ -7705,7 +7705,7 @@
           <a:p>
             <a:fld id="{C4C0C060-C3B5-443A-A207-3B90D6A656A5}" type="datetimeFigureOut">
               <a:rPr lang="en-GB" smtClean="0"/>
-              <a:t>07/04/2018</a:t>
+              <a:t>10/04/2018</a:t>
             </a:fld>
             <a:endParaRPr lang="en-GB"/>
           </a:p>
@@ -7875,7 +7875,7 @@
           <a:p>
             <a:fld id="{C4C0C060-C3B5-443A-A207-3B90D6A656A5}" type="datetimeFigureOut">
               <a:rPr lang="en-GB" smtClean="0"/>
-              <a:t>07/04/2018</a:t>
+              <a:t>10/04/2018</a:t>
             </a:fld>
             <a:endParaRPr lang="en-GB"/>
           </a:p>
@@ -8055,7 +8055,7 @@
           <a:p>
             <a:fld id="{C4C0C060-C3B5-443A-A207-3B90D6A656A5}" type="datetimeFigureOut">
               <a:rPr lang="en-GB" smtClean="0"/>
-              <a:t>07/04/2018</a:t>
+              <a:t>10/04/2018</a:t>
             </a:fld>
             <a:endParaRPr lang="en-GB"/>
           </a:p>
@@ -8225,7 +8225,7 @@
           <a:p>
             <a:fld id="{C4C0C060-C3B5-443A-A207-3B90D6A656A5}" type="datetimeFigureOut">
               <a:rPr lang="en-GB" smtClean="0"/>
-              <a:t>07/04/2018</a:t>
+              <a:t>10/04/2018</a:t>
             </a:fld>
             <a:endParaRPr lang="en-GB"/>
           </a:p>
@@ -8475,7 +8475,7 @@
           <a:p>
             <a:fld id="{C4C0C060-C3B5-443A-A207-3B90D6A656A5}" type="datetimeFigureOut">
               <a:rPr lang="en-GB" smtClean="0"/>
-              <a:t>07/04/2018</a:t>
+              <a:t>10/04/2018</a:t>
             </a:fld>
             <a:endParaRPr lang="en-GB"/>
           </a:p>
@@ -8707,7 +8707,7 @@
           <a:p>
             <a:fld id="{C4C0C060-C3B5-443A-A207-3B90D6A656A5}" type="datetimeFigureOut">
               <a:rPr lang="en-GB" smtClean="0"/>
-              <a:t>07/04/2018</a:t>
+              <a:t>10/04/2018</a:t>
             </a:fld>
             <a:endParaRPr lang="en-GB"/>
           </a:p>
@@ -9088,7 +9088,7 @@
           <a:p>
             <a:fld id="{C4C0C060-C3B5-443A-A207-3B90D6A656A5}" type="datetimeFigureOut">
               <a:rPr lang="en-GB" smtClean="0"/>
-              <a:t>07/04/2018</a:t>
+              <a:t>10/04/2018</a:t>
             </a:fld>
             <a:endParaRPr lang="en-GB"/>
           </a:p>
@@ -9206,7 +9206,7 @@
           <a:p>
             <a:fld id="{C4C0C060-C3B5-443A-A207-3B90D6A656A5}" type="datetimeFigureOut">
               <a:rPr lang="en-GB" smtClean="0"/>
-              <a:t>07/04/2018</a:t>
+              <a:t>10/04/2018</a:t>
             </a:fld>
             <a:endParaRPr lang="en-GB"/>
           </a:p>
@@ -9301,7 +9301,7 @@
           <a:p>
             <a:fld id="{C4C0C060-C3B5-443A-A207-3B90D6A656A5}" type="datetimeFigureOut">
               <a:rPr lang="en-GB" smtClean="0"/>
-              <a:t>07/04/2018</a:t>
+              <a:t>10/04/2018</a:t>
             </a:fld>
             <a:endParaRPr lang="en-GB"/>
           </a:p>
@@ -9550,7 +9550,7 @@
           <a:p>
             <a:fld id="{C4C0C060-C3B5-443A-A207-3B90D6A656A5}" type="datetimeFigureOut">
               <a:rPr lang="en-GB" smtClean="0"/>
-              <a:t>07/04/2018</a:t>
+              <a:t>10/04/2018</a:t>
             </a:fld>
             <a:endParaRPr lang="en-GB"/>
           </a:p>
@@ -9830,7 +9830,7 @@
           <a:p>
             <a:fld id="{C4C0C060-C3B5-443A-A207-3B90D6A656A5}" type="datetimeFigureOut">
               <a:rPr lang="en-GB" smtClean="0"/>
-              <a:t>07/04/2018</a:t>
+              <a:t>10/04/2018</a:t>
             </a:fld>
             <a:endParaRPr lang="en-GB"/>
           </a:p>
@@ -9953,7 +9953,7 @@
           <a:noFill/>
           <a:extLst>
             <a:ext uri="{909E8E84-426E-40dd-AFC4-6F175D3DCCD1}">
-              <a14:hiddenFill xmlns="" xmlns:a14="http://schemas.microsoft.com/office/drawing/2010/main">
+              <a14:hiddenFill xmlns:a14="http://schemas.microsoft.com/office/drawing/2010/main" xmlns="">
                 <a:solidFill>
                   <a:srgbClr val="FFFFFF"/>
                 </a:solidFill>
@@ -10027,7 +10027,7 @@
               </a:ln>
               <a:extLst>
                 <a:ext uri="{91240B29-F687-4f45-9708-019B960494DF}">
-                  <a14:hiddenLine xmlns="" xmlns:a14="http://schemas.microsoft.com/office/drawing/2010/main" w="9525">
+                  <a14:hiddenLine xmlns:a14="http://schemas.microsoft.com/office/drawing/2010/main" xmlns="" w="9525">
                     <a:solidFill>
                       <a:srgbClr val="000000"/>
                     </a:solidFill>
@@ -10117,7 +10117,7 @@
               </a:ln>
               <a:extLst>
                 <a:ext uri="{91240B29-F687-4f45-9708-019B960494DF}">
-                  <a14:hiddenLine xmlns="" xmlns:a14="http://schemas.microsoft.com/office/drawing/2010/main" w="9525">
+                  <a14:hiddenLine xmlns:a14="http://schemas.microsoft.com/office/drawing/2010/main" xmlns="" w="9525">
                     <a:solidFill>
                       <a:srgbClr val="000000"/>
                     </a:solidFill>
@@ -10207,7 +10207,7 @@
               </a:ln>
               <a:extLst>
                 <a:ext uri="{91240B29-F687-4f45-9708-019B960494DF}">
-                  <a14:hiddenLine xmlns="" xmlns:a14="http://schemas.microsoft.com/office/drawing/2010/main" w="9525">
+                  <a14:hiddenLine xmlns:a14="http://schemas.microsoft.com/office/drawing/2010/main" xmlns="" w="9525">
                     <a:solidFill>
                       <a:srgbClr val="000000"/>
                     </a:solidFill>
@@ -10269,7 +10269,7 @@
               </a:ln>
               <a:extLst>
                 <a:ext uri="{91240B29-F687-4f45-9708-019B960494DF}">
-                  <a14:hiddenLine xmlns="" xmlns:a14="http://schemas.microsoft.com/office/drawing/2010/main" w="9525">
+                  <a14:hiddenLine xmlns:a14="http://schemas.microsoft.com/office/drawing/2010/main" xmlns="" w="9525">
                     <a:solidFill>
                       <a:srgbClr val="000000"/>
                     </a:solidFill>
@@ -10359,7 +10359,7 @@
               </a:ln>
               <a:extLst>
                 <a:ext uri="{91240B29-F687-4f45-9708-019B960494DF}">
-                  <a14:hiddenLine xmlns="" xmlns:a14="http://schemas.microsoft.com/office/drawing/2010/main" w="9525">
+                  <a14:hiddenLine xmlns:a14="http://schemas.microsoft.com/office/drawing/2010/main" xmlns="" w="9525">
                     <a:solidFill>
                       <a:srgbClr val="000000"/>
                     </a:solidFill>
@@ -10421,7 +10421,7 @@
               </a:ln>
               <a:extLst>
                 <a:ext uri="{91240B29-F687-4f45-9708-019B960494DF}">
-                  <a14:hiddenLine xmlns="" xmlns:a14="http://schemas.microsoft.com/office/drawing/2010/main" w="9525">
+                  <a14:hiddenLine xmlns:a14="http://schemas.microsoft.com/office/drawing/2010/main" xmlns="" w="9525">
                     <a:solidFill>
                       <a:srgbClr val="000000"/>
                     </a:solidFill>
@@ -10483,7 +10483,7 @@
               </a:ln>
               <a:extLst>
                 <a:ext uri="{91240B29-F687-4f45-9708-019B960494DF}">
-                  <a14:hiddenLine xmlns="" xmlns:a14="http://schemas.microsoft.com/office/drawing/2010/main" w="9525">
+                  <a14:hiddenLine xmlns:a14="http://schemas.microsoft.com/office/drawing/2010/main" xmlns="" w="9525">
                     <a:solidFill>
                       <a:srgbClr val="000000"/>
                     </a:solidFill>
@@ -10573,7 +10573,7 @@
               </a:ln>
               <a:extLst>
                 <a:ext uri="{91240B29-F687-4f45-9708-019B960494DF}">
-                  <a14:hiddenLine xmlns="" xmlns:a14="http://schemas.microsoft.com/office/drawing/2010/main" w="9525">
+                  <a14:hiddenLine xmlns:a14="http://schemas.microsoft.com/office/drawing/2010/main" xmlns="" w="9525">
                     <a:solidFill>
                       <a:srgbClr val="000000"/>
                     </a:solidFill>
@@ -10663,7 +10663,7 @@
               </a:ln>
               <a:extLst>
                 <a:ext uri="{91240B29-F687-4f45-9708-019B960494DF}">
-                  <a14:hiddenLine xmlns="" xmlns:a14="http://schemas.microsoft.com/office/drawing/2010/main" w="9525">
+                  <a14:hiddenLine xmlns:a14="http://schemas.microsoft.com/office/drawing/2010/main" xmlns="" w="9525">
                     <a:solidFill>
                       <a:srgbClr val="000000"/>
                     </a:solidFill>
@@ -10725,7 +10725,7 @@
               </a:ln>
               <a:extLst>
                 <a:ext uri="{91240B29-F687-4f45-9708-019B960494DF}">
-                  <a14:hiddenLine xmlns="" xmlns:a14="http://schemas.microsoft.com/office/drawing/2010/main" w="9525">
+                  <a14:hiddenLine xmlns:a14="http://schemas.microsoft.com/office/drawing/2010/main" xmlns="" w="9525">
                     <a:solidFill>
                       <a:srgbClr val="000000"/>
                     </a:solidFill>
@@ -10835,7 +10835,7 @@
               </a:ln>
               <a:extLst>
                 <a:ext uri="{91240B29-F687-4f45-9708-019B960494DF}">
-                  <a14:hiddenLine xmlns="" xmlns:a14="http://schemas.microsoft.com/office/drawing/2010/main" w="9525">
+                  <a14:hiddenLine xmlns:a14="http://schemas.microsoft.com/office/drawing/2010/main" xmlns="" w="9525">
                     <a:solidFill>
                       <a:srgbClr val="000000"/>
                     </a:solidFill>
@@ -10919,7 +10919,7 @@
               </a:ln>
               <a:extLst>
                 <a:ext uri="{91240B29-F687-4f45-9708-019B960494DF}">
-                  <a14:hiddenLine xmlns="" xmlns:a14="http://schemas.microsoft.com/office/drawing/2010/main" w="9525">
+                  <a14:hiddenLine xmlns:a14="http://schemas.microsoft.com/office/drawing/2010/main" xmlns="" w="9525">
                     <a:solidFill>
                       <a:srgbClr val="000000"/>
                     </a:solidFill>
@@ -10981,7 +10981,7 @@
               </a:ln>
               <a:extLst>
                 <a:ext uri="{91240B29-F687-4f45-9708-019B960494DF}">
-                  <a14:hiddenLine xmlns="" xmlns:a14="http://schemas.microsoft.com/office/drawing/2010/main" w="9525">
+                  <a14:hiddenLine xmlns:a14="http://schemas.microsoft.com/office/drawing/2010/main" xmlns="" w="9525">
                     <a:solidFill>
                       <a:srgbClr val="000000"/>
                     </a:solidFill>
@@ -11043,7 +11043,7 @@
               </a:ln>
               <a:extLst>
                 <a:ext uri="{91240B29-F687-4f45-9708-019B960494DF}">
-                  <a14:hiddenLine xmlns="" xmlns:a14="http://schemas.microsoft.com/office/drawing/2010/main" w="9525">
+                  <a14:hiddenLine xmlns:a14="http://schemas.microsoft.com/office/drawing/2010/main" xmlns="" w="9525">
                     <a:solidFill>
                       <a:srgbClr val="000000"/>
                     </a:solidFill>
@@ -11133,7 +11133,7 @@
               </a:ln>
               <a:extLst>
                 <a:ext uri="{91240B29-F687-4f45-9708-019B960494DF}">
-                  <a14:hiddenLine xmlns="" xmlns:a14="http://schemas.microsoft.com/office/drawing/2010/main" w="9525">
+                  <a14:hiddenLine xmlns:a14="http://schemas.microsoft.com/office/drawing/2010/main" xmlns="" w="9525">
                     <a:solidFill>
                       <a:srgbClr val="000000"/>
                     </a:solidFill>
@@ -11167,7 +11167,7 @@
               </a:ln>
               <a:extLst>
                 <a:ext uri="{91240B29-F687-4f45-9708-019B960494DF}">
-                  <a14:hiddenLine xmlns="" xmlns:a14="http://schemas.microsoft.com/office/drawing/2010/main" w="9525">
+                  <a14:hiddenLine xmlns:a14="http://schemas.microsoft.com/office/drawing/2010/main" xmlns="" w="9525">
                     <a:solidFill>
                       <a:srgbClr val="000000"/>
                     </a:solidFill>
@@ -11232,7 +11232,7 @@
               </a:ln>
               <a:extLst>
                 <a:ext uri="{91240B29-F687-4f45-9708-019B960494DF}">
-                  <a14:hiddenLine xmlns="" xmlns:a14="http://schemas.microsoft.com/office/drawing/2010/main" w="9525">
+                  <a14:hiddenLine xmlns:a14="http://schemas.microsoft.com/office/drawing/2010/main" xmlns="" w="9525">
                     <a:solidFill>
                       <a:srgbClr val="000000"/>
                     </a:solidFill>
@@ -11322,7 +11322,7 @@
               </a:ln>
               <a:extLst>
                 <a:ext uri="{91240B29-F687-4f45-9708-019B960494DF}">
-                  <a14:hiddenLine xmlns="" xmlns:a14="http://schemas.microsoft.com/office/drawing/2010/main" w="9525">
+                  <a14:hiddenLine xmlns:a14="http://schemas.microsoft.com/office/drawing/2010/main" xmlns="" w="9525">
                     <a:solidFill>
                       <a:srgbClr val="000000"/>
                     </a:solidFill>
@@ -11384,7 +11384,7 @@
               </a:ln>
               <a:extLst>
                 <a:ext uri="{91240B29-F687-4f45-9708-019B960494DF}">
-                  <a14:hiddenLine xmlns="" xmlns:a14="http://schemas.microsoft.com/office/drawing/2010/main" w="9525">
+                  <a14:hiddenLine xmlns:a14="http://schemas.microsoft.com/office/drawing/2010/main" xmlns="" w="9525">
                     <a:solidFill>
                       <a:srgbClr val="000000"/>
                     </a:solidFill>
@@ -11474,7 +11474,7 @@
               </a:ln>
               <a:extLst>
                 <a:ext uri="{91240B29-F687-4f45-9708-019B960494DF}">
-                  <a14:hiddenLine xmlns="" xmlns:a14="http://schemas.microsoft.com/office/drawing/2010/main" w="9525">
+                  <a14:hiddenLine xmlns:a14="http://schemas.microsoft.com/office/drawing/2010/main" xmlns="" w="9525">
                     <a:solidFill>
                       <a:srgbClr val="000000"/>
                     </a:solidFill>
@@ -11539,7 +11539,7 @@
               </a:ln>
               <a:extLst>
                 <a:ext uri="{91240B29-F687-4f45-9708-019B960494DF}">
-                  <a14:hiddenLine xmlns="" xmlns:a14="http://schemas.microsoft.com/office/drawing/2010/main" w="9525">
+                  <a14:hiddenLine xmlns:a14="http://schemas.microsoft.com/office/drawing/2010/main" xmlns="" w="9525">
                     <a:solidFill>
                       <a:srgbClr val="000000"/>
                     </a:solidFill>
@@ -11601,7 +11601,7 @@
               </a:ln>
               <a:extLst>
                 <a:ext uri="{91240B29-F687-4f45-9708-019B960494DF}">
-                  <a14:hiddenLine xmlns="" xmlns:a14="http://schemas.microsoft.com/office/drawing/2010/main" w="9525">
+                  <a14:hiddenLine xmlns:a14="http://schemas.microsoft.com/office/drawing/2010/main" xmlns="" w="9525">
                     <a:solidFill>
                       <a:srgbClr val="000000"/>
                     </a:solidFill>
@@ -11691,7 +11691,7 @@
               </a:ln>
               <a:extLst>
                 <a:ext uri="{91240B29-F687-4f45-9708-019B960494DF}">
-                  <a14:hiddenLine xmlns="" xmlns:a14="http://schemas.microsoft.com/office/drawing/2010/main" w="9525">
+                  <a14:hiddenLine xmlns:a14="http://schemas.microsoft.com/office/drawing/2010/main" xmlns="" w="9525">
                     <a:solidFill>
                       <a:srgbClr val="000000"/>
                     </a:solidFill>
@@ -11781,7 +11781,7 @@
               </a:ln>
               <a:extLst>
                 <a:ext uri="{91240B29-F687-4f45-9708-019B960494DF}">
-                  <a14:hiddenLine xmlns="" xmlns:a14="http://schemas.microsoft.com/office/drawing/2010/main" w="9525">
+                  <a14:hiddenLine xmlns:a14="http://schemas.microsoft.com/office/drawing/2010/main" xmlns="" w="9525">
                     <a:solidFill>
                       <a:srgbClr val="000000"/>
                     </a:solidFill>
@@ -11846,7 +11846,7 @@
               </a:ln>
               <a:extLst>
                 <a:ext uri="{91240B29-F687-4f45-9708-019B960494DF}">
-                  <a14:hiddenLine xmlns="" xmlns:a14="http://schemas.microsoft.com/office/drawing/2010/main" w="9525">
+                  <a14:hiddenLine xmlns:a14="http://schemas.microsoft.com/office/drawing/2010/main" xmlns="" w="9525">
                     <a:solidFill>
                       <a:srgbClr val="000000"/>
                     </a:solidFill>
@@ -11966,7 +11966,7 @@
               </a:ln>
               <a:extLst>
                 <a:ext uri="{91240B29-F687-4f45-9708-019B960494DF}">
-                  <a14:hiddenLine xmlns="" xmlns:a14="http://schemas.microsoft.com/office/drawing/2010/main" w="9525">
+                  <a14:hiddenLine xmlns:a14="http://schemas.microsoft.com/office/drawing/2010/main" xmlns="" w="9525">
                     <a:solidFill>
                       <a:srgbClr val="000000"/>
                     </a:solidFill>
@@ -12064,7 +12064,7 @@
               </a:ln>
               <a:extLst>
                 <a:ext uri="{91240B29-F687-4f45-9708-019B960494DF}">
-                  <a14:hiddenLine xmlns="" xmlns:a14="http://schemas.microsoft.com/office/drawing/2010/main" w="9525">
+                  <a14:hiddenLine xmlns:a14="http://schemas.microsoft.com/office/drawing/2010/main" xmlns="" w="9525">
                     <a:solidFill>
                       <a:srgbClr val="000000"/>
                     </a:solidFill>
@@ -12179,7 +12179,7 @@
               </a:ln>
               <a:extLst>
                 <a:ext uri="{91240B29-F687-4f45-9708-019B960494DF}">
-                  <a14:hiddenLine xmlns="" xmlns:a14="http://schemas.microsoft.com/office/drawing/2010/main" w="9525">
+                  <a14:hiddenLine xmlns:a14="http://schemas.microsoft.com/office/drawing/2010/main" xmlns="" w="9525">
                     <a:solidFill>
                       <a:srgbClr val="000000"/>
                     </a:solidFill>
@@ -12269,7 +12269,7 @@
               </a:ln>
               <a:extLst>
                 <a:ext uri="{91240B29-F687-4f45-9708-019B960494DF}">
-                  <a14:hiddenLine xmlns="" xmlns:a14="http://schemas.microsoft.com/office/drawing/2010/main" w="9525">
+                  <a14:hiddenLine xmlns:a14="http://schemas.microsoft.com/office/drawing/2010/main" xmlns="" w="9525">
                     <a:solidFill>
                       <a:srgbClr val="000000"/>
                     </a:solidFill>
@@ -12334,7 +12334,7 @@
               </a:ln>
               <a:extLst>
                 <a:ext uri="{91240B29-F687-4f45-9708-019B960494DF}">
-                  <a14:hiddenLine xmlns="" xmlns:a14="http://schemas.microsoft.com/office/drawing/2010/main" w="9525">
+                  <a14:hiddenLine xmlns:a14="http://schemas.microsoft.com/office/drawing/2010/main" xmlns="" w="9525">
                     <a:solidFill>
                       <a:srgbClr val="000000"/>
                     </a:solidFill>
@@ -12424,7 +12424,7 @@
               </a:ln>
               <a:extLst>
                 <a:ext uri="{91240B29-F687-4f45-9708-019B960494DF}">
-                  <a14:hiddenLine xmlns="" xmlns:a14="http://schemas.microsoft.com/office/drawing/2010/main" w="9525">
+                  <a14:hiddenLine xmlns:a14="http://schemas.microsoft.com/office/drawing/2010/main" xmlns="" w="9525">
                     <a:solidFill>
                       <a:srgbClr val="000000"/>
                     </a:solidFill>
@@ -12492,7 +12492,7 @@
               </a:ln>
               <a:extLst>
                 <a:ext uri="{91240B29-F687-4f45-9708-019B960494DF}">
-                  <a14:hiddenLine xmlns="" xmlns:a14="http://schemas.microsoft.com/office/drawing/2010/main" w="9525">
+                  <a14:hiddenLine xmlns:a14="http://schemas.microsoft.com/office/drawing/2010/main" xmlns="" w="9525">
                     <a:solidFill>
                       <a:srgbClr val="000000"/>
                     </a:solidFill>
@@ -12582,7 +12582,7 @@
               </a:ln>
               <a:extLst>
                 <a:ext uri="{91240B29-F687-4f45-9708-019B960494DF}">
-                  <a14:hiddenLine xmlns="" xmlns:a14="http://schemas.microsoft.com/office/drawing/2010/main" w="9525">
+                  <a14:hiddenLine xmlns:a14="http://schemas.microsoft.com/office/drawing/2010/main" xmlns="" w="9525">
                     <a:solidFill>
                       <a:srgbClr val="000000"/>
                     </a:solidFill>
@@ -12650,7 +12650,7 @@
               </a:ln>
               <a:extLst>
                 <a:ext uri="{91240B29-F687-4f45-9708-019B960494DF}">
-                  <a14:hiddenLine xmlns="" xmlns:a14="http://schemas.microsoft.com/office/drawing/2010/main" w="9525">
+                  <a14:hiddenLine xmlns:a14="http://schemas.microsoft.com/office/drawing/2010/main" xmlns="" w="9525">
                     <a:solidFill>
                       <a:srgbClr val="000000"/>
                     </a:solidFill>
@@ -12740,7 +12740,7 @@
               </a:ln>
               <a:extLst>
                 <a:ext uri="{91240B29-F687-4f45-9708-019B960494DF}">
-                  <a14:hiddenLine xmlns="" xmlns:a14="http://schemas.microsoft.com/office/drawing/2010/main" w="9525">
+                  <a14:hiddenLine xmlns:a14="http://schemas.microsoft.com/office/drawing/2010/main" xmlns="" w="9525">
                     <a:solidFill>
                       <a:srgbClr val="000000"/>
                     </a:solidFill>
@@ -12774,7 +12774,7 @@
               </a:ln>
               <a:extLst>
                 <a:ext uri="{91240B29-F687-4f45-9708-019B960494DF}">
-                  <a14:hiddenLine xmlns="" xmlns:a14="http://schemas.microsoft.com/office/drawing/2010/main" w="9525">
+                  <a14:hiddenLine xmlns:a14="http://schemas.microsoft.com/office/drawing/2010/main" xmlns="" w="9525">
                     <a:solidFill>
                       <a:srgbClr val="000000"/>
                     </a:solidFill>
@@ -12914,7 +12914,7 @@
           <a:p>
             <a:fld id="{C4C0C060-C3B5-443A-A207-3B90D6A656A5}" type="datetimeFigureOut">
               <a:rPr lang="en-GB" smtClean="0"/>
-              <a:t>07/04/2018</a:t>
+              <a:t>10/04/2018</a:t>
             </a:fld>
             <a:endParaRPr lang="en-GB"/>
           </a:p>
@@ -13551,13 +13551,17 @@
         </p:spPr>
         <p:txBody>
           <a:bodyPr>
-            <a:normAutofit fontScale="92500"/>
+            <a:normAutofit/>
           </a:bodyPr>
           <a:lstStyle/>
           <a:p>
             <a:r>
+              <a:rPr lang="en-GB" dirty="0" smtClean="0"/>
+              <a:t>Used to </a:t>
+            </a:r>
+            <a:r>
               <a:rPr lang="en-GB" dirty="0"/>
-              <a:t>Documentation Management is a method used to preserve the files in an external storage where it’s secure and accessible by other team members.</a:t>
+              <a:t>preserve the files in an external storage where it’s secure and accessible by other team members.</a:t>
             </a:r>
           </a:p>
           <a:p>
@@ -13566,17 +13570,23 @@
           <a:p>
             <a:r>
               <a:rPr lang="en-GB" dirty="0"/>
-              <a:t>Version Control keeps track of all the modifications performed by the team and will allow you to go back to a certain point in development and start afresh.</a:t>
-            </a:r>
-          </a:p>
-          <a:p>
+              <a:t>Version Control keeps track of all the modifications performed by </a:t>
+            </a:r>
+            <a:r>
+              <a:rPr lang="en-GB" dirty="0" smtClean="0"/>
+              <a:t>the team.</a:t>
+            </a:r>
             <a:endParaRPr lang="en-GB" dirty="0"/>
           </a:p>
           <a:p>
-            <a:r>
-              <a:rPr lang="en-GB" dirty="0"/>
-              <a:t>We’ll be covering how documentation management and version control were used to support the management of the software development exercise.</a:t>
-            </a:r>
+            <a:endParaRPr lang="en-GB" dirty="0"/>
+          </a:p>
+          <a:p>
+            <a:r>
+              <a:rPr lang="en-GB" dirty="0" smtClean="0"/>
+              <a:t>Talking about how they were used.</a:t>
+            </a:r>
+            <a:endParaRPr lang="en-GB" dirty="0"/>
           </a:p>
           <a:p>
             <a:endParaRPr lang="en-GB" dirty="0"/>
@@ -14043,17 +14053,35 @@
           <a:p>
             <a:r>
               <a:rPr lang="en-US" dirty="0"/>
-              <a:t>Google Drive was used to securely store the files and it allowed the team to access them anytime.</a:t>
-            </a:r>
+              <a:t>Google Drive was used to securely store the </a:t>
+            </a:r>
+            <a:r>
+              <a:rPr lang="en-US" dirty="0" smtClean="0"/>
+              <a:t>files.</a:t>
+            </a:r>
+          </a:p>
+          <a:p>
+            <a:endParaRPr lang="en-US" dirty="0" smtClean="0"/>
           </a:p>
           <a:p>
             <a:endParaRPr lang="en-US" dirty="0"/>
           </a:p>
           <a:p>
             <a:r>
+              <a:rPr lang="en-US" dirty="0" smtClean="0"/>
+              <a:t>Allowed the </a:t>
+            </a:r>
+            <a:r>
               <a:rPr lang="en-US" dirty="0"/>
-              <a:t>It allowed the team to make any changes to the files freely or work together to make spontaneous changes.</a:t>
-            </a:r>
+              <a:t>team to make any changes to the files </a:t>
+            </a:r>
+            <a:r>
+              <a:rPr lang="en-US" dirty="0" smtClean="0"/>
+              <a:t>freely.</a:t>
+            </a:r>
+          </a:p>
+          <a:p>
+            <a:endParaRPr lang="en-US" dirty="0" smtClean="0"/>
           </a:p>
           <a:p>
             <a:endParaRPr lang="en-US" dirty="0"/>
@@ -14061,10 +14089,20 @@
           <a:p>
             <a:r>
               <a:rPr lang="en-US" dirty="0"/>
-              <a:t>Notifications about changes made in the documents allowed the team to be up to date with the progress. </a:t>
-            </a:r>
-          </a:p>
-          <a:p>
+              <a:t>Notifications </a:t>
+            </a:r>
+            <a:r>
+              <a:rPr lang="en-US" dirty="0" smtClean="0"/>
+              <a:t>allowed </a:t>
+            </a:r>
+            <a:r>
+              <a:rPr lang="en-US" dirty="0"/>
+              <a:t>the team to be up to date with the progress</a:t>
+            </a:r>
+            <a:r>
+              <a:rPr lang="en-US" dirty="0" smtClean="0"/>
+              <a:t>.</a:t>
+            </a:r>
             <a:endParaRPr lang="en-US" dirty="0"/>
           </a:p>
         </p:txBody>
@@ -14277,7 +14315,7 @@
                                         <p:tgtEl>
                                           <p:spTgt spid="10">
                                             <p:txEl>
-                                              <p:pRg st="2" end="2"/>
+                                              <p:pRg st="3" end="3"/>
                                             </p:txEl>
                                           </p:spTgt>
                                         </p:tgtEl>
@@ -14295,7 +14333,7 @@
                                         <p:tgtEl>
                                           <p:spTgt spid="10">
                                             <p:txEl>
-                                              <p:pRg st="2" end="2"/>
+                                              <p:pRg st="3" end="3"/>
                                             </p:txEl>
                                           </p:spTgt>
                                         </p:tgtEl>
@@ -14373,7 +14411,7 @@
                                         <p:tgtEl>
                                           <p:spTgt spid="10">
                                             <p:txEl>
-                                              <p:pRg st="4" end="4"/>
+                                              <p:pRg st="6" end="6"/>
                                             </p:txEl>
                                           </p:spTgt>
                                         </p:tgtEl>
@@ -14391,7 +14429,7 @@
                                         <p:tgtEl>
                                           <p:spTgt spid="10">
                                             <p:txEl>
-                                              <p:pRg st="4" end="4"/>
+                                              <p:pRg st="6" end="6"/>
                                             </p:txEl>
                                           </p:spTgt>
                                         </p:tgtEl>
@@ -14587,34 +14625,72 @@
         </p:spPr>
         <p:txBody>
           <a:bodyPr>
-            <a:normAutofit fontScale="92500"/>
+            <a:normAutofit/>
           </a:bodyPr>
           <a:lstStyle/>
           <a:p>
             <a:r>
+              <a:rPr lang="en-GB" dirty="0" smtClean="0"/>
+              <a:t>GitHub was also used </a:t>
+            </a:r>
+            <a:r>
               <a:rPr lang="en-GB" dirty="0"/>
-              <a:t>GitHub was another software used to securely store the files in an online storage.</a:t>
-            </a:r>
-          </a:p>
-          <a:p>
+              <a:t>to securely store the </a:t>
+            </a:r>
+            <a:r>
+              <a:rPr lang="en-GB" dirty="0" smtClean="0"/>
+              <a:t>files.</a:t>
+            </a:r>
             <a:endParaRPr lang="en-GB" dirty="0"/>
           </a:p>
           <a:p>
+            <a:endParaRPr lang="en-GB" dirty="0" smtClean="0"/>
+          </a:p>
+          <a:p>
+            <a:endParaRPr lang="en-GB" dirty="0"/>
+          </a:p>
+          <a:p>
             <a:r>
               <a:rPr lang="en-GB" dirty="0"/>
-              <a:t>It allowed the team to keep track of all the updates performed through the course of the development.</a:t>
-            </a:r>
-          </a:p>
-          <a:p>
+              <a:t>A</a:t>
+            </a:r>
+            <a:r>
+              <a:rPr lang="en-GB" dirty="0" smtClean="0"/>
+              <a:t>llowed </a:t>
+            </a:r>
+            <a:r>
+              <a:rPr lang="en-GB" dirty="0"/>
+              <a:t>the team to keep track of all the </a:t>
+            </a:r>
+            <a:r>
+              <a:rPr lang="en-GB" dirty="0" smtClean="0"/>
+              <a:t>updates.</a:t>
+            </a:r>
             <a:endParaRPr lang="en-GB" dirty="0"/>
           </a:p>
           <a:p>
+            <a:endParaRPr lang="en-GB" dirty="0" smtClean="0"/>
+          </a:p>
+          <a:p>
+            <a:endParaRPr lang="en-GB" dirty="0"/>
+          </a:p>
+          <a:p>
             <a:r>
               <a:rPr lang="en-GB" dirty="0"/>
-              <a:t>It proved better than Google Drive in terms of uploading and accessibility.</a:t>
-            </a:r>
-          </a:p>
-          <a:p>
+              <a:t>P</a:t>
+            </a:r>
+            <a:r>
+              <a:rPr lang="en-GB" dirty="0" smtClean="0"/>
+              <a:t>roved </a:t>
+            </a:r>
+            <a:r>
+              <a:rPr lang="en-GB" dirty="0"/>
+              <a:t>better than Google </a:t>
+            </a:r>
+            <a:r>
+              <a:rPr lang="en-GB" dirty="0" smtClean="0"/>
+              <a:t>Drive.</a:t>
+            </a:r>
             <a:endParaRPr lang="en-GB" dirty="0"/>
           </a:p>
           <a:p>
@@ -14913,7 +14989,7 @@
                                         <p:tgtEl>
                                           <p:spTgt spid="3">
                                             <p:txEl>
-                                              <p:pRg st="2" end="2"/>
+                                              <p:pRg st="3" end="3"/>
                                             </p:txEl>
                                           </p:spTgt>
                                         </p:tgtEl>
@@ -14931,7 +15007,7 @@
                                         <p:tgtEl>
                                           <p:spTgt spid="3">
                                             <p:txEl>
-                                              <p:pRg st="2" end="2"/>
+                                              <p:pRg st="3" end="3"/>
                                             </p:txEl>
                                           </p:spTgt>
                                         </p:tgtEl>
@@ -15053,7 +15129,7 @@
                                         <p:tgtEl>
                                           <p:spTgt spid="3">
                                             <p:txEl>
-                                              <p:pRg st="4" end="4"/>
+                                              <p:pRg st="6" end="6"/>
                                             </p:txEl>
                                           </p:spTgt>
                                         </p:tgtEl>
@@ -15071,7 +15147,7 @@
                                         <p:tgtEl>
                                           <p:spTgt spid="3">
                                             <p:txEl>
-                                              <p:pRg st="4" end="4"/>
+                                              <p:pRg st="6" end="6"/>
                                             </p:txEl>
                                           </p:spTgt>
                                         </p:tgtEl>
@@ -15191,26 +15267,52 @@
           <a:lstStyle/>
           <a:p>
             <a:r>
+              <a:rPr lang="en-GB" dirty="0" smtClean="0"/>
+              <a:t>Made </a:t>
+            </a:r>
+            <a:r>
               <a:rPr lang="en-GB" dirty="0"/>
-              <a:t>The tools supported the team very well as they made communication easier and were very easy to use.</a:t>
-            </a:r>
+              <a:t>communication easier and </a:t>
+            </a:r>
+            <a:r>
+              <a:rPr lang="en-GB" dirty="0" smtClean="0"/>
+              <a:t>easy </a:t>
+            </a:r>
+            <a:r>
+              <a:rPr lang="en-GB" dirty="0"/>
+              <a:t>to use.</a:t>
+            </a:r>
+          </a:p>
+          <a:p>
+            <a:endParaRPr lang="en-GB" dirty="0" smtClean="0"/>
           </a:p>
           <a:p>
             <a:endParaRPr lang="en-GB" dirty="0"/>
           </a:p>
           <a:p>
             <a:r>
+              <a:rPr lang="en-GB" dirty="0" smtClean="0"/>
+              <a:t>Proved to be </a:t>
+            </a:r>
+            <a:r>
               <a:rPr lang="en-GB" dirty="0"/>
-              <a:t>They also proved to be very reliable and cost-efficient.</a:t>
-            </a:r>
+              <a:t>reliable and cost-efficient.</a:t>
+            </a:r>
+          </a:p>
+          <a:p>
+            <a:endParaRPr lang="en-GB" dirty="0" smtClean="0"/>
           </a:p>
           <a:p>
             <a:endParaRPr lang="en-GB" dirty="0"/>
           </a:p>
           <a:p>
             <a:r>
+              <a:rPr lang="en-GB" dirty="0" smtClean="0"/>
+              <a:t>Allowed the team to </a:t>
+            </a:r>
+            <a:r>
               <a:rPr lang="en-GB" dirty="0"/>
-              <a:t>The tools supported our Agile development methods in a better way as they allowed us to work together on a single document and discuss about it at the same time.</a:t>
+              <a:t>work together on a single document and discuss about it at the same time.</a:t>
             </a:r>
           </a:p>
           <a:p>
@@ -15399,7 +15501,7 @@
                                         <p:tgtEl>
                                           <p:spTgt spid="3">
                                             <p:txEl>
-                                              <p:pRg st="2" end="2"/>
+                                              <p:pRg st="3" end="3"/>
                                             </p:txEl>
                                           </p:spTgt>
                                         </p:tgtEl>
@@ -15417,7 +15519,7 @@
                                         <p:tgtEl>
                                           <p:spTgt spid="3">
                                             <p:txEl>
-                                              <p:pRg st="2" end="2"/>
+                                              <p:pRg st="3" end="3"/>
                                             </p:txEl>
                                           </p:spTgt>
                                         </p:tgtEl>
@@ -15460,7 +15562,7 @@
                                         <p:tgtEl>
                                           <p:spTgt spid="3">
                                             <p:txEl>
-                                              <p:pRg st="4" end="4"/>
+                                              <p:pRg st="6" end="6"/>
                                             </p:txEl>
                                           </p:spTgt>
                                         </p:tgtEl>
@@ -15478,7 +15580,7 @@
                                         <p:tgtEl>
                                           <p:spTgt spid="3">
                                             <p:txEl>
-                                              <p:pRg st="4" end="4"/>
+                                              <p:pRg st="6" end="6"/>
                                             </p:txEl>
                                           </p:spTgt>
                                         </p:tgtEl>
@@ -15698,7 +15800,7 @@
                 <a:spcPct val="110000"/>
               </a:lnSpc>
             </a:pPr>
-            <a:endParaRPr lang="en-GB" dirty="0"/>
+            <a:endParaRPr lang="en-GB" dirty="0" smtClean="0"/>
           </a:p>
           <a:p>
             <a:pPr>
@@ -15706,6 +15808,14 @@
                 <a:spcPct val="110000"/>
               </a:lnSpc>
             </a:pPr>
+            <a:endParaRPr lang="en-GB" dirty="0"/>
+          </a:p>
+          <a:p>
+            <a:pPr>
+              <a:lnSpc>
+                <a:spcPct val="110000"/>
+              </a:lnSpc>
+            </a:pPr>
             <a:r>
               <a:rPr lang="en-GB" dirty="0"/>
               <a:t>Some of them are </a:t>
@@ -15746,6 +15856,16 @@
               <a:rPr lang="en-GB" dirty="0"/>
               <a:t> </a:t>
             </a:r>
+            <a:endParaRPr lang="en-GB" dirty="0" smtClean="0"/>
+          </a:p>
+          <a:p>
+            <a:pPr marL="0" indent="0">
+              <a:lnSpc>
+                <a:spcPct val="110000"/>
+              </a:lnSpc>
+              <a:buNone/>
+            </a:pPr>
+            <a:endParaRPr lang="en-GB" dirty="0"/>
           </a:p>
           <a:p>
             <a:pPr>
@@ -16056,7 +16176,7 @@
                                         <p:tgtEl>
                                           <p:spTgt spid="3">
                                             <p:txEl>
-                                              <p:pRg st="2" end="2"/>
+                                              <p:pRg st="3" end="3"/>
                                             </p:txEl>
                                           </p:spTgt>
                                         </p:tgtEl>
@@ -16074,7 +16194,7 @@
                                         <p:tgtEl>
                                           <p:spTgt spid="3">
                                             <p:txEl>
-                                              <p:pRg st="2" end="2"/>
+                                              <p:pRg st="3" end="3"/>
                                             </p:txEl>
                                           </p:spTgt>
                                         </p:tgtEl>
@@ -16117,7 +16237,7 @@
                                         <p:tgtEl>
                                           <p:spTgt spid="3">
                                             <p:txEl>
-                                              <p:pRg st="3" end="3"/>
+                                              <p:pRg st="4" end="4"/>
                                             </p:txEl>
                                           </p:spTgt>
                                         </p:tgtEl>
@@ -16135,7 +16255,7 @@
                                         <p:tgtEl>
                                           <p:spTgt spid="3">
                                             <p:txEl>
-                                              <p:pRg st="3" end="3"/>
+                                              <p:pRg st="4" end="4"/>
                                             </p:txEl>
                                           </p:spTgt>
                                         </p:tgtEl>
@@ -16248,7 +16368,7 @@
                                         <p:tgtEl>
                                           <p:spTgt spid="3">
                                             <p:txEl>
-                                              <p:pRg st="4" end="4"/>
+                                              <p:pRg st="6" end="6"/>
                                             </p:txEl>
                                           </p:spTgt>
                                         </p:tgtEl>
@@ -16266,7 +16386,7 @@
                                         <p:tgtEl>
                                           <p:spTgt spid="3">
                                             <p:txEl>
-                                              <p:pRg st="4" end="4"/>
+                                              <p:pRg st="6" end="6"/>
                                             </p:txEl>
                                           </p:spTgt>
                                         </p:tgtEl>
@@ -16539,25 +16659,47 @@
           <a:p>
             <a:r>
               <a:rPr lang="en-GB" dirty="0"/>
-              <a:t>One of the reasons is that these software products are priced by subscriptions.</a:t>
-            </a:r>
+              <a:t>One of the reasons is that </a:t>
+            </a:r>
+            <a:r>
+              <a:rPr lang="en-GB" dirty="0" smtClean="0"/>
+              <a:t>they’re </a:t>
+            </a:r>
+            <a:r>
+              <a:rPr lang="en-GB" dirty="0"/>
+              <a:t>priced by subscriptions.</a:t>
+            </a:r>
+          </a:p>
+          <a:p>
+            <a:endParaRPr lang="en-GB" dirty="0" smtClean="0"/>
           </a:p>
           <a:p>
             <a:endParaRPr lang="en-GB" dirty="0"/>
           </a:p>
           <a:p>
             <a:r>
+              <a:rPr lang="en-GB" dirty="0" smtClean="0"/>
+              <a:t>The </a:t>
+            </a:r>
+            <a:r>
               <a:rPr lang="en-GB" dirty="0"/>
-              <a:t>The other reason is that, the features they provided weren’t necessary for our project.</a:t>
-            </a:r>
+              <a:t>features they provided weren’t necessary for our project.</a:t>
+            </a:r>
+          </a:p>
+          <a:p>
+            <a:endParaRPr lang="en-GB" dirty="0" smtClean="0"/>
           </a:p>
           <a:p>
             <a:endParaRPr lang="en-GB" dirty="0"/>
           </a:p>
           <a:p>
             <a:r>
+              <a:rPr lang="en-GB" dirty="0" smtClean="0"/>
+              <a:t>The team </a:t>
+            </a:r>
+            <a:r>
               <a:rPr lang="en-GB" dirty="0"/>
-              <a:t>Even if the above conditions were favourable to the team, the team members could not afford to pay for such services.</a:t>
+              <a:t>members could not afford to pay for such services.</a:t>
             </a:r>
           </a:p>
           <a:p>
@@ -16879,7 +17021,7 @@
                                         <p:tgtEl>
                                           <p:spTgt spid="3">
                                             <p:txEl>
-                                              <p:pRg st="2" end="2"/>
+                                              <p:pRg st="3" end="3"/>
                                             </p:txEl>
                                           </p:spTgt>
                                         </p:tgtEl>
@@ -16897,7 +17039,7 @@
                                         <p:tgtEl>
                                           <p:spTgt spid="3">
                                             <p:txEl>
-                                              <p:pRg st="2" end="2"/>
+                                              <p:pRg st="3" end="3"/>
                                             </p:txEl>
                                           </p:spTgt>
                                         </p:tgtEl>
@@ -16940,7 +17082,7 @@
                                         <p:tgtEl>
                                           <p:spTgt spid="3">
                                             <p:txEl>
-                                              <p:pRg st="4" end="4"/>
+                                              <p:pRg st="6" end="6"/>
                                             </p:txEl>
                                           </p:spTgt>
                                         </p:tgtEl>
@@ -16958,7 +17100,7 @@
                                         <p:tgtEl>
                                           <p:spTgt spid="3">
                                             <p:txEl>
-                                              <p:pRg st="4" end="4"/>
+                                              <p:pRg st="6" end="6"/>
                                             </p:txEl>
                                           </p:spTgt>
                                         </p:tgtEl>
@@ -17070,7 +17212,9 @@
           </a:xfrm>
         </p:spPr>
         <p:txBody>
-          <a:bodyPr/>
+          <a:bodyPr>
+            <a:normAutofit fontScale="92500" lnSpcReduction="20000"/>
+          </a:bodyPr>
           <a:lstStyle/>
           <a:p>
             <a:r>
@@ -17084,19 +17228,51 @@
           <a:p>
             <a:r>
               <a:rPr lang="en-GB" dirty="0"/>
-              <a:t>https://www.atlassian.com/git/tutorials/what-is-version-control</a:t>
+              <a:t>https://</a:t>
+            </a:r>
+            <a:r>
+              <a:rPr lang="en-GB" dirty="0" smtClean="0"/>
+              <a:t>www.atlassian.com/git/tutorials/what-is-version-control#</a:t>
             </a:r>
           </a:p>
           <a:p>
             <a:endParaRPr lang="en-GB" dirty="0"/>
           </a:p>
           <a:p>
+            <a:r>
+              <a:rPr lang="en-GB" dirty="0"/>
+              <a:t>https://www.orcanos.com/compliance</a:t>
+            </a:r>
+            <a:r>
+              <a:rPr lang="en-GB" dirty="0" smtClean="0"/>
+              <a:t>/</a:t>
+            </a:r>
+          </a:p>
+          <a:p>
             <a:endParaRPr lang="en-GB" dirty="0"/>
           </a:p>
           <a:p>
+            <a:r>
+              <a:rPr lang="en-GB" dirty="0"/>
+              <a:t>https://www.pandadoc.com/features</a:t>
+            </a:r>
+            <a:r>
+              <a:rPr lang="en-GB" dirty="0" smtClean="0"/>
+              <a:t>/</a:t>
+            </a:r>
+          </a:p>
+          <a:p>
             <a:endParaRPr lang="en-GB" dirty="0"/>
           </a:p>
           <a:p>
+            <a:r>
+              <a:rPr lang="en-GB" dirty="0"/>
+              <a:t>https://www.glasscubes.com</a:t>
+            </a:r>
+            <a:r>
+              <a:rPr lang="en-GB" dirty="0" smtClean="0"/>
+              <a:t>/</a:t>
+            </a:r>
             <a:endParaRPr lang="en-GB" dirty="0"/>
           </a:p>
         </p:txBody>
